--- a/毕业答辩.pptx
+++ b/毕业答辩.pptx
@@ -9,15 +9,30 @@
     <p:sldId id="257" r:id="rId3"/>
     <p:sldId id="258" r:id="rId4"/>
     <p:sldId id="259" r:id="rId5"/>
-    <p:sldId id="266" r:id="rId6"/>
-    <p:sldId id="267" r:id="rId7"/>
-    <p:sldId id="268" r:id="rId8"/>
-    <p:sldId id="260" r:id="rId9"/>
-    <p:sldId id="261" r:id="rId10"/>
-    <p:sldId id="262" r:id="rId11"/>
-    <p:sldId id="263" r:id="rId12"/>
-    <p:sldId id="264" r:id="rId13"/>
-    <p:sldId id="265" r:id="rId14"/>
+    <p:sldId id="260" r:id="rId6"/>
+    <p:sldId id="266" r:id="rId7"/>
+    <p:sldId id="267" r:id="rId8"/>
+    <p:sldId id="269" r:id="rId9"/>
+    <p:sldId id="270" r:id="rId10"/>
+    <p:sldId id="271" r:id="rId11"/>
+    <p:sldId id="272" r:id="rId12"/>
+    <p:sldId id="261" r:id="rId13"/>
+    <p:sldId id="273" r:id="rId14"/>
+    <p:sldId id="274" r:id="rId15"/>
+    <p:sldId id="276" r:id="rId16"/>
+    <p:sldId id="277" r:id="rId17"/>
+    <p:sldId id="284" r:id="rId18"/>
+    <p:sldId id="275" r:id="rId19"/>
+    <p:sldId id="278" r:id="rId20"/>
+    <p:sldId id="282" r:id="rId21"/>
+    <p:sldId id="283" r:id="rId22"/>
+    <p:sldId id="279" r:id="rId23"/>
+    <p:sldId id="285" r:id="rId24"/>
+    <p:sldId id="286" r:id="rId25"/>
+    <p:sldId id="262" r:id="rId26"/>
+    <p:sldId id="287" r:id="rId27"/>
+    <p:sldId id="288" r:id="rId28"/>
+    <p:sldId id="263" r:id="rId29"/>
   </p:sldIdLst>
   <p:sldSz cx="12192000" cy="6858000"/>
   <p:notesSz cx="6858000" cy="9144000"/>
@@ -3165,7 +3180,7 @@
           <a:graphicData uri="http://schemas.openxmlformats.org/presentationml/2006/ole">
             <mc:AlternateContent xmlns:mc="http://schemas.openxmlformats.org/markup-compatibility/2006">
               <mc:Choice xmlns:v="urn:schemas-microsoft-com:vml" Requires="v">
-                <p:oleObj spid="_x0000_s1032" name="BMP 图像" r:id="rId3" imgW="2400635" imgH="2476190" progId="Paint.Picture">
+                <p:oleObj spid="_x0000_s1086" name="BMP 图像" r:id="rId3" imgW="2400635" imgH="2476190" progId="Paint.Picture">
                   <p:embed/>
                 </p:oleObj>
               </mc:Choice>
@@ -3781,53 +3796,147 @@
           <a:lstStyle/>
           <a:p>
             <a:r>
-              <a:rPr lang="zh-CN" altLang="en-US" dirty="0"/>
-              <a:t>实验</a:t>
-            </a:r>
-            <a:r>
-              <a:rPr lang="zh-CN" altLang="en-US" dirty="0" smtClean="0"/>
-              <a:t>结果及分析</a:t>
+              <a:rPr lang="en-US" altLang="zh-CN" dirty="0" smtClean="0"/>
+              <a:t>LSTM</a:t>
             </a:r>
             <a:endParaRPr lang="zh-CN" altLang="en-US" dirty="0"/>
           </a:p>
         </p:txBody>
       </p:sp>
-      <p:sp>
-        <p:nvSpPr>
-          <p:cNvPr id="3" name="内容占位符 2"/>
-          <p:cNvSpPr>
-            <a:spLocks noGrp="1"/>
-          </p:cNvSpPr>
-          <p:nvPr>
-            <p:ph idx="1"/>
-          </p:nvPr>
-        </p:nvSpPr>
-        <p:spPr/>
-        <p:txBody>
-          <a:bodyPr/>
-          <a:lstStyle/>
-          <a:p>
-            <a:endParaRPr lang="zh-CN" altLang="en-US"/>
-          </a:p>
-        </p:txBody>
-      </p:sp>
+      <p:pic>
+        <p:nvPicPr>
+          <p:cNvPr id="4" name="图片 3"/>
+          <p:cNvPicPr/>
+          <p:nvPr/>
+        </p:nvPicPr>
+        <p:blipFill>
+          <a:blip r:embed="rId3">
+            <a:extLst>
+              <a:ext uri="{28A0092B-C50C-407E-A947-70E740481C1C}">
+                <a14:useLocalDpi xmlns:a14="http://schemas.microsoft.com/office/drawing/2010/main" val="0"/>
+              </a:ext>
+            </a:extLst>
+          </a:blip>
+          <a:srcRect/>
+          <a:stretch>
+            <a:fillRect/>
+          </a:stretch>
+        </p:blipFill>
+        <p:spPr bwMode="auto">
+          <a:xfrm>
+            <a:off x="254702" y="1690688"/>
+            <a:ext cx="3905431" cy="4367282"/>
+          </a:xfrm>
+          <a:prstGeom prst="rect">
+            <a:avLst/>
+          </a:prstGeom>
+          <a:noFill/>
+          <a:ln>
+            <a:noFill/>
+          </a:ln>
+        </p:spPr>
+      </p:pic>
+      <p:graphicFrame>
+        <p:nvGraphicFramePr>
+          <p:cNvPr id="5" name="对象 4"/>
+          <p:cNvGraphicFramePr>
+            <a:graphicFrameLocks noChangeAspect="1"/>
+          </p:cNvGraphicFramePr>
+          <p:nvPr>
+            <p:extLst>
+              <p:ext uri="{D42A27DB-BD31-4B8C-83A1-F6EECF244321}">
+                <p14:modId xmlns:p14="http://schemas.microsoft.com/office/powerpoint/2010/main" val="240468710"/>
+              </p:ext>
+            </p:extLst>
+          </p:nvPr>
+        </p:nvGraphicFramePr>
+        <p:xfrm>
+          <a:off x="4160133" y="2222109"/>
+          <a:ext cx="7848759" cy="3460652"/>
+        </p:xfrm>
+        <a:graphic>
+          <a:graphicData uri="http://schemas.openxmlformats.org/presentationml/2006/ole">
+            <mc:AlternateContent xmlns:mc="http://schemas.openxmlformats.org/markup-compatibility/2006">
+              <mc:Choice xmlns:v="urn:schemas-microsoft-com:vml" Requires="v">
+                <p:oleObj spid="_x0000_s5150" name="Visio" r:id="rId4" imgW="9420241" imgH="4162517" progId="Visio.Drawing.15">
+                  <p:embed/>
+                </p:oleObj>
+              </mc:Choice>
+              <mc:Fallback>
+                <p:oleObj name="Visio" r:id="rId4" imgW="9420241" imgH="4162517" progId="Visio.Drawing.15">
+                  <p:embed/>
+                  <p:pic>
+                    <p:nvPicPr>
+                      <p:cNvPr id="5" name="对象 4"/>
+                      <p:cNvPicPr>
+                        <a:picLocks noChangeAspect="1" noChangeArrowheads="1"/>
+                      </p:cNvPicPr>
+                      <p:nvPr/>
+                    </p:nvPicPr>
+                    <p:blipFill>
+                      <a:blip r:embed="rId5">
+                        <a:extLst>
+                          <a:ext uri="{28A0092B-C50C-407E-A947-70E740481C1C}">
+                            <a14:useLocalDpi xmlns:a14="http://schemas.microsoft.com/office/drawing/2010/main" val="0"/>
+                          </a:ext>
+                        </a:extLst>
+                      </a:blip>
+                      <a:srcRect/>
+                      <a:stretch>
+                        <a:fillRect/>
+                      </a:stretch>
+                    </p:blipFill>
+                    <p:spPr bwMode="auto">
+                      <a:xfrm>
+                        <a:off x="4160133" y="2222109"/>
+                        <a:ext cx="7848759" cy="3460652"/>
+                      </a:xfrm>
+                      <a:prstGeom prst="rect">
+                        <a:avLst/>
+                      </a:prstGeom>
+                      <a:noFill/>
+                    </p:spPr>
+                  </p:pic>
+                </p:oleObj>
+              </mc:Fallback>
+            </mc:AlternateContent>
+          </a:graphicData>
+        </a:graphic>
+      </p:graphicFrame>
+      <p:pic>
+        <p:nvPicPr>
+          <p:cNvPr id="6" name="图片 5"/>
+          <p:cNvPicPr>
+            <a:picLocks noChangeAspect="1"/>
+          </p:cNvPicPr>
+          <p:nvPr/>
+        </p:nvPicPr>
+        <p:blipFill>
+          <a:blip r:embed="rId6"/>
+          <a:stretch>
+            <a:fillRect/>
+          </a:stretch>
+        </p:blipFill>
+        <p:spPr>
+          <a:xfrm>
+            <a:off x="2983879" y="71805"/>
+            <a:ext cx="4959119" cy="1912203"/>
+          </a:xfrm>
+          <a:prstGeom prst="rect">
+            <a:avLst/>
+          </a:prstGeom>
+        </p:spPr>
+      </p:pic>
     </p:spTree>
     <p:extLst>
       <p:ext uri="{BB962C8B-B14F-4D97-AF65-F5344CB8AC3E}">
-        <p14:creationId xmlns:p14="http://schemas.microsoft.com/office/powerpoint/2010/main" val="3767253811"/>
+        <p14:creationId xmlns:p14="http://schemas.microsoft.com/office/powerpoint/2010/main" val="4198748514"/>
       </p:ext>
     </p:extLst>
   </p:cSld>
   <p:clrMapOvr>
     <a:masterClrMapping/>
   </p:clrMapOvr>
-  <p:timing>
-    <p:tnLst>
-      <p:par>
-        <p:cTn id="1" dur="indefinite" restart="never" nodeType="tmRoot"/>
-      </p:par>
-    </p:tnLst>
-  </p:timing>
 </p:sld>
 </file>
 
@@ -3864,8 +3973,8 @@
           <a:lstStyle/>
           <a:p>
             <a:r>
-              <a:rPr lang="zh-CN" altLang="en-US" dirty="0" smtClean="0"/>
-              <a:t>总结与未来展望</a:t>
+              <a:rPr lang="en-US" altLang="zh-CN" dirty="0" smtClean="0"/>
+              <a:t>LSTM</a:t>
             </a:r>
             <a:endParaRPr lang="zh-CN" altLang="en-US" dirty="0"/>
           </a:p>
@@ -3873,40 +3982,295 @@
       </p:sp>
       <p:sp>
         <p:nvSpPr>
-          <p:cNvPr id="3" name="内容占位符 2"/>
-          <p:cNvSpPr>
-            <a:spLocks noGrp="1"/>
-          </p:cNvSpPr>
-          <p:nvPr>
-            <p:ph idx="1"/>
-          </p:nvPr>
-        </p:nvSpPr>
-        <p:spPr/>
-        <p:txBody>
-          <a:bodyPr/>
+          <p:cNvPr id="4" name="Rectangle 2"/>
+          <p:cNvSpPr>
+            <a:spLocks noChangeArrowheads="1"/>
+          </p:cNvSpPr>
+          <p:nvPr/>
+        </p:nvSpPr>
+        <p:spPr bwMode="auto">
+          <a:xfrm>
+            <a:off x="1064524" y="2129050"/>
+            <a:ext cx="17143827" cy="45719"/>
+          </a:xfrm>
+          <a:prstGeom prst="rect">
+            <a:avLst/>
+          </a:prstGeom>
+          <a:noFill/>
+          <a:ln>
+            <a:noFill/>
+          </a:ln>
+          <a:effectLst/>
+          <a:extLst>
+            <a:ext uri="{909E8E84-426E-40DD-AFC4-6F175D3DCCD1}">
+              <a14:hiddenFill xmlns:a14="http://schemas.microsoft.com/office/drawing/2010/main">
+                <a:solidFill>
+                  <a:schemeClr val="accent1"/>
+                </a:solidFill>
+              </a14:hiddenFill>
+            </a:ext>
+            <a:ext uri="{91240B29-F687-4F45-9708-019B960494DF}">
+              <a14:hiddenLine xmlns:a14="http://schemas.microsoft.com/office/drawing/2010/main" w="9525">
+                <a:solidFill>
+                  <a:schemeClr val="tx1"/>
+                </a:solidFill>
+                <a:miter lim="800000"/>
+                <a:headEnd/>
+                <a:tailEnd/>
+              </a14:hiddenLine>
+            </a:ext>
+            <a:ext uri="{AF507438-7753-43E0-B8FC-AC1667EBCBE1}">
+              <a14:hiddenEffects xmlns:a14="http://schemas.microsoft.com/office/drawing/2010/main">
+                <a:effectLst>
+                  <a:outerShdw dist="35921" dir="2700000" algn="ctr" rotWithShape="0">
+                    <a:schemeClr val="bg2"/>
+                  </a:outerShdw>
+                </a:effectLst>
+              </a14:hiddenEffects>
+            </a:ext>
+          </a:extLst>
+        </p:spPr>
+        <p:txBody>
+          <a:bodyPr vert="horz" wrap="square" lIns="91440" tIns="45720" rIns="91440" bIns="45720" numCol="1" anchor="ctr" anchorCtr="0" compatLnSpc="1">
+            <a:prstTxWarp prst="textNoShape">
+              <a:avLst/>
+            </a:prstTxWarp>
+            <a:spAutoFit/>
+          </a:bodyPr>
           <a:lstStyle/>
           <a:p>
             <a:endParaRPr lang="zh-CN" altLang="en-US"/>
+          </a:p>
+        </p:txBody>
+      </p:sp>
+      <p:graphicFrame>
+        <p:nvGraphicFramePr>
+          <p:cNvPr id="5" name="对象 4"/>
+          <p:cNvGraphicFramePr>
+            <a:graphicFrameLocks noChangeAspect="1"/>
+          </p:cNvGraphicFramePr>
+          <p:nvPr>
+            <p:extLst>
+              <p:ext uri="{D42A27DB-BD31-4B8C-83A1-F6EECF244321}">
+                <p14:modId xmlns:p14="http://schemas.microsoft.com/office/powerpoint/2010/main" val="3795871919"/>
+              </p:ext>
+            </p:extLst>
+          </p:nvPr>
+        </p:nvGraphicFramePr>
+        <p:xfrm>
+          <a:off x="1064525" y="2129050"/>
+          <a:ext cx="7192373" cy="3817181"/>
+        </p:xfrm>
+        <a:graphic>
+          <a:graphicData uri="http://schemas.openxmlformats.org/presentationml/2006/ole">
+            <mc:AlternateContent xmlns:mc="http://schemas.openxmlformats.org/markup-compatibility/2006">
+              <mc:Choice xmlns:v="urn:schemas-microsoft-com:vml" Requires="v">
+                <p:oleObj spid="_x0000_s6173" name="Visio" r:id="rId3" imgW="10020270" imgH="5305622" progId="Visio.Drawing.15">
+                  <p:embed/>
+                </p:oleObj>
+              </mc:Choice>
+              <mc:Fallback>
+                <p:oleObj name="Visio" r:id="rId3" imgW="10020270" imgH="5305622" progId="Visio.Drawing.15">
+                  <p:embed/>
+                  <p:pic>
+                    <p:nvPicPr>
+                      <p:cNvPr id="0" name="Object 1"/>
+                      <p:cNvPicPr>
+                        <a:picLocks noChangeAspect="1" noChangeArrowheads="1"/>
+                      </p:cNvPicPr>
+                      <p:nvPr/>
+                    </p:nvPicPr>
+                    <p:blipFill>
+                      <a:blip r:embed="rId4">
+                        <a:extLst>
+                          <a:ext uri="{28A0092B-C50C-407E-A947-70E740481C1C}">
+                            <a14:useLocalDpi xmlns:a14="http://schemas.microsoft.com/office/drawing/2010/main" val="0"/>
+                          </a:ext>
+                        </a:extLst>
+                      </a:blip>
+                      <a:srcRect/>
+                      <a:stretch>
+                        <a:fillRect/>
+                      </a:stretch>
+                    </p:blipFill>
+                    <p:spPr bwMode="auto">
+                      <a:xfrm>
+                        <a:off x="1064525" y="2129050"/>
+                        <a:ext cx="7192373" cy="3817181"/>
+                      </a:xfrm>
+                      <a:prstGeom prst="rect">
+                        <a:avLst/>
+                      </a:prstGeom>
+                      <a:noFill/>
+                    </p:spPr>
+                  </p:pic>
+                </p:oleObj>
+              </mc:Fallback>
+            </mc:AlternateContent>
+          </a:graphicData>
+        </a:graphic>
+      </p:graphicFrame>
+      <p:sp>
+        <p:nvSpPr>
+          <p:cNvPr id="6" name="矩形 5"/>
+          <p:cNvSpPr/>
+          <p:nvPr/>
+        </p:nvSpPr>
+        <p:spPr>
+          <a:xfrm>
+            <a:off x="3723249" y="709540"/>
+            <a:ext cx="6096000" cy="1200329"/>
+          </a:xfrm>
+          <a:prstGeom prst="rect">
+            <a:avLst/>
+          </a:prstGeom>
+        </p:spPr>
+        <p:txBody>
+          <a:bodyPr>
+            <a:spAutoFit/>
+          </a:bodyPr>
+          <a:lstStyle/>
+          <a:p>
+            <a:r>
+              <a:rPr lang="zh-CN" altLang="zh-CN" kern="100" dirty="0">
+                <a:solidFill>
+                  <a:srgbClr val="000000"/>
+                </a:solidFill>
+                <a:latin typeface="Times New Roman" panose="02020603050405020304" pitchFamily="18" charset="0"/>
+                <a:ea typeface="宋体" panose="02010600030101010101" pitchFamily="2" charset="-122"/>
+                <a:cs typeface="Times New Roman" panose="02020603050405020304" pitchFamily="18" charset="0"/>
+              </a:rPr>
+              <a:t>正是由于</a:t>
+            </a:r>
+            <a:r>
+              <a:rPr lang="en-US" altLang="zh-CN" kern="100" dirty="0">
+                <a:solidFill>
+                  <a:srgbClr val="000000"/>
+                </a:solidFill>
+                <a:latin typeface="Times New Roman" panose="02020603050405020304" pitchFamily="18" charset="0"/>
+                <a:ea typeface="宋体" panose="02010600030101010101" pitchFamily="2" charset="-122"/>
+              </a:rPr>
+              <a:t>LSTM</a:t>
+            </a:r>
+            <a:r>
+              <a:rPr lang="zh-CN" altLang="zh-CN" kern="100" dirty="0">
+                <a:solidFill>
+                  <a:srgbClr val="000000"/>
+                </a:solidFill>
+                <a:latin typeface="Times New Roman" panose="02020603050405020304" pitchFamily="18" charset="0"/>
+                <a:ea typeface="宋体" panose="02010600030101010101" pitchFamily="2" charset="-122"/>
+                <a:cs typeface="Times New Roman" panose="02020603050405020304" pitchFamily="18" charset="0"/>
+              </a:rPr>
+              <a:t>独特的记忆块，使得</a:t>
+            </a:r>
+            <a:r>
+              <a:rPr lang="en-US" altLang="zh-CN" kern="100" dirty="0">
+                <a:solidFill>
+                  <a:srgbClr val="000000"/>
+                </a:solidFill>
+                <a:latin typeface="Times New Roman" panose="02020603050405020304" pitchFamily="18" charset="0"/>
+                <a:ea typeface="宋体" panose="02010600030101010101" pitchFamily="2" charset="-122"/>
+              </a:rPr>
+              <a:t>LSTM</a:t>
+            </a:r>
+            <a:r>
+              <a:rPr lang="zh-CN" altLang="zh-CN" kern="100" dirty="0">
+                <a:solidFill>
+                  <a:srgbClr val="000000"/>
+                </a:solidFill>
+                <a:latin typeface="Times New Roman" panose="02020603050405020304" pitchFamily="18" charset="0"/>
+                <a:ea typeface="宋体" panose="02010600030101010101" pitchFamily="2" charset="-122"/>
+                <a:cs typeface="Times New Roman" panose="02020603050405020304" pitchFamily="18" charset="0"/>
+              </a:rPr>
+              <a:t>可以较好地处理长期依赖问题。在过去几年中，</a:t>
+            </a:r>
+            <a:r>
+              <a:rPr lang="en-US" altLang="zh-CN" kern="100" dirty="0">
+                <a:solidFill>
+                  <a:srgbClr val="000000"/>
+                </a:solidFill>
+                <a:latin typeface="Times New Roman" panose="02020603050405020304" pitchFamily="18" charset="0"/>
+                <a:ea typeface="宋体" panose="02010600030101010101" pitchFamily="2" charset="-122"/>
+              </a:rPr>
+              <a:t>LSTM</a:t>
+            </a:r>
+            <a:r>
+              <a:rPr lang="zh-CN" altLang="zh-CN" kern="100" dirty="0">
+                <a:solidFill>
+                  <a:srgbClr val="000000"/>
+                </a:solidFill>
+                <a:latin typeface="Times New Roman" panose="02020603050405020304" pitchFamily="18" charset="0"/>
+                <a:ea typeface="宋体" panose="02010600030101010101" pitchFamily="2" charset="-122"/>
+                <a:cs typeface="Times New Roman" panose="02020603050405020304" pitchFamily="18" charset="0"/>
+              </a:rPr>
+              <a:t>在许多需要长期依赖记忆的任务中取得了成功</a:t>
+            </a:r>
+            <a:r>
+              <a:rPr lang="en-US" altLang="zh-CN" kern="100" baseline="30000" dirty="0">
+                <a:solidFill>
+                  <a:srgbClr val="000000"/>
+                </a:solidFill>
+                <a:latin typeface="Times New Roman" panose="02020603050405020304" pitchFamily="18" charset="0"/>
+                <a:ea typeface="宋体" panose="02010600030101010101" pitchFamily="2" charset="-122"/>
+              </a:rPr>
+              <a:t>[18,19]</a:t>
+            </a:r>
+            <a:r>
+              <a:rPr lang="en-US" altLang="zh-CN" kern="100" dirty="0">
+                <a:solidFill>
+                  <a:srgbClr val="000000"/>
+                </a:solidFill>
+                <a:latin typeface="Times New Roman" panose="02020603050405020304" pitchFamily="18" charset="0"/>
+                <a:ea typeface="宋体" panose="02010600030101010101" pitchFamily="2" charset="-122"/>
+              </a:rPr>
+              <a:t>, </a:t>
+            </a:r>
+            <a:r>
+              <a:rPr lang="zh-CN" altLang="zh-CN" kern="100" dirty="0">
+                <a:solidFill>
+                  <a:srgbClr val="000000"/>
+                </a:solidFill>
+                <a:latin typeface="Times New Roman" panose="02020603050405020304" pitchFamily="18" charset="0"/>
+                <a:ea typeface="宋体" panose="02010600030101010101" pitchFamily="2" charset="-122"/>
+                <a:cs typeface="Times New Roman" panose="02020603050405020304" pitchFamily="18" charset="0"/>
+              </a:rPr>
+              <a:t>最重要的是，它解决了其他</a:t>
+            </a:r>
+            <a:r>
+              <a:rPr lang="en-US" altLang="zh-CN" kern="100" dirty="0">
+                <a:solidFill>
+                  <a:srgbClr val="000000"/>
+                </a:solidFill>
+                <a:latin typeface="Times New Roman" panose="02020603050405020304" pitchFamily="18" charset="0"/>
+                <a:ea typeface="宋体" panose="02010600030101010101" pitchFamily="2" charset="-122"/>
+              </a:rPr>
+              <a:t>RNN</a:t>
+            </a:r>
+            <a:r>
+              <a:rPr lang="zh-CN" altLang="zh-CN" kern="100" dirty="0">
+                <a:solidFill>
+                  <a:srgbClr val="000000"/>
+                </a:solidFill>
+                <a:latin typeface="Times New Roman" panose="02020603050405020304" pitchFamily="18" charset="0"/>
+                <a:ea typeface="宋体" panose="02010600030101010101" pitchFamily="2" charset="-122"/>
+                <a:cs typeface="Times New Roman" panose="02020603050405020304" pitchFamily="18" charset="0"/>
+              </a:rPr>
+              <a:t>结构无法解决的人工智能相关问题。</a:t>
+            </a:r>
+            <a:endParaRPr lang="zh-CN" altLang="en-US" dirty="0"/>
           </a:p>
         </p:txBody>
       </p:sp>
     </p:spTree>
     <p:extLst>
       <p:ext uri="{BB962C8B-B14F-4D97-AF65-F5344CB8AC3E}">
-        <p14:creationId xmlns:p14="http://schemas.microsoft.com/office/powerpoint/2010/main" val="3084795287"/>
+        <p14:creationId xmlns:p14="http://schemas.microsoft.com/office/powerpoint/2010/main" val="4246869161"/>
       </p:ext>
     </p:extLst>
   </p:cSld>
   <p:clrMapOvr>
     <a:masterClrMapping/>
   </p:clrMapOvr>
-  <p:timing>
-    <p:tnLst>
-      <p:par>
-        <p:cTn id="1" dur="indefinite" restart="never" nodeType="tmRoot"/>
-      </p:par>
-    </p:tnLst>
-  </p:timing>
 </p:sld>
 </file>
 
@@ -3942,7 +4306,19 @@
           <a:bodyPr/>
           <a:lstStyle/>
           <a:p>
-            <a:endParaRPr lang="zh-CN" altLang="en-US"/>
+            <a:r>
+              <a:rPr lang="zh-CN" altLang="en-US" dirty="0" smtClean="0"/>
+              <a:t>基于</a:t>
+            </a:r>
+            <a:r>
+              <a:rPr lang="en-US" altLang="zh-CN" dirty="0" smtClean="0"/>
+              <a:t>RNN</a:t>
+            </a:r>
+            <a:r>
+              <a:rPr lang="zh-CN" altLang="en-US" dirty="0" smtClean="0"/>
+              <a:t>的程序自动生成模型的设计与实现</a:t>
+            </a:r>
+            <a:endParaRPr lang="zh-CN" altLang="en-US" dirty="0"/>
           </a:p>
         </p:txBody>
       </p:sp>
@@ -3961,14 +4337,50 @@
           <a:bodyPr/>
           <a:lstStyle/>
           <a:p>
-            <a:endParaRPr lang="zh-CN" altLang="en-US"/>
+            <a:r>
+              <a:rPr lang="zh-CN" altLang="en-US" dirty="0" smtClean="0"/>
+              <a:t>保留程序结构</a:t>
+            </a:r>
+            <a:endParaRPr lang="en-US" altLang="zh-CN" dirty="0" smtClean="0"/>
+          </a:p>
+          <a:p>
+            <a:r>
+              <a:rPr lang="zh-CN" altLang="en-US" dirty="0" smtClean="0"/>
+              <a:t>模型设计</a:t>
+            </a:r>
+            <a:endParaRPr lang="en-US" altLang="zh-CN" dirty="0" smtClean="0"/>
+          </a:p>
+          <a:p>
+            <a:pPr lvl="1"/>
+            <a:r>
+              <a:rPr lang="en-US" altLang="zh-CN" dirty="0" smtClean="0"/>
+              <a:t>1</a:t>
+            </a:r>
+          </a:p>
+          <a:p>
+            <a:pPr lvl="1"/>
+            <a:r>
+              <a:rPr lang="en-US" altLang="zh-CN" dirty="0" smtClean="0"/>
+              <a:t>2</a:t>
+            </a:r>
+          </a:p>
+          <a:p>
+            <a:pPr lvl="1"/>
+            <a:r>
+              <a:rPr lang="en-US" altLang="zh-CN" dirty="0"/>
+              <a:t>3</a:t>
+            </a:r>
+            <a:endParaRPr lang="en-US" altLang="zh-CN" dirty="0" smtClean="0"/>
+          </a:p>
+          <a:p>
+            <a:endParaRPr lang="en-US" altLang="zh-CN" dirty="0" smtClean="0"/>
           </a:p>
         </p:txBody>
       </p:sp>
     </p:spTree>
     <p:extLst>
       <p:ext uri="{BB962C8B-B14F-4D97-AF65-F5344CB8AC3E}">
-        <p14:creationId xmlns:p14="http://schemas.microsoft.com/office/powerpoint/2010/main" val="2278980568"/>
+        <p14:creationId xmlns:p14="http://schemas.microsoft.com/office/powerpoint/2010/main" val="1435314702"/>
       </p:ext>
     </p:extLst>
   </p:cSld>
@@ -4017,33 +4429,176 @@
           <a:bodyPr/>
           <a:lstStyle/>
           <a:p>
+            <a:r>
+              <a:rPr lang="zh-CN" altLang="en-US" dirty="0" smtClean="0"/>
+              <a:t>保留程序结构</a:t>
+            </a:r>
+            <a:endParaRPr lang="zh-CN" altLang="en-US" dirty="0"/>
+          </a:p>
+        </p:txBody>
+      </p:sp>
+      <p:sp>
+        <p:nvSpPr>
+          <p:cNvPr id="3" name="内容占位符 2"/>
+          <p:cNvSpPr>
+            <a:spLocks noGrp="1"/>
+          </p:cNvSpPr>
+          <p:nvPr>
+            <p:ph idx="1"/>
+          </p:nvPr>
+        </p:nvSpPr>
+        <p:spPr>
+          <a:xfrm>
+            <a:off x="838200" y="1825625"/>
+            <a:ext cx="2027830" cy="794745"/>
+          </a:xfrm>
+        </p:spPr>
+        <p:txBody>
+          <a:bodyPr/>
+          <a:lstStyle/>
+          <a:p>
+            <a:r>
+              <a:rPr lang="en-US" altLang="zh-CN" dirty="0" smtClean="0"/>
+              <a:t>AST</a:t>
+            </a:r>
+            <a:endParaRPr lang="zh-CN" altLang="en-US" dirty="0"/>
+          </a:p>
+        </p:txBody>
+      </p:sp>
+      <p:sp>
+        <p:nvSpPr>
+          <p:cNvPr id="4" name="Rectangle 2"/>
+          <p:cNvSpPr>
+            <a:spLocks noChangeArrowheads="1"/>
+          </p:cNvSpPr>
+          <p:nvPr/>
+        </p:nvSpPr>
+        <p:spPr bwMode="auto">
+          <a:xfrm>
+            <a:off x="2156347" y="2074460"/>
+            <a:ext cx="12192000" cy="0"/>
+          </a:xfrm>
+          <a:prstGeom prst="rect">
+            <a:avLst/>
+          </a:prstGeom>
+          <a:noFill/>
+          <a:ln>
+            <a:noFill/>
+          </a:ln>
+          <a:effectLst/>
+          <a:extLst>
+            <a:ext uri="{909E8E84-426E-40DD-AFC4-6F175D3DCCD1}">
+              <a14:hiddenFill xmlns:a14="http://schemas.microsoft.com/office/drawing/2010/main">
+                <a:solidFill>
+                  <a:schemeClr val="accent1"/>
+                </a:solidFill>
+              </a14:hiddenFill>
+            </a:ext>
+            <a:ext uri="{91240B29-F687-4F45-9708-019B960494DF}">
+              <a14:hiddenLine xmlns:a14="http://schemas.microsoft.com/office/drawing/2010/main" w="9525">
+                <a:solidFill>
+                  <a:schemeClr val="tx1"/>
+                </a:solidFill>
+                <a:miter lim="800000"/>
+                <a:headEnd/>
+                <a:tailEnd/>
+              </a14:hiddenLine>
+            </a:ext>
+            <a:ext uri="{AF507438-7753-43E0-B8FC-AC1667EBCBE1}">
+              <a14:hiddenEffects xmlns:a14="http://schemas.microsoft.com/office/drawing/2010/main">
+                <a:effectLst>
+                  <a:outerShdw dist="35921" dir="2700000" algn="ctr" rotWithShape="0">
+                    <a:schemeClr val="bg2"/>
+                  </a:outerShdw>
+                </a:effectLst>
+              </a14:hiddenEffects>
+            </a:ext>
+          </a:extLst>
+        </p:spPr>
+        <p:txBody>
+          <a:bodyPr vert="horz" wrap="none" lIns="91440" tIns="45720" rIns="91440" bIns="45720" numCol="1" anchor="ctr" anchorCtr="0" compatLnSpc="1">
+            <a:prstTxWarp prst="textNoShape">
+              <a:avLst/>
+            </a:prstTxWarp>
+            <a:spAutoFit/>
+          </a:bodyPr>
+          <a:lstStyle/>
+          <a:p>
             <a:endParaRPr lang="zh-CN" altLang="en-US"/>
           </a:p>
         </p:txBody>
       </p:sp>
-      <p:sp>
-        <p:nvSpPr>
-          <p:cNvPr id="3" name="内容占位符 2"/>
-          <p:cNvSpPr>
-            <a:spLocks noGrp="1"/>
-          </p:cNvSpPr>
-          <p:nvPr>
-            <p:ph idx="1"/>
-          </p:nvPr>
-        </p:nvSpPr>
-        <p:spPr/>
-        <p:txBody>
-          <a:bodyPr/>
-          <a:lstStyle/>
-          <a:p>
-            <a:endParaRPr lang="zh-CN" altLang="en-US"/>
-          </a:p>
-        </p:txBody>
-      </p:sp>
+      <p:graphicFrame>
+        <p:nvGraphicFramePr>
+          <p:cNvPr id="5" name="对象 4"/>
+          <p:cNvGraphicFramePr>
+            <a:graphicFrameLocks noChangeAspect="1"/>
+          </p:cNvGraphicFramePr>
+          <p:nvPr>
+            <p:extLst>
+              <p:ext uri="{D42A27DB-BD31-4B8C-83A1-F6EECF244321}">
+                <p14:modId xmlns:p14="http://schemas.microsoft.com/office/powerpoint/2010/main" val="3202582372"/>
+              </p:ext>
+            </p:extLst>
+          </p:nvPr>
+        </p:nvGraphicFramePr>
+        <p:xfrm>
+          <a:off x="2988859" y="2038520"/>
+          <a:ext cx="6797705" cy="3797253"/>
+        </p:xfrm>
+        <a:graphic>
+          <a:graphicData uri="http://schemas.openxmlformats.org/presentationml/2006/ole">
+            <mc:AlternateContent xmlns:mc="http://schemas.openxmlformats.org/markup-compatibility/2006">
+              <mc:Choice xmlns:v="urn:schemas-microsoft-com:vml" Requires="v">
+                <p:oleObj spid="_x0000_s7191" name="Visio" r:id="rId3" imgW="13906351" imgH="7810447" progId="Visio.Drawing.15">
+                  <p:embed/>
+                </p:oleObj>
+              </mc:Choice>
+              <mc:Fallback>
+                <p:oleObj name="Visio" r:id="rId3" imgW="13906351" imgH="7810447" progId="Visio.Drawing.15">
+                  <p:embed/>
+                  <p:pic>
+                    <p:nvPicPr>
+                      <p:cNvPr id="0" name="Object 1"/>
+                      <p:cNvPicPr>
+                        <a:picLocks noChangeAspect="1" noChangeArrowheads="1"/>
+                      </p:cNvPicPr>
+                      <p:nvPr/>
+                    </p:nvPicPr>
+                    <p:blipFill>
+                      <a:blip r:embed="rId4">
+                        <a:extLst>
+                          <a:ext uri="{28A0092B-C50C-407E-A947-70E740481C1C}">
+                            <a14:useLocalDpi xmlns:a14="http://schemas.microsoft.com/office/drawing/2010/main" val="0"/>
+                          </a:ext>
+                        </a:extLst>
+                      </a:blip>
+                      <a:srcRect/>
+                      <a:stretch>
+                        <a:fillRect/>
+                      </a:stretch>
+                    </p:blipFill>
+                    <p:spPr bwMode="auto">
+                      <a:xfrm>
+                        <a:off x="2988859" y="2038520"/>
+                        <a:ext cx="6797705" cy="3797253"/>
+                      </a:xfrm>
+                      <a:prstGeom prst="rect">
+                        <a:avLst/>
+                      </a:prstGeom>
+                      <a:noFill/>
+                    </p:spPr>
+                  </p:pic>
+                </p:oleObj>
+              </mc:Fallback>
+            </mc:AlternateContent>
+          </a:graphicData>
+        </a:graphic>
+      </p:graphicFrame>
     </p:spTree>
     <p:extLst>
       <p:ext uri="{BB962C8B-B14F-4D97-AF65-F5344CB8AC3E}">
-        <p14:creationId xmlns:p14="http://schemas.microsoft.com/office/powerpoint/2010/main" val="669788336"/>
+        <p14:creationId xmlns:p14="http://schemas.microsoft.com/office/powerpoint/2010/main" val="2181168230"/>
       </p:ext>
     </p:extLst>
   </p:cSld>
@@ -4057,6 +4612,1840 @@
       </p:par>
     </p:tnLst>
   </p:timing>
+</p:sld>
+</file>
+
+<file path=ppt/slides/slide14.xml><?xml version="1.0" encoding="utf-8"?>
+<p:sld xmlns:a="http://schemas.openxmlformats.org/drawingml/2006/main" xmlns:r="http://schemas.openxmlformats.org/officeDocument/2006/relationships" xmlns:p="http://schemas.openxmlformats.org/presentationml/2006/main">
+  <p:cSld>
+    <p:spTree>
+      <p:nvGrpSpPr>
+        <p:cNvPr id="1" name=""/>
+        <p:cNvGrpSpPr/>
+        <p:nvPr/>
+      </p:nvGrpSpPr>
+      <p:grpSpPr>
+        <a:xfrm>
+          <a:off x="0" y="0"/>
+          <a:ext cx="0" cy="0"/>
+          <a:chOff x="0" y="0"/>
+          <a:chExt cx="0" cy="0"/>
+        </a:xfrm>
+      </p:grpSpPr>
+      <p:sp>
+        <p:nvSpPr>
+          <p:cNvPr id="2" name="标题 1"/>
+          <p:cNvSpPr>
+            <a:spLocks noGrp="1"/>
+          </p:cNvSpPr>
+          <p:nvPr>
+            <p:ph type="title"/>
+          </p:nvPr>
+        </p:nvSpPr>
+        <p:spPr/>
+        <p:txBody>
+          <a:bodyPr/>
+          <a:lstStyle/>
+          <a:p>
+            <a:r>
+              <a:rPr lang="zh-CN" altLang="en-US" dirty="0" smtClean="0"/>
+              <a:t>保留程序结构</a:t>
+            </a:r>
+            <a:endParaRPr lang="zh-CN" altLang="en-US" dirty="0"/>
+          </a:p>
+        </p:txBody>
+      </p:sp>
+      <p:sp>
+        <p:nvSpPr>
+          <p:cNvPr id="4" name="矩形 3"/>
+          <p:cNvSpPr/>
+          <p:nvPr/>
+        </p:nvSpPr>
+        <p:spPr>
+          <a:xfrm>
+            <a:off x="1132891" y="1690688"/>
+            <a:ext cx="1237839" cy="369332"/>
+          </a:xfrm>
+          <a:prstGeom prst="rect">
+            <a:avLst/>
+          </a:prstGeom>
+        </p:spPr>
+        <p:txBody>
+          <a:bodyPr wrap="none">
+            <a:spAutoFit/>
+          </a:bodyPr>
+          <a:lstStyle/>
+          <a:p>
+            <a:r>
+              <a:rPr lang="zh-CN" altLang="zh-CN" kern="100" dirty="0">
+                <a:solidFill>
+                  <a:srgbClr val="000000"/>
+                </a:solidFill>
+                <a:latin typeface="Times New Roman" panose="02020603050405020304" pitchFamily="18" charset="0"/>
+                <a:ea typeface="宋体" panose="02010600030101010101" pitchFamily="2" charset="-122"/>
+                <a:cs typeface="Times New Roman" panose="02020603050405020304" pitchFamily="18" charset="0"/>
+              </a:rPr>
+              <a:t>（</a:t>
+            </a:r>
+            <a:r>
+              <a:rPr lang="en-US" altLang="zh-CN" kern="100" dirty="0">
+                <a:solidFill>
+                  <a:srgbClr val="000000"/>
+                </a:solidFill>
+                <a:latin typeface="Times New Roman" panose="02020603050405020304" pitchFamily="18" charset="0"/>
+                <a:ea typeface="宋体" panose="02010600030101010101" pitchFamily="2" charset="-122"/>
+              </a:rPr>
+              <a:t>1+2</a:t>
+            </a:r>
+            <a:r>
+              <a:rPr lang="zh-CN" altLang="zh-CN" kern="100" dirty="0">
+                <a:solidFill>
+                  <a:srgbClr val="000000"/>
+                </a:solidFill>
+                <a:latin typeface="Times New Roman" panose="02020603050405020304" pitchFamily="18" charset="0"/>
+                <a:ea typeface="宋体" panose="02010600030101010101" pitchFamily="2" charset="-122"/>
+                <a:cs typeface="Times New Roman" panose="02020603050405020304" pitchFamily="18" charset="0"/>
+              </a:rPr>
+              <a:t>）</a:t>
+            </a:r>
+            <a:r>
+              <a:rPr lang="en-US" altLang="zh-CN" kern="100" dirty="0">
+                <a:solidFill>
+                  <a:srgbClr val="000000"/>
+                </a:solidFill>
+                <a:latin typeface="Times New Roman" panose="02020603050405020304" pitchFamily="18" charset="0"/>
+                <a:ea typeface="宋体" panose="02010600030101010101" pitchFamily="2" charset="-122"/>
+              </a:rPr>
+              <a:t>*3</a:t>
+            </a:r>
+            <a:endParaRPr lang="zh-CN" altLang="en-US" dirty="0"/>
+          </a:p>
+        </p:txBody>
+      </p:sp>
+      <p:sp>
+        <p:nvSpPr>
+          <p:cNvPr id="5" name="矩形 4"/>
+          <p:cNvSpPr/>
+          <p:nvPr/>
+        </p:nvSpPr>
+        <p:spPr>
+          <a:xfrm>
+            <a:off x="3225421" y="1690688"/>
+            <a:ext cx="7378890" cy="348813"/>
+          </a:xfrm>
+          <a:prstGeom prst="rect">
+            <a:avLst/>
+          </a:prstGeom>
+        </p:spPr>
+        <p:txBody>
+          <a:bodyPr wrap="square">
+            <a:spAutoFit/>
+          </a:bodyPr>
+          <a:lstStyle/>
+          <a:p>
+            <a:pPr algn="ctr">
+              <a:lnSpc>
+                <a:spcPts val="2000"/>
+              </a:lnSpc>
+              <a:spcAft>
+                <a:spcPts val="180"/>
+              </a:spcAft>
+            </a:pPr>
+            <a:r>
+              <a:rPr lang="en-US" altLang="zh-CN" kern="100" dirty="0">
+                <a:solidFill>
+                  <a:srgbClr val="000000"/>
+                </a:solidFill>
+                <a:latin typeface="Times New Roman" panose="02020603050405020304" pitchFamily="18" charset="0"/>
+                <a:ea typeface="宋体" panose="02010600030101010101" pitchFamily="2" charset="-122"/>
+              </a:rPr>
+              <a:t>Module { Expr { </a:t>
+            </a:r>
+            <a:r>
+              <a:rPr lang="en-US" altLang="zh-CN" kern="100" dirty="0" err="1">
+                <a:solidFill>
+                  <a:srgbClr val="000000"/>
+                </a:solidFill>
+                <a:latin typeface="Times New Roman" panose="02020603050405020304" pitchFamily="18" charset="0"/>
+                <a:ea typeface="宋体" panose="02010600030101010101" pitchFamily="2" charset="-122"/>
+              </a:rPr>
+              <a:t>BinOp</a:t>
+            </a:r>
+            <a:r>
+              <a:rPr lang="en-US" altLang="zh-CN" kern="100" dirty="0">
+                <a:solidFill>
+                  <a:srgbClr val="000000"/>
+                </a:solidFill>
+                <a:latin typeface="Times New Roman" panose="02020603050405020304" pitchFamily="18" charset="0"/>
+                <a:ea typeface="宋体" panose="02010600030101010101" pitchFamily="2" charset="-122"/>
+              </a:rPr>
+              <a:t> { </a:t>
+            </a:r>
+            <a:r>
+              <a:rPr lang="en-US" altLang="zh-CN" kern="100" dirty="0" err="1">
+                <a:solidFill>
+                  <a:srgbClr val="000000"/>
+                </a:solidFill>
+                <a:latin typeface="Times New Roman" panose="02020603050405020304" pitchFamily="18" charset="0"/>
+                <a:ea typeface="宋体" panose="02010600030101010101" pitchFamily="2" charset="-122"/>
+              </a:rPr>
+              <a:t>BinOp</a:t>
+            </a:r>
+            <a:r>
+              <a:rPr lang="en-US" altLang="zh-CN" kern="100" dirty="0">
+                <a:solidFill>
+                  <a:srgbClr val="000000"/>
+                </a:solidFill>
+                <a:latin typeface="Times New Roman" panose="02020603050405020304" pitchFamily="18" charset="0"/>
+                <a:ea typeface="宋体" panose="02010600030101010101" pitchFamily="2" charset="-122"/>
+              </a:rPr>
+              <a:t> { </a:t>
+            </a:r>
+            <a:r>
+              <a:rPr lang="en-US" altLang="zh-CN" kern="100" dirty="0" err="1">
+                <a:solidFill>
+                  <a:srgbClr val="000000"/>
+                </a:solidFill>
+                <a:latin typeface="Times New Roman" panose="02020603050405020304" pitchFamily="18" charset="0"/>
+                <a:ea typeface="宋体" panose="02010600030101010101" pitchFamily="2" charset="-122"/>
+              </a:rPr>
+              <a:t>Num</a:t>
+            </a:r>
+            <a:r>
+              <a:rPr lang="en-US" altLang="zh-CN" kern="100" dirty="0">
+                <a:solidFill>
+                  <a:srgbClr val="000000"/>
+                </a:solidFill>
+                <a:latin typeface="Times New Roman" panose="02020603050405020304" pitchFamily="18" charset="0"/>
+                <a:ea typeface="宋体" panose="02010600030101010101" pitchFamily="2" charset="-122"/>
+              </a:rPr>
+              <a:t> Op </a:t>
+            </a:r>
+            <a:r>
+              <a:rPr lang="en-US" altLang="zh-CN" kern="100" dirty="0" err="1">
+                <a:solidFill>
+                  <a:srgbClr val="000000"/>
+                </a:solidFill>
+                <a:latin typeface="Times New Roman" panose="02020603050405020304" pitchFamily="18" charset="0"/>
+                <a:ea typeface="宋体" panose="02010600030101010101" pitchFamily="2" charset="-122"/>
+              </a:rPr>
+              <a:t>Num</a:t>
+            </a:r>
+            <a:r>
+              <a:rPr lang="en-US" altLang="zh-CN" kern="100" dirty="0">
+                <a:solidFill>
+                  <a:srgbClr val="000000"/>
+                </a:solidFill>
+                <a:latin typeface="Times New Roman" panose="02020603050405020304" pitchFamily="18" charset="0"/>
+                <a:ea typeface="宋体" panose="02010600030101010101" pitchFamily="2" charset="-122"/>
+              </a:rPr>
+              <a:t> } Op </a:t>
+            </a:r>
+            <a:r>
+              <a:rPr lang="en-US" altLang="zh-CN" kern="100" dirty="0" err="1">
+                <a:solidFill>
+                  <a:srgbClr val="000000"/>
+                </a:solidFill>
+                <a:latin typeface="Times New Roman" panose="02020603050405020304" pitchFamily="18" charset="0"/>
+                <a:ea typeface="宋体" panose="02010600030101010101" pitchFamily="2" charset="-122"/>
+              </a:rPr>
+              <a:t>Num</a:t>
+            </a:r>
+            <a:r>
+              <a:rPr lang="en-US" altLang="zh-CN" kern="100" dirty="0">
+                <a:solidFill>
+                  <a:srgbClr val="000000"/>
+                </a:solidFill>
+                <a:latin typeface="Times New Roman" panose="02020603050405020304" pitchFamily="18" charset="0"/>
+                <a:ea typeface="宋体" panose="02010600030101010101" pitchFamily="2" charset="-122"/>
+              </a:rPr>
+              <a:t> } } }</a:t>
+            </a:r>
+            <a:endParaRPr lang="zh-CN" altLang="zh-CN" sz="1400" kern="100" dirty="0">
+              <a:effectLst/>
+              <a:latin typeface="Times New Roman" panose="02020603050405020304" pitchFamily="18" charset="0"/>
+              <a:ea typeface="宋体" panose="02010600030101010101" pitchFamily="2" charset="-122"/>
+            </a:endParaRPr>
+          </a:p>
+        </p:txBody>
+      </p:sp>
+      <p:sp>
+        <p:nvSpPr>
+          <p:cNvPr id="6" name="Rectangle 2"/>
+          <p:cNvSpPr>
+            <a:spLocks noChangeArrowheads="1"/>
+          </p:cNvSpPr>
+          <p:nvPr/>
+        </p:nvSpPr>
+        <p:spPr bwMode="auto">
+          <a:xfrm>
+            <a:off x="996287" y="3016251"/>
+            <a:ext cx="12192000" cy="0"/>
+          </a:xfrm>
+          <a:prstGeom prst="rect">
+            <a:avLst/>
+          </a:prstGeom>
+          <a:noFill/>
+          <a:ln>
+            <a:noFill/>
+          </a:ln>
+          <a:effectLst/>
+          <a:extLst>
+            <a:ext uri="{909E8E84-426E-40DD-AFC4-6F175D3DCCD1}">
+              <a14:hiddenFill xmlns:a14="http://schemas.microsoft.com/office/drawing/2010/main">
+                <a:solidFill>
+                  <a:schemeClr val="accent1"/>
+                </a:solidFill>
+              </a14:hiddenFill>
+            </a:ext>
+            <a:ext uri="{91240B29-F687-4F45-9708-019B960494DF}">
+              <a14:hiddenLine xmlns:a14="http://schemas.microsoft.com/office/drawing/2010/main" w="9525">
+                <a:solidFill>
+                  <a:schemeClr val="tx1"/>
+                </a:solidFill>
+                <a:miter lim="800000"/>
+                <a:headEnd/>
+                <a:tailEnd/>
+              </a14:hiddenLine>
+            </a:ext>
+            <a:ext uri="{AF507438-7753-43E0-B8FC-AC1667EBCBE1}">
+              <a14:hiddenEffects xmlns:a14="http://schemas.microsoft.com/office/drawing/2010/main">
+                <a:effectLst>
+                  <a:outerShdw dist="35921" dir="2700000" algn="ctr" rotWithShape="0">
+                    <a:schemeClr val="bg2"/>
+                  </a:outerShdw>
+                </a:effectLst>
+              </a14:hiddenEffects>
+            </a:ext>
+          </a:extLst>
+        </p:spPr>
+        <p:txBody>
+          <a:bodyPr vert="horz" wrap="none" lIns="91440" tIns="45720" rIns="91440" bIns="45720" numCol="1" anchor="ctr" anchorCtr="0" compatLnSpc="1">
+            <a:prstTxWarp prst="textNoShape">
+              <a:avLst/>
+            </a:prstTxWarp>
+            <a:spAutoFit/>
+          </a:bodyPr>
+          <a:lstStyle/>
+          <a:p>
+            <a:endParaRPr lang="zh-CN" altLang="en-US"/>
+          </a:p>
+        </p:txBody>
+      </p:sp>
+      <p:graphicFrame>
+        <p:nvGraphicFramePr>
+          <p:cNvPr id="7" name="对象 6"/>
+          <p:cNvGraphicFramePr>
+            <a:graphicFrameLocks noChangeAspect="1"/>
+          </p:cNvGraphicFramePr>
+          <p:nvPr>
+            <p:extLst>
+              <p:ext uri="{D42A27DB-BD31-4B8C-83A1-F6EECF244321}">
+                <p14:modId xmlns:p14="http://schemas.microsoft.com/office/powerpoint/2010/main" val="3127729294"/>
+              </p:ext>
+            </p:extLst>
+          </p:nvPr>
+        </p:nvGraphicFramePr>
+        <p:xfrm>
+          <a:off x="996287" y="2497636"/>
+          <a:ext cx="8611737" cy="3889635"/>
+        </p:xfrm>
+        <a:graphic>
+          <a:graphicData uri="http://schemas.openxmlformats.org/presentationml/2006/ole">
+            <mc:AlternateContent xmlns:mc="http://schemas.openxmlformats.org/markup-compatibility/2006">
+              <mc:Choice xmlns:v="urn:schemas-microsoft-com:vml" Requires="v">
+                <p:oleObj spid="_x0000_s8215" name="Visio" r:id="rId3" imgW="17325883" imgH="7810447" progId="Visio.Drawing.15">
+                  <p:embed/>
+                </p:oleObj>
+              </mc:Choice>
+              <mc:Fallback>
+                <p:oleObj name="Visio" r:id="rId3" imgW="17325883" imgH="7810447" progId="Visio.Drawing.15">
+                  <p:embed/>
+                  <p:pic>
+                    <p:nvPicPr>
+                      <p:cNvPr id="0" name="Object 1"/>
+                      <p:cNvPicPr>
+                        <a:picLocks noChangeAspect="1" noChangeArrowheads="1"/>
+                      </p:cNvPicPr>
+                      <p:nvPr/>
+                    </p:nvPicPr>
+                    <p:blipFill>
+                      <a:blip r:embed="rId4">
+                        <a:extLst>
+                          <a:ext uri="{28A0092B-C50C-407E-A947-70E740481C1C}">
+                            <a14:useLocalDpi xmlns:a14="http://schemas.microsoft.com/office/drawing/2010/main" val="0"/>
+                          </a:ext>
+                        </a:extLst>
+                      </a:blip>
+                      <a:srcRect/>
+                      <a:stretch>
+                        <a:fillRect/>
+                      </a:stretch>
+                    </p:blipFill>
+                    <p:spPr bwMode="auto">
+                      <a:xfrm>
+                        <a:off x="996287" y="2497636"/>
+                        <a:ext cx="8611737" cy="3889635"/>
+                      </a:xfrm>
+                      <a:prstGeom prst="rect">
+                        <a:avLst/>
+                      </a:prstGeom>
+                      <a:noFill/>
+                    </p:spPr>
+                  </p:pic>
+                </p:oleObj>
+              </mc:Fallback>
+            </mc:AlternateContent>
+          </a:graphicData>
+        </a:graphic>
+      </p:graphicFrame>
+    </p:spTree>
+    <p:extLst>
+      <p:ext uri="{BB962C8B-B14F-4D97-AF65-F5344CB8AC3E}">
+        <p14:creationId xmlns:p14="http://schemas.microsoft.com/office/powerpoint/2010/main" val="119667629"/>
+      </p:ext>
+    </p:extLst>
+  </p:cSld>
+  <p:clrMapOvr>
+    <a:masterClrMapping/>
+  </p:clrMapOvr>
+  <p:timing>
+    <p:tnLst>
+      <p:par>
+        <p:cTn id="1" dur="indefinite" restart="never" nodeType="tmRoot"/>
+      </p:par>
+    </p:tnLst>
+  </p:timing>
+</p:sld>
+</file>
+
+<file path=ppt/slides/slide15.xml><?xml version="1.0" encoding="utf-8"?>
+<p:sld xmlns:a="http://schemas.openxmlformats.org/drawingml/2006/main" xmlns:r="http://schemas.openxmlformats.org/officeDocument/2006/relationships" xmlns:p="http://schemas.openxmlformats.org/presentationml/2006/main">
+  <p:cSld>
+    <p:spTree>
+      <p:nvGrpSpPr>
+        <p:cNvPr id="1" name=""/>
+        <p:cNvGrpSpPr/>
+        <p:nvPr/>
+      </p:nvGrpSpPr>
+      <p:grpSpPr>
+        <a:xfrm>
+          <a:off x="0" y="0"/>
+          <a:ext cx="0" cy="0"/>
+          <a:chOff x="0" y="0"/>
+          <a:chExt cx="0" cy="0"/>
+        </a:xfrm>
+      </p:grpSpPr>
+      <p:sp>
+        <p:nvSpPr>
+          <p:cNvPr id="2" name="标题 1"/>
+          <p:cNvSpPr>
+            <a:spLocks noGrp="1"/>
+          </p:cNvSpPr>
+          <p:nvPr>
+            <p:ph type="title"/>
+          </p:nvPr>
+        </p:nvSpPr>
+        <p:spPr/>
+        <p:txBody>
+          <a:bodyPr/>
+          <a:lstStyle/>
+          <a:p>
+            <a:r>
+              <a:rPr lang="zh-CN" altLang="en-US" dirty="0" smtClean="0"/>
+              <a:t>模型设计</a:t>
+            </a:r>
+            <a:endParaRPr lang="zh-CN" altLang="en-US" dirty="0"/>
+          </a:p>
+        </p:txBody>
+      </p:sp>
+      <p:sp>
+        <p:nvSpPr>
+          <p:cNvPr id="3" name="内容占位符 2"/>
+          <p:cNvSpPr>
+            <a:spLocks noGrp="1"/>
+          </p:cNvSpPr>
+          <p:nvPr>
+            <p:ph idx="1"/>
+          </p:nvPr>
+        </p:nvSpPr>
+        <p:spPr/>
+        <p:txBody>
+          <a:bodyPr/>
+          <a:lstStyle/>
+          <a:p>
+            <a:r>
+              <a:rPr lang="zh-CN" altLang="en-US" dirty="0" smtClean="0"/>
+              <a:t>标准</a:t>
+            </a:r>
+            <a:r>
+              <a:rPr lang="en-US" altLang="zh-CN" dirty="0" smtClean="0"/>
+              <a:t>LSTM</a:t>
+            </a:r>
+            <a:r>
+              <a:rPr lang="zh-CN" altLang="en-US" dirty="0" smtClean="0"/>
+              <a:t>模型</a:t>
+            </a:r>
+            <a:endParaRPr lang="en-US" altLang="zh-CN" dirty="0" smtClean="0"/>
+          </a:p>
+          <a:p>
+            <a:r>
+              <a:rPr lang="en-US" altLang="zh-CN" dirty="0" err="1" smtClean="0"/>
+              <a:t>StackLSTM</a:t>
+            </a:r>
+            <a:endParaRPr lang="en-US" altLang="zh-CN" dirty="0" smtClean="0"/>
+          </a:p>
+          <a:p>
+            <a:pPr lvl="1"/>
+            <a:r>
+              <a:rPr lang="zh-CN" altLang="en-US" dirty="0"/>
+              <a:t>清</a:t>
+            </a:r>
+            <a:r>
+              <a:rPr lang="zh-CN" altLang="en-US" dirty="0" smtClean="0"/>
+              <a:t>零模型</a:t>
+            </a:r>
+            <a:endParaRPr lang="en-US" altLang="zh-CN" dirty="0" smtClean="0"/>
+          </a:p>
+          <a:p>
+            <a:pPr lvl="1"/>
+            <a:r>
+              <a:rPr lang="zh-CN" altLang="en-US" dirty="0"/>
+              <a:t>不清</a:t>
+            </a:r>
+            <a:r>
+              <a:rPr lang="zh-CN" altLang="en-US" dirty="0" smtClean="0"/>
+              <a:t>零模型</a:t>
+            </a:r>
+            <a:endParaRPr lang="zh-CN" altLang="en-US" dirty="0"/>
+          </a:p>
+        </p:txBody>
+      </p:sp>
+    </p:spTree>
+    <p:extLst>
+      <p:ext uri="{BB962C8B-B14F-4D97-AF65-F5344CB8AC3E}">
+        <p14:creationId xmlns:p14="http://schemas.microsoft.com/office/powerpoint/2010/main" val="1850143037"/>
+      </p:ext>
+    </p:extLst>
+  </p:cSld>
+  <p:clrMapOvr>
+    <a:masterClrMapping/>
+  </p:clrMapOvr>
+</p:sld>
+</file>
+
+<file path=ppt/slides/slide16.xml><?xml version="1.0" encoding="utf-8"?>
+<p:sld xmlns:a="http://schemas.openxmlformats.org/drawingml/2006/main" xmlns:r="http://schemas.openxmlformats.org/officeDocument/2006/relationships" xmlns:p="http://schemas.openxmlformats.org/presentationml/2006/main">
+  <p:cSld>
+    <p:spTree>
+      <p:nvGrpSpPr>
+        <p:cNvPr id="1" name=""/>
+        <p:cNvGrpSpPr/>
+        <p:nvPr/>
+      </p:nvGrpSpPr>
+      <p:grpSpPr>
+        <a:xfrm>
+          <a:off x="0" y="0"/>
+          <a:ext cx="0" cy="0"/>
+          <a:chOff x="0" y="0"/>
+          <a:chExt cx="0" cy="0"/>
+        </a:xfrm>
+      </p:grpSpPr>
+      <p:sp>
+        <p:nvSpPr>
+          <p:cNvPr id="2" name="标题 1"/>
+          <p:cNvSpPr>
+            <a:spLocks noGrp="1"/>
+          </p:cNvSpPr>
+          <p:nvPr>
+            <p:ph type="title"/>
+          </p:nvPr>
+        </p:nvSpPr>
+        <p:spPr/>
+        <p:txBody>
+          <a:bodyPr/>
+          <a:lstStyle/>
+          <a:p>
+            <a:r>
+              <a:rPr lang="zh-CN" altLang="en-US" dirty="0" smtClean="0"/>
+              <a:t>标准</a:t>
+            </a:r>
+            <a:r>
+              <a:rPr lang="en-US" altLang="zh-CN" dirty="0" smtClean="0"/>
+              <a:t>LSTM</a:t>
+            </a:r>
+            <a:r>
+              <a:rPr lang="zh-CN" altLang="en-US" dirty="0" smtClean="0"/>
+              <a:t>模型</a:t>
+            </a:r>
+            <a:endParaRPr lang="zh-CN" altLang="en-US" dirty="0"/>
+          </a:p>
+        </p:txBody>
+      </p:sp>
+      <p:sp>
+        <p:nvSpPr>
+          <p:cNvPr id="4" name="Rectangle 2"/>
+          <p:cNvSpPr>
+            <a:spLocks noChangeArrowheads="1"/>
+          </p:cNvSpPr>
+          <p:nvPr/>
+        </p:nvSpPr>
+        <p:spPr bwMode="auto">
+          <a:xfrm>
+            <a:off x="1023581" y="2156345"/>
+            <a:ext cx="18015045" cy="45719"/>
+          </a:xfrm>
+          <a:prstGeom prst="rect">
+            <a:avLst/>
+          </a:prstGeom>
+          <a:noFill/>
+          <a:ln>
+            <a:noFill/>
+          </a:ln>
+          <a:effectLst/>
+          <a:extLst>
+            <a:ext uri="{909E8E84-426E-40DD-AFC4-6F175D3DCCD1}">
+              <a14:hiddenFill xmlns:a14="http://schemas.microsoft.com/office/drawing/2010/main">
+                <a:solidFill>
+                  <a:schemeClr val="accent1"/>
+                </a:solidFill>
+              </a14:hiddenFill>
+            </a:ext>
+            <a:ext uri="{91240B29-F687-4F45-9708-019B960494DF}">
+              <a14:hiddenLine xmlns:a14="http://schemas.microsoft.com/office/drawing/2010/main" w="9525">
+                <a:solidFill>
+                  <a:schemeClr val="tx1"/>
+                </a:solidFill>
+                <a:miter lim="800000"/>
+                <a:headEnd/>
+                <a:tailEnd/>
+              </a14:hiddenLine>
+            </a:ext>
+            <a:ext uri="{AF507438-7753-43E0-B8FC-AC1667EBCBE1}">
+              <a14:hiddenEffects xmlns:a14="http://schemas.microsoft.com/office/drawing/2010/main">
+                <a:effectLst>
+                  <a:outerShdw dist="35921" dir="2700000" algn="ctr" rotWithShape="0">
+                    <a:schemeClr val="bg2"/>
+                  </a:outerShdw>
+                </a:effectLst>
+              </a14:hiddenEffects>
+            </a:ext>
+          </a:extLst>
+        </p:spPr>
+        <p:txBody>
+          <a:bodyPr vert="horz" wrap="square" lIns="91440" tIns="45720" rIns="91440" bIns="45720" numCol="1" anchor="ctr" anchorCtr="0" compatLnSpc="1">
+            <a:prstTxWarp prst="textNoShape">
+              <a:avLst/>
+            </a:prstTxWarp>
+            <a:spAutoFit/>
+          </a:bodyPr>
+          <a:lstStyle/>
+          <a:p>
+            <a:endParaRPr lang="zh-CN" altLang="en-US"/>
+          </a:p>
+        </p:txBody>
+      </p:sp>
+      <p:graphicFrame>
+        <p:nvGraphicFramePr>
+          <p:cNvPr id="5" name="对象 4"/>
+          <p:cNvGraphicFramePr>
+            <a:graphicFrameLocks noChangeAspect="1"/>
+          </p:cNvGraphicFramePr>
+          <p:nvPr>
+            <p:extLst>
+              <p:ext uri="{D42A27DB-BD31-4B8C-83A1-F6EECF244321}">
+                <p14:modId xmlns:p14="http://schemas.microsoft.com/office/powerpoint/2010/main" val="3793247610"/>
+              </p:ext>
+            </p:extLst>
+          </p:nvPr>
+        </p:nvGraphicFramePr>
+        <p:xfrm>
+          <a:off x="1023581" y="1931263"/>
+          <a:ext cx="7656394" cy="4151905"/>
+        </p:xfrm>
+        <a:graphic>
+          <a:graphicData uri="http://schemas.openxmlformats.org/presentationml/2006/ole">
+            <mc:AlternateContent xmlns:mc="http://schemas.openxmlformats.org/markup-compatibility/2006">
+              <mc:Choice xmlns:v="urn:schemas-microsoft-com:vml" Requires="v">
+                <p:oleObj spid="_x0000_s9237" name="Visio" r:id="rId3" imgW="11172746" imgH="6029154" progId="Visio.Drawing.15">
+                  <p:embed/>
+                </p:oleObj>
+              </mc:Choice>
+              <mc:Fallback>
+                <p:oleObj name="Visio" r:id="rId3" imgW="11172746" imgH="6029154" progId="Visio.Drawing.15">
+                  <p:embed/>
+                  <p:pic>
+                    <p:nvPicPr>
+                      <p:cNvPr id="0" name="Object 1"/>
+                      <p:cNvPicPr>
+                        <a:picLocks noChangeAspect="1" noChangeArrowheads="1"/>
+                      </p:cNvPicPr>
+                      <p:nvPr/>
+                    </p:nvPicPr>
+                    <p:blipFill>
+                      <a:blip r:embed="rId4">
+                        <a:extLst>
+                          <a:ext uri="{28A0092B-C50C-407E-A947-70E740481C1C}">
+                            <a14:useLocalDpi xmlns:a14="http://schemas.microsoft.com/office/drawing/2010/main" val="0"/>
+                          </a:ext>
+                        </a:extLst>
+                      </a:blip>
+                      <a:srcRect/>
+                      <a:stretch>
+                        <a:fillRect/>
+                      </a:stretch>
+                    </p:blipFill>
+                    <p:spPr bwMode="auto">
+                      <a:xfrm>
+                        <a:off x="1023581" y="1931263"/>
+                        <a:ext cx="7656394" cy="4151905"/>
+                      </a:xfrm>
+                      <a:prstGeom prst="rect">
+                        <a:avLst/>
+                      </a:prstGeom>
+                      <a:noFill/>
+                    </p:spPr>
+                  </p:pic>
+                </p:oleObj>
+              </mc:Fallback>
+            </mc:AlternateContent>
+          </a:graphicData>
+        </a:graphic>
+      </p:graphicFrame>
+    </p:spTree>
+    <p:extLst>
+      <p:ext uri="{BB962C8B-B14F-4D97-AF65-F5344CB8AC3E}">
+        <p14:creationId xmlns:p14="http://schemas.microsoft.com/office/powerpoint/2010/main" val="2064440419"/>
+      </p:ext>
+    </p:extLst>
+  </p:cSld>
+  <p:clrMapOvr>
+    <a:masterClrMapping/>
+  </p:clrMapOvr>
+  <p:timing>
+    <p:tnLst>
+      <p:par>
+        <p:cTn id="1" dur="indefinite" restart="never" nodeType="tmRoot"/>
+      </p:par>
+    </p:tnLst>
+  </p:timing>
+</p:sld>
+</file>
+
+<file path=ppt/slides/slide17.xml><?xml version="1.0" encoding="utf-8"?>
+<p:sld xmlns:a="http://schemas.openxmlformats.org/drawingml/2006/main" xmlns:r="http://schemas.openxmlformats.org/officeDocument/2006/relationships" xmlns:p="http://schemas.openxmlformats.org/presentationml/2006/main">
+  <p:cSld>
+    <p:spTree>
+      <p:nvGrpSpPr>
+        <p:cNvPr id="1" name=""/>
+        <p:cNvGrpSpPr/>
+        <p:nvPr/>
+      </p:nvGrpSpPr>
+      <p:grpSpPr>
+        <a:xfrm>
+          <a:off x="0" y="0"/>
+          <a:ext cx="0" cy="0"/>
+          <a:chOff x="0" y="0"/>
+          <a:chExt cx="0" cy="0"/>
+        </a:xfrm>
+      </p:grpSpPr>
+      <p:sp>
+        <p:nvSpPr>
+          <p:cNvPr id="2" name="标题 1"/>
+          <p:cNvSpPr>
+            <a:spLocks noGrp="1"/>
+          </p:cNvSpPr>
+          <p:nvPr>
+            <p:ph type="title"/>
+          </p:nvPr>
+        </p:nvSpPr>
+        <p:spPr/>
+        <p:txBody>
+          <a:bodyPr/>
+          <a:lstStyle/>
+          <a:p>
+            <a:r>
+              <a:rPr lang="zh-CN" altLang="en-US" dirty="0" smtClean="0"/>
+              <a:t>标准</a:t>
+            </a:r>
+            <a:r>
+              <a:rPr lang="en-US" altLang="zh-CN" dirty="0" smtClean="0"/>
+              <a:t>LSTM</a:t>
+            </a:r>
+            <a:r>
+              <a:rPr lang="zh-CN" altLang="en-US" dirty="0" smtClean="0"/>
+              <a:t>模型   </a:t>
+            </a:r>
+            <a:r>
+              <a:rPr lang="en-US" altLang="zh-CN" dirty="0" smtClean="0"/>
+              <a:t>embedding</a:t>
+            </a:r>
+            <a:endParaRPr lang="zh-CN" altLang="en-US" dirty="0"/>
+          </a:p>
+        </p:txBody>
+      </p:sp>
+      <p:sp>
+        <p:nvSpPr>
+          <p:cNvPr id="4" name="Rectangle 2"/>
+          <p:cNvSpPr>
+            <a:spLocks noChangeArrowheads="1"/>
+          </p:cNvSpPr>
+          <p:nvPr/>
+        </p:nvSpPr>
+        <p:spPr bwMode="auto">
+          <a:xfrm>
+            <a:off x="1023581" y="2156345"/>
+            <a:ext cx="18015045" cy="45719"/>
+          </a:xfrm>
+          <a:prstGeom prst="rect">
+            <a:avLst/>
+          </a:prstGeom>
+          <a:noFill/>
+          <a:ln>
+            <a:noFill/>
+          </a:ln>
+          <a:effectLst/>
+          <a:extLst>
+            <a:ext uri="{909E8E84-426E-40DD-AFC4-6F175D3DCCD1}">
+              <a14:hiddenFill xmlns:a14="http://schemas.microsoft.com/office/drawing/2010/main">
+                <a:solidFill>
+                  <a:schemeClr val="accent1"/>
+                </a:solidFill>
+              </a14:hiddenFill>
+            </a:ext>
+            <a:ext uri="{91240B29-F687-4F45-9708-019B960494DF}">
+              <a14:hiddenLine xmlns:a14="http://schemas.microsoft.com/office/drawing/2010/main" w="9525">
+                <a:solidFill>
+                  <a:schemeClr val="tx1"/>
+                </a:solidFill>
+                <a:miter lim="800000"/>
+                <a:headEnd/>
+                <a:tailEnd/>
+              </a14:hiddenLine>
+            </a:ext>
+            <a:ext uri="{AF507438-7753-43E0-B8FC-AC1667EBCBE1}">
+              <a14:hiddenEffects xmlns:a14="http://schemas.microsoft.com/office/drawing/2010/main">
+                <a:effectLst>
+                  <a:outerShdw dist="35921" dir="2700000" algn="ctr" rotWithShape="0">
+                    <a:schemeClr val="bg2"/>
+                  </a:outerShdw>
+                </a:effectLst>
+              </a14:hiddenEffects>
+            </a:ext>
+          </a:extLst>
+        </p:spPr>
+        <p:txBody>
+          <a:bodyPr vert="horz" wrap="square" lIns="91440" tIns="45720" rIns="91440" bIns="45720" numCol="1" anchor="ctr" anchorCtr="0" compatLnSpc="1">
+            <a:prstTxWarp prst="textNoShape">
+              <a:avLst/>
+            </a:prstTxWarp>
+            <a:spAutoFit/>
+          </a:bodyPr>
+          <a:lstStyle/>
+          <a:p>
+            <a:endParaRPr lang="zh-CN" altLang="en-US"/>
+          </a:p>
+        </p:txBody>
+      </p:sp>
+      <p:sp>
+        <p:nvSpPr>
+          <p:cNvPr id="3" name="矩形 2"/>
+          <p:cNvSpPr/>
+          <p:nvPr/>
+        </p:nvSpPr>
+        <p:spPr>
+          <a:xfrm>
+            <a:off x="641252" y="1867030"/>
+            <a:ext cx="8614117" cy="913070"/>
+          </a:xfrm>
+          <a:prstGeom prst="rect">
+            <a:avLst/>
+          </a:prstGeom>
+        </p:spPr>
+        <p:txBody>
+          <a:bodyPr wrap="square">
+            <a:spAutoFit/>
+          </a:bodyPr>
+          <a:lstStyle/>
+          <a:p>
+            <a:pPr indent="266700" algn="just">
+              <a:lnSpc>
+                <a:spcPts val="2000"/>
+              </a:lnSpc>
+              <a:spcAft>
+                <a:spcPts val="180"/>
+              </a:spcAft>
+            </a:pPr>
+            <a:r>
+              <a:rPr lang="zh-CN" altLang="zh-CN" kern="100" dirty="0" smtClean="0">
+                <a:solidFill>
+                  <a:srgbClr val="000000"/>
+                </a:solidFill>
+                <a:latin typeface="宋体" panose="02010600030101010101" pitchFamily="2" charset="-122"/>
+                <a:ea typeface="宋体" panose="02010600030101010101" pitchFamily="2" charset="-122"/>
+              </a:rPr>
+              <a:t>使用</a:t>
+            </a:r>
+            <a:r>
+              <a:rPr lang="en-US" altLang="zh-CN" kern="100" dirty="0">
+                <a:solidFill>
+                  <a:srgbClr val="000000"/>
+                </a:solidFill>
+                <a:latin typeface="宋体" panose="02010600030101010101" pitchFamily="2" charset="-122"/>
+                <a:ea typeface="宋体" panose="02010600030101010101" pitchFamily="2" charset="-122"/>
+              </a:rPr>
+              <a:t>embedding</a:t>
+            </a:r>
+            <a:r>
+              <a:rPr lang="zh-CN" altLang="zh-CN" kern="100" dirty="0">
+                <a:solidFill>
+                  <a:srgbClr val="000000"/>
+                </a:solidFill>
+                <a:latin typeface="宋体" panose="02010600030101010101" pitchFamily="2" charset="-122"/>
+                <a:ea typeface="宋体" panose="02010600030101010101" pitchFamily="2" charset="-122"/>
+              </a:rPr>
+              <a:t>的主要目的有以下两个：</a:t>
+            </a:r>
+            <a:endParaRPr lang="zh-CN" altLang="zh-CN" sz="1400" kern="100" dirty="0">
+              <a:latin typeface="Times New Roman" panose="02020603050405020304" pitchFamily="18" charset="0"/>
+              <a:ea typeface="宋体" panose="02010600030101010101" pitchFamily="2" charset="-122"/>
+            </a:endParaRPr>
+          </a:p>
+          <a:p>
+            <a:pPr marL="285750" indent="-285750" algn="just">
+              <a:lnSpc>
+                <a:spcPts val="2000"/>
+              </a:lnSpc>
+              <a:spcAft>
+                <a:spcPts val="180"/>
+              </a:spcAft>
+              <a:buFont typeface="Wingdings" panose="05000000000000000000" pitchFamily="2" charset="2"/>
+              <a:buChar char="l"/>
+            </a:pPr>
+            <a:r>
+              <a:rPr lang="zh-CN" altLang="zh-CN" kern="100" dirty="0" smtClean="0">
+                <a:solidFill>
+                  <a:srgbClr val="000000"/>
+                </a:solidFill>
+                <a:latin typeface="宋体" panose="02010600030101010101" pitchFamily="2" charset="-122"/>
+                <a:ea typeface="宋体" panose="02010600030101010101" pitchFamily="2" charset="-122"/>
+              </a:rPr>
+              <a:t>降</a:t>
+            </a:r>
+            <a:r>
+              <a:rPr lang="zh-CN" altLang="zh-CN" kern="100" dirty="0">
+                <a:solidFill>
+                  <a:srgbClr val="000000"/>
+                </a:solidFill>
+                <a:latin typeface="宋体" panose="02010600030101010101" pitchFamily="2" charset="-122"/>
+                <a:ea typeface="宋体" panose="02010600030101010101" pitchFamily="2" charset="-122"/>
+              </a:rPr>
+              <a:t>维</a:t>
+            </a:r>
+            <a:endParaRPr lang="zh-CN" altLang="zh-CN" sz="1400" kern="100" dirty="0">
+              <a:latin typeface="Times New Roman" panose="02020603050405020304" pitchFamily="18" charset="0"/>
+              <a:ea typeface="宋体" panose="02010600030101010101" pitchFamily="2" charset="-122"/>
+            </a:endParaRPr>
+          </a:p>
+          <a:p>
+            <a:pPr marL="285750" indent="-285750" algn="just">
+              <a:lnSpc>
+                <a:spcPts val="2000"/>
+              </a:lnSpc>
+              <a:spcAft>
+                <a:spcPts val="180"/>
+              </a:spcAft>
+              <a:buFont typeface="Wingdings" panose="05000000000000000000" pitchFamily="2" charset="2"/>
+              <a:buChar char="l"/>
+            </a:pPr>
+            <a:r>
+              <a:rPr lang="zh-CN" altLang="zh-CN" kern="100" dirty="0" smtClean="0">
+                <a:solidFill>
+                  <a:srgbClr val="000000"/>
+                </a:solidFill>
+                <a:latin typeface="宋体" panose="02010600030101010101" pitchFamily="2" charset="-122"/>
+                <a:ea typeface="宋体" panose="02010600030101010101" pitchFamily="2" charset="-122"/>
+              </a:rPr>
+              <a:t>提取</a:t>
+            </a:r>
+            <a:r>
+              <a:rPr lang="zh-CN" altLang="zh-CN" kern="100" dirty="0">
+                <a:solidFill>
+                  <a:srgbClr val="000000"/>
+                </a:solidFill>
+                <a:latin typeface="宋体" panose="02010600030101010101" pitchFamily="2" charset="-122"/>
+                <a:ea typeface="宋体" panose="02010600030101010101" pitchFamily="2" charset="-122"/>
+              </a:rPr>
+              <a:t>输入特征</a:t>
+            </a:r>
+            <a:endParaRPr lang="zh-CN" altLang="zh-CN" sz="1400" kern="100" dirty="0">
+              <a:effectLst/>
+              <a:latin typeface="Times New Roman" panose="02020603050405020304" pitchFamily="18" charset="0"/>
+              <a:ea typeface="宋体" panose="02010600030101010101" pitchFamily="2" charset="-122"/>
+            </a:endParaRPr>
+          </a:p>
+        </p:txBody>
+      </p:sp>
+      <p:pic>
+        <p:nvPicPr>
+          <p:cNvPr id="6" name="图片 5"/>
+          <p:cNvPicPr/>
+          <p:nvPr/>
+        </p:nvPicPr>
+        <p:blipFill>
+          <a:blip r:embed="rId2">
+            <a:extLst>
+              <a:ext uri="{28A0092B-C50C-407E-A947-70E740481C1C}">
+                <a14:useLocalDpi xmlns:a14="http://schemas.microsoft.com/office/drawing/2010/main" val="0"/>
+              </a:ext>
+            </a:extLst>
+          </a:blip>
+          <a:srcRect/>
+          <a:stretch>
+            <a:fillRect/>
+          </a:stretch>
+        </p:blipFill>
+        <p:spPr bwMode="auto">
+          <a:xfrm>
+            <a:off x="764930" y="2780100"/>
+            <a:ext cx="4183380" cy="3710940"/>
+          </a:xfrm>
+          <a:prstGeom prst="rect">
+            <a:avLst/>
+          </a:prstGeom>
+          <a:noFill/>
+          <a:ln>
+            <a:noFill/>
+          </a:ln>
+        </p:spPr>
+      </p:pic>
+      <p:pic>
+        <p:nvPicPr>
+          <p:cNvPr id="7" name="图片 6"/>
+          <p:cNvPicPr/>
+          <p:nvPr/>
+        </p:nvPicPr>
+        <p:blipFill>
+          <a:blip r:embed="rId3">
+            <a:extLst>
+              <a:ext uri="{28A0092B-C50C-407E-A947-70E740481C1C}">
+                <a14:useLocalDpi xmlns:a14="http://schemas.microsoft.com/office/drawing/2010/main" val="0"/>
+              </a:ext>
+            </a:extLst>
+          </a:blip>
+          <a:srcRect/>
+          <a:stretch>
+            <a:fillRect/>
+          </a:stretch>
+        </p:blipFill>
+        <p:spPr bwMode="auto">
+          <a:xfrm>
+            <a:off x="5585459" y="2956442"/>
+            <a:ext cx="3136510" cy="2932373"/>
+          </a:xfrm>
+          <a:prstGeom prst="rect">
+            <a:avLst/>
+          </a:prstGeom>
+          <a:noFill/>
+          <a:ln>
+            <a:noFill/>
+          </a:ln>
+        </p:spPr>
+      </p:pic>
+      <p:pic>
+        <p:nvPicPr>
+          <p:cNvPr id="8" name="图片 7"/>
+          <p:cNvPicPr/>
+          <p:nvPr/>
+        </p:nvPicPr>
+        <p:blipFill>
+          <a:blip r:embed="rId4">
+            <a:extLst>
+              <a:ext uri="{28A0092B-C50C-407E-A947-70E740481C1C}">
+                <a14:useLocalDpi xmlns:a14="http://schemas.microsoft.com/office/drawing/2010/main" val="0"/>
+              </a:ext>
+            </a:extLst>
+          </a:blip>
+          <a:srcRect/>
+          <a:stretch>
+            <a:fillRect/>
+          </a:stretch>
+        </p:blipFill>
+        <p:spPr bwMode="auto">
+          <a:xfrm>
+            <a:off x="9255368" y="3839035"/>
+            <a:ext cx="1844040" cy="2049780"/>
+          </a:xfrm>
+          <a:prstGeom prst="rect">
+            <a:avLst/>
+          </a:prstGeom>
+          <a:noFill/>
+          <a:ln>
+            <a:noFill/>
+          </a:ln>
+        </p:spPr>
+      </p:pic>
+    </p:spTree>
+    <p:extLst>
+      <p:ext uri="{BB962C8B-B14F-4D97-AF65-F5344CB8AC3E}">
+        <p14:creationId xmlns:p14="http://schemas.microsoft.com/office/powerpoint/2010/main" val="779655836"/>
+      </p:ext>
+    </p:extLst>
+  </p:cSld>
+  <p:clrMapOvr>
+    <a:masterClrMapping/>
+  </p:clrMapOvr>
+  <p:timing>
+    <p:tnLst>
+      <p:par>
+        <p:cTn id="1" dur="indefinite" restart="never" nodeType="tmRoot"/>
+      </p:par>
+    </p:tnLst>
+  </p:timing>
+</p:sld>
+</file>
+
+<file path=ppt/slides/slide18.xml><?xml version="1.0" encoding="utf-8"?>
+<p:sld xmlns:a="http://schemas.openxmlformats.org/drawingml/2006/main" xmlns:r="http://schemas.openxmlformats.org/officeDocument/2006/relationships" xmlns:p="http://schemas.openxmlformats.org/presentationml/2006/main">
+  <p:cSld>
+    <p:spTree>
+      <p:nvGrpSpPr>
+        <p:cNvPr id="1" name=""/>
+        <p:cNvGrpSpPr/>
+        <p:nvPr/>
+      </p:nvGrpSpPr>
+      <p:grpSpPr>
+        <a:xfrm>
+          <a:off x="0" y="0"/>
+          <a:ext cx="0" cy="0"/>
+          <a:chOff x="0" y="0"/>
+          <a:chExt cx="0" cy="0"/>
+        </a:xfrm>
+      </p:grpSpPr>
+      <p:sp>
+        <p:nvSpPr>
+          <p:cNvPr id="2" name="标题 1"/>
+          <p:cNvSpPr>
+            <a:spLocks noGrp="1"/>
+          </p:cNvSpPr>
+          <p:nvPr>
+            <p:ph type="title"/>
+          </p:nvPr>
+        </p:nvSpPr>
+        <p:spPr/>
+        <p:txBody>
+          <a:bodyPr/>
+          <a:lstStyle/>
+          <a:p>
+            <a:r>
+              <a:rPr lang="zh-CN" altLang="en-US" dirty="0"/>
+              <a:t>标准</a:t>
+            </a:r>
+            <a:r>
+              <a:rPr lang="en-US" altLang="zh-CN" dirty="0"/>
+              <a:t>LSTM</a:t>
+            </a:r>
+            <a:r>
+              <a:rPr lang="zh-CN" altLang="en-US" dirty="0"/>
+              <a:t>模型   </a:t>
+            </a:r>
+            <a:r>
+              <a:rPr lang="en-US" altLang="zh-CN" dirty="0" smtClean="0"/>
+              <a:t>Hidden Layer</a:t>
+            </a:r>
+            <a:endParaRPr lang="zh-CN" altLang="en-US" dirty="0"/>
+          </a:p>
+        </p:txBody>
+      </p:sp>
+      <p:sp>
+        <p:nvSpPr>
+          <p:cNvPr id="4" name="Rectangle 2"/>
+          <p:cNvSpPr>
+            <a:spLocks noChangeArrowheads="1"/>
+          </p:cNvSpPr>
+          <p:nvPr/>
+        </p:nvSpPr>
+        <p:spPr bwMode="auto">
+          <a:xfrm>
+            <a:off x="1160059" y="2251879"/>
+            <a:ext cx="14885672" cy="45719"/>
+          </a:xfrm>
+          <a:prstGeom prst="rect">
+            <a:avLst/>
+          </a:prstGeom>
+          <a:noFill/>
+          <a:ln>
+            <a:noFill/>
+          </a:ln>
+          <a:effectLst/>
+          <a:extLst>
+            <a:ext uri="{909E8E84-426E-40DD-AFC4-6F175D3DCCD1}">
+              <a14:hiddenFill xmlns:a14="http://schemas.microsoft.com/office/drawing/2010/main">
+                <a:solidFill>
+                  <a:schemeClr val="accent1"/>
+                </a:solidFill>
+              </a14:hiddenFill>
+            </a:ext>
+            <a:ext uri="{91240B29-F687-4F45-9708-019B960494DF}">
+              <a14:hiddenLine xmlns:a14="http://schemas.microsoft.com/office/drawing/2010/main" w="9525">
+                <a:solidFill>
+                  <a:schemeClr val="tx1"/>
+                </a:solidFill>
+                <a:miter lim="800000"/>
+                <a:headEnd/>
+                <a:tailEnd/>
+              </a14:hiddenLine>
+            </a:ext>
+            <a:ext uri="{AF507438-7753-43E0-B8FC-AC1667EBCBE1}">
+              <a14:hiddenEffects xmlns:a14="http://schemas.microsoft.com/office/drawing/2010/main">
+                <a:effectLst>
+                  <a:outerShdw dist="35921" dir="2700000" algn="ctr" rotWithShape="0">
+                    <a:schemeClr val="bg2"/>
+                  </a:outerShdw>
+                </a:effectLst>
+              </a14:hiddenEffects>
+            </a:ext>
+          </a:extLst>
+        </p:spPr>
+        <p:txBody>
+          <a:bodyPr vert="horz" wrap="square" lIns="91440" tIns="45720" rIns="91440" bIns="45720" numCol="1" anchor="ctr" anchorCtr="0" compatLnSpc="1">
+            <a:prstTxWarp prst="textNoShape">
+              <a:avLst/>
+            </a:prstTxWarp>
+            <a:spAutoFit/>
+          </a:bodyPr>
+          <a:lstStyle/>
+          <a:p>
+            <a:endParaRPr lang="zh-CN" altLang="en-US"/>
+          </a:p>
+        </p:txBody>
+      </p:sp>
+      <p:graphicFrame>
+        <p:nvGraphicFramePr>
+          <p:cNvPr id="5" name="对象 4"/>
+          <p:cNvGraphicFramePr>
+            <a:graphicFrameLocks noChangeAspect="1"/>
+          </p:cNvGraphicFramePr>
+          <p:nvPr>
+            <p:extLst>
+              <p:ext uri="{D42A27DB-BD31-4B8C-83A1-F6EECF244321}">
+                <p14:modId xmlns:p14="http://schemas.microsoft.com/office/powerpoint/2010/main" val="1146746437"/>
+              </p:ext>
+            </p:extLst>
+          </p:nvPr>
+        </p:nvGraphicFramePr>
+        <p:xfrm>
+          <a:off x="1160058" y="2251880"/>
+          <a:ext cx="7168016" cy="3457810"/>
+        </p:xfrm>
+        <a:graphic>
+          <a:graphicData uri="http://schemas.openxmlformats.org/presentationml/2006/ole">
+            <mc:AlternateContent xmlns:mc="http://schemas.openxmlformats.org/markup-compatibility/2006">
+              <mc:Choice xmlns:v="urn:schemas-microsoft-com:vml" Requires="v">
+                <p:oleObj spid="_x0000_s10277" name="Visio" r:id="rId3" imgW="8286713" imgH="4009907" progId="Visio.Drawing.15">
+                  <p:embed/>
+                </p:oleObj>
+              </mc:Choice>
+              <mc:Fallback>
+                <p:oleObj name="Visio" r:id="rId3" imgW="8286713" imgH="4009907" progId="Visio.Drawing.15">
+                  <p:embed/>
+                  <p:pic>
+                    <p:nvPicPr>
+                      <p:cNvPr id="0" name="Object 1"/>
+                      <p:cNvPicPr>
+                        <a:picLocks noChangeAspect="1" noChangeArrowheads="1"/>
+                      </p:cNvPicPr>
+                      <p:nvPr/>
+                    </p:nvPicPr>
+                    <p:blipFill>
+                      <a:blip r:embed="rId4">
+                        <a:extLst>
+                          <a:ext uri="{28A0092B-C50C-407E-A947-70E740481C1C}">
+                            <a14:useLocalDpi xmlns:a14="http://schemas.microsoft.com/office/drawing/2010/main" val="0"/>
+                          </a:ext>
+                        </a:extLst>
+                      </a:blip>
+                      <a:srcRect/>
+                      <a:stretch>
+                        <a:fillRect/>
+                      </a:stretch>
+                    </p:blipFill>
+                    <p:spPr bwMode="auto">
+                      <a:xfrm>
+                        <a:off x="1160058" y="2251880"/>
+                        <a:ext cx="7168016" cy="3457810"/>
+                      </a:xfrm>
+                      <a:prstGeom prst="rect">
+                        <a:avLst/>
+                      </a:prstGeom>
+                      <a:noFill/>
+                    </p:spPr>
+                  </p:pic>
+                </p:oleObj>
+              </mc:Fallback>
+            </mc:AlternateContent>
+          </a:graphicData>
+        </a:graphic>
+      </p:graphicFrame>
+      <p:sp>
+        <p:nvSpPr>
+          <p:cNvPr id="6" name="Rectangle 4"/>
+          <p:cNvSpPr>
+            <a:spLocks noChangeArrowheads="1"/>
+          </p:cNvSpPr>
+          <p:nvPr/>
+        </p:nvSpPr>
+        <p:spPr bwMode="auto">
+          <a:xfrm>
+            <a:off x="9481624" y="2858789"/>
+            <a:ext cx="13166149" cy="45719"/>
+          </a:xfrm>
+          <a:prstGeom prst="rect">
+            <a:avLst/>
+          </a:prstGeom>
+          <a:noFill/>
+          <a:ln>
+            <a:noFill/>
+          </a:ln>
+          <a:effectLst/>
+          <a:extLst>
+            <a:ext uri="{909E8E84-426E-40DD-AFC4-6F175D3DCCD1}">
+              <a14:hiddenFill xmlns:a14="http://schemas.microsoft.com/office/drawing/2010/main">
+                <a:solidFill>
+                  <a:schemeClr val="accent1"/>
+                </a:solidFill>
+              </a14:hiddenFill>
+            </a:ext>
+            <a:ext uri="{91240B29-F687-4F45-9708-019B960494DF}">
+              <a14:hiddenLine xmlns:a14="http://schemas.microsoft.com/office/drawing/2010/main" w="9525">
+                <a:solidFill>
+                  <a:schemeClr val="tx1"/>
+                </a:solidFill>
+                <a:miter lim="800000"/>
+                <a:headEnd/>
+                <a:tailEnd/>
+              </a14:hiddenLine>
+            </a:ext>
+            <a:ext uri="{AF507438-7753-43E0-B8FC-AC1667EBCBE1}">
+              <a14:hiddenEffects xmlns:a14="http://schemas.microsoft.com/office/drawing/2010/main">
+                <a:effectLst>
+                  <a:outerShdw dist="35921" dir="2700000" algn="ctr" rotWithShape="0">
+                    <a:schemeClr val="bg2"/>
+                  </a:outerShdw>
+                </a:effectLst>
+              </a14:hiddenEffects>
+            </a:ext>
+          </a:extLst>
+        </p:spPr>
+        <p:txBody>
+          <a:bodyPr vert="horz" wrap="square" lIns="91440" tIns="45720" rIns="91440" bIns="45720" numCol="1" anchor="ctr" anchorCtr="0" compatLnSpc="1">
+            <a:prstTxWarp prst="textNoShape">
+              <a:avLst/>
+            </a:prstTxWarp>
+            <a:spAutoFit/>
+          </a:bodyPr>
+          <a:lstStyle/>
+          <a:p>
+            <a:endParaRPr lang="zh-CN" altLang="en-US"/>
+          </a:p>
+        </p:txBody>
+      </p:sp>
+      <p:graphicFrame>
+        <p:nvGraphicFramePr>
+          <p:cNvPr id="7" name="对象 6"/>
+          <p:cNvGraphicFramePr>
+            <a:graphicFrameLocks noChangeAspect="1"/>
+          </p:cNvGraphicFramePr>
+          <p:nvPr>
+            <p:extLst>
+              <p:ext uri="{D42A27DB-BD31-4B8C-83A1-F6EECF244321}">
+                <p14:modId xmlns:p14="http://schemas.microsoft.com/office/powerpoint/2010/main" val="3159321831"/>
+              </p:ext>
+            </p:extLst>
+          </p:nvPr>
+        </p:nvGraphicFramePr>
+        <p:xfrm>
+          <a:off x="9481625" y="2858789"/>
+          <a:ext cx="2525314" cy="2335237"/>
+        </p:xfrm>
+        <a:graphic>
+          <a:graphicData uri="http://schemas.openxmlformats.org/presentationml/2006/ole">
+            <mc:AlternateContent xmlns:mc="http://schemas.openxmlformats.org/markup-compatibility/2006">
+              <mc:Choice xmlns:v="urn:schemas-microsoft-com:vml" Requires="v">
+                <p:oleObj spid="_x0000_s10278" name="Equation" r:id="rId5" imgW="1549400" imgH="1422400" progId="Equation.DSMT4">
+                  <p:embed/>
+                </p:oleObj>
+              </mc:Choice>
+              <mc:Fallback>
+                <p:oleObj name="Equation" r:id="rId5" imgW="1549400" imgH="1422400" progId="Equation.DSMT4">
+                  <p:embed/>
+                  <p:pic>
+                    <p:nvPicPr>
+                      <p:cNvPr id="0" name="Object 3"/>
+                      <p:cNvPicPr>
+                        <a:picLocks noChangeAspect="1" noChangeArrowheads="1"/>
+                      </p:cNvPicPr>
+                      <p:nvPr/>
+                    </p:nvPicPr>
+                    <p:blipFill>
+                      <a:blip r:embed="rId6">
+                        <a:extLst>
+                          <a:ext uri="{28A0092B-C50C-407E-A947-70E740481C1C}">
+                            <a14:useLocalDpi xmlns:a14="http://schemas.microsoft.com/office/drawing/2010/main" val="0"/>
+                          </a:ext>
+                        </a:extLst>
+                      </a:blip>
+                      <a:srcRect/>
+                      <a:stretch>
+                        <a:fillRect/>
+                      </a:stretch>
+                    </p:blipFill>
+                    <p:spPr bwMode="auto">
+                      <a:xfrm>
+                        <a:off x="9481625" y="2858789"/>
+                        <a:ext cx="2525314" cy="2335237"/>
+                      </a:xfrm>
+                      <a:prstGeom prst="rect">
+                        <a:avLst/>
+                      </a:prstGeom>
+                      <a:noFill/>
+                    </p:spPr>
+                  </p:pic>
+                </p:oleObj>
+              </mc:Fallback>
+            </mc:AlternateContent>
+          </a:graphicData>
+        </a:graphic>
+      </p:graphicFrame>
+    </p:spTree>
+    <p:extLst>
+      <p:ext uri="{BB962C8B-B14F-4D97-AF65-F5344CB8AC3E}">
+        <p14:creationId xmlns:p14="http://schemas.microsoft.com/office/powerpoint/2010/main" val="2988060339"/>
+      </p:ext>
+    </p:extLst>
+  </p:cSld>
+  <p:clrMapOvr>
+    <a:masterClrMapping/>
+  </p:clrMapOvr>
+  <p:timing>
+    <p:tnLst>
+      <p:par>
+        <p:cTn id="1" dur="indefinite" restart="never" nodeType="tmRoot"/>
+      </p:par>
+    </p:tnLst>
+  </p:timing>
+</p:sld>
+</file>
+
+<file path=ppt/slides/slide19.xml><?xml version="1.0" encoding="utf-8"?>
+<p:sld xmlns:a="http://schemas.openxmlformats.org/drawingml/2006/main" xmlns:r="http://schemas.openxmlformats.org/officeDocument/2006/relationships" xmlns:p="http://schemas.openxmlformats.org/presentationml/2006/main">
+  <p:cSld>
+    <p:spTree>
+      <p:nvGrpSpPr>
+        <p:cNvPr id="1" name=""/>
+        <p:cNvGrpSpPr/>
+        <p:nvPr/>
+      </p:nvGrpSpPr>
+      <p:grpSpPr>
+        <a:xfrm>
+          <a:off x="0" y="0"/>
+          <a:ext cx="0" cy="0"/>
+          <a:chOff x="0" y="0"/>
+          <a:chExt cx="0" cy="0"/>
+        </a:xfrm>
+      </p:grpSpPr>
+      <p:sp>
+        <p:nvSpPr>
+          <p:cNvPr id="2" name="标题 1"/>
+          <p:cNvSpPr>
+            <a:spLocks noGrp="1"/>
+          </p:cNvSpPr>
+          <p:nvPr>
+            <p:ph type="title"/>
+          </p:nvPr>
+        </p:nvSpPr>
+        <p:spPr/>
+        <p:txBody>
+          <a:bodyPr/>
+          <a:lstStyle/>
+          <a:p>
+            <a:r>
+              <a:rPr lang="zh-CN" altLang="en-US" dirty="0"/>
+              <a:t>标准</a:t>
+            </a:r>
+            <a:r>
+              <a:rPr lang="en-US" altLang="zh-CN" dirty="0"/>
+              <a:t>LSTM</a:t>
+            </a:r>
+            <a:r>
+              <a:rPr lang="zh-CN" altLang="en-US" dirty="0"/>
+              <a:t>模型   </a:t>
+            </a:r>
+            <a:r>
+              <a:rPr lang="en-US" altLang="zh-CN" dirty="0" err="1" smtClean="0"/>
+              <a:t>Softmax</a:t>
+            </a:r>
+            <a:endParaRPr lang="zh-CN" altLang="en-US" dirty="0"/>
+          </a:p>
+        </p:txBody>
+      </p:sp>
+      <p:sp>
+        <p:nvSpPr>
+          <p:cNvPr id="4" name="Rectangle 2"/>
+          <p:cNvSpPr>
+            <a:spLocks noChangeArrowheads="1"/>
+          </p:cNvSpPr>
+          <p:nvPr/>
+        </p:nvSpPr>
+        <p:spPr bwMode="auto">
+          <a:xfrm>
+            <a:off x="7287904" y="2852382"/>
+            <a:ext cx="12192000" cy="0"/>
+          </a:xfrm>
+          <a:prstGeom prst="rect">
+            <a:avLst/>
+          </a:prstGeom>
+          <a:noFill/>
+          <a:ln>
+            <a:noFill/>
+          </a:ln>
+          <a:effectLst/>
+          <a:extLst>
+            <a:ext uri="{909E8E84-426E-40DD-AFC4-6F175D3DCCD1}">
+              <a14:hiddenFill xmlns:a14="http://schemas.microsoft.com/office/drawing/2010/main">
+                <a:solidFill>
+                  <a:schemeClr val="accent1"/>
+                </a:solidFill>
+              </a14:hiddenFill>
+            </a:ext>
+            <a:ext uri="{91240B29-F687-4F45-9708-019B960494DF}">
+              <a14:hiddenLine xmlns:a14="http://schemas.microsoft.com/office/drawing/2010/main" w="9525">
+                <a:solidFill>
+                  <a:schemeClr val="tx1"/>
+                </a:solidFill>
+                <a:miter lim="800000"/>
+                <a:headEnd/>
+                <a:tailEnd/>
+              </a14:hiddenLine>
+            </a:ext>
+            <a:ext uri="{AF507438-7753-43E0-B8FC-AC1667EBCBE1}">
+              <a14:hiddenEffects xmlns:a14="http://schemas.microsoft.com/office/drawing/2010/main">
+                <a:effectLst>
+                  <a:outerShdw dist="35921" dir="2700000" algn="ctr" rotWithShape="0">
+                    <a:schemeClr val="bg2"/>
+                  </a:outerShdw>
+                </a:effectLst>
+              </a14:hiddenEffects>
+            </a:ext>
+          </a:extLst>
+        </p:spPr>
+        <p:txBody>
+          <a:bodyPr vert="horz" wrap="none" lIns="91440" tIns="45720" rIns="91440" bIns="45720" numCol="1" anchor="ctr" anchorCtr="0" compatLnSpc="1">
+            <a:prstTxWarp prst="textNoShape">
+              <a:avLst/>
+            </a:prstTxWarp>
+            <a:spAutoFit/>
+          </a:bodyPr>
+          <a:lstStyle/>
+          <a:p>
+            <a:endParaRPr lang="zh-CN" altLang="en-US"/>
+          </a:p>
+        </p:txBody>
+      </p:sp>
+      <p:graphicFrame>
+        <p:nvGraphicFramePr>
+          <p:cNvPr id="5" name="对象 4"/>
+          <p:cNvGraphicFramePr>
+            <a:graphicFrameLocks noChangeAspect="1"/>
+          </p:cNvGraphicFramePr>
+          <p:nvPr>
+            <p:extLst>
+              <p:ext uri="{D42A27DB-BD31-4B8C-83A1-F6EECF244321}">
+                <p14:modId xmlns:p14="http://schemas.microsoft.com/office/powerpoint/2010/main" val="837175022"/>
+              </p:ext>
+            </p:extLst>
+          </p:nvPr>
+        </p:nvGraphicFramePr>
+        <p:xfrm>
+          <a:off x="7287904" y="2852381"/>
+          <a:ext cx="3494803" cy="409433"/>
+        </p:xfrm>
+        <a:graphic>
+          <a:graphicData uri="http://schemas.openxmlformats.org/presentationml/2006/ole">
+            <mc:AlternateContent xmlns:mc="http://schemas.openxmlformats.org/markup-compatibility/2006">
+              <mc:Choice xmlns:v="urn:schemas-microsoft-com:vml" Requires="v">
+                <p:oleObj spid="_x0000_s12324" name="Equation" r:id="rId3" imgW="2095500" imgH="228600" progId="Equation.DSMT4">
+                  <p:embed/>
+                </p:oleObj>
+              </mc:Choice>
+              <mc:Fallback>
+                <p:oleObj name="Equation" r:id="rId3" imgW="2095500" imgH="228600" progId="Equation.DSMT4">
+                  <p:embed/>
+                  <p:pic>
+                    <p:nvPicPr>
+                      <p:cNvPr id="0" name="Object 1"/>
+                      <p:cNvPicPr>
+                        <a:picLocks noChangeAspect="1" noChangeArrowheads="1"/>
+                      </p:cNvPicPr>
+                      <p:nvPr/>
+                    </p:nvPicPr>
+                    <p:blipFill>
+                      <a:blip r:embed="rId4">
+                        <a:extLst>
+                          <a:ext uri="{28A0092B-C50C-407E-A947-70E740481C1C}">
+                            <a14:useLocalDpi xmlns:a14="http://schemas.microsoft.com/office/drawing/2010/main" val="0"/>
+                          </a:ext>
+                        </a:extLst>
+                      </a:blip>
+                      <a:srcRect/>
+                      <a:stretch>
+                        <a:fillRect/>
+                      </a:stretch>
+                    </p:blipFill>
+                    <p:spPr bwMode="auto">
+                      <a:xfrm>
+                        <a:off x="7287904" y="2852381"/>
+                        <a:ext cx="3494803" cy="409433"/>
+                      </a:xfrm>
+                      <a:prstGeom prst="rect">
+                        <a:avLst/>
+                      </a:prstGeom>
+                      <a:noFill/>
+                    </p:spPr>
+                  </p:pic>
+                </p:oleObj>
+              </mc:Fallback>
+            </mc:AlternateContent>
+          </a:graphicData>
+        </a:graphic>
+      </p:graphicFrame>
+      <p:sp>
+        <p:nvSpPr>
+          <p:cNvPr id="6" name="Rectangle 5"/>
+          <p:cNvSpPr>
+            <a:spLocks noChangeArrowheads="1"/>
+          </p:cNvSpPr>
+          <p:nvPr/>
+        </p:nvSpPr>
+        <p:spPr bwMode="auto">
+          <a:xfrm>
+            <a:off x="1473957" y="2852380"/>
+            <a:ext cx="17336795" cy="45719"/>
+          </a:xfrm>
+          <a:prstGeom prst="rect">
+            <a:avLst/>
+          </a:prstGeom>
+          <a:noFill/>
+          <a:ln>
+            <a:noFill/>
+          </a:ln>
+          <a:effectLst/>
+          <a:extLst>
+            <a:ext uri="{909E8E84-426E-40DD-AFC4-6F175D3DCCD1}">
+              <a14:hiddenFill xmlns:a14="http://schemas.microsoft.com/office/drawing/2010/main">
+                <a:solidFill>
+                  <a:schemeClr val="accent1"/>
+                </a:solidFill>
+              </a14:hiddenFill>
+            </a:ext>
+            <a:ext uri="{91240B29-F687-4F45-9708-019B960494DF}">
+              <a14:hiddenLine xmlns:a14="http://schemas.microsoft.com/office/drawing/2010/main" w="9525">
+                <a:solidFill>
+                  <a:schemeClr val="tx1"/>
+                </a:solidFill>
+                <a:miter lim="800000"/>
+                <a:headEnd/>
+                <a:tailEnd/>
+              </a14:hiddenLine>
+            </a:ext>
+            <a:ext uri="{AF507438-7753-43E0-B8FC-AC1667EBCBE1}">
+              <a14:hiddenEffects xmlns:a14="http://schemas.microsoft.com/office/drawing/2010/main">
+                <a:effectLst>
+                  <a:outerShdw dist="35921" dir="2700000" algn="ctr" rotWithShape="0">
+                    <a:schemeClr val="bg2"/>
+                  </a:outerShdw>
+                </a:effectLst>
+              </a14:hiddenEffects>
+            </a:ext>
+          </a:extLst>
+        </p:spPr>
+        <p:txBody>
+          <a:bodyPr vert="horz" wrap="square" lIns="91440" tIns="45720" rIns="91440" bIns="45720" numCol="1" anchor="ctr" anchorCtr="0" compatLnSpc="1">
+            <a:prstTxWarp prst="textNoShape">
+              <a:avLst/>
+            </a:prstTxWarp>
+            <a:spAutoFit/>
+          </a:bodyPr>
+          <a:lstStyle/>
+          <a:p>
+            <a:endParaRPr lang="zh-CN" altLang="en-US"/>
+          </a:p>
+        </p:txBody>
+      </p:sp>
+      <p:graphicFrame>
+        <p:nvGraphicFramePr>
+          <p:cNvPr id="7" name="对象 6"/>
+          <p:cNvGraphicFramePr>
+            <a:graphicFrameLocks noChangeAspect="1"/>
+          </p:cNvGraphicFramePr>
+          <p:nvPr>
+            <p:extLst>
+              <p:ext uri="{D42A27DB-BD31-4B8C-83A1-F6EECF244321}">
+                <p14:modId xmlns:p14="http://schemas.microsoft.com/office/powerpoint/2010/main" val="716020338"/>
+              </p:ext>
+            </p:extLst>
+          </p:nvPr>
+        </p:nvGraphicFramePr>
+        <p:xfrm>
+          <a:off x="1473957" y="2852381"/>
+          <a:ext cx="1884653" cy="928049"/>
+        </p:xfrm>
+        <a:graphic>
+          <a:graphicData uri="http://schemas.openxmlformats.org/presentationml/2006/ole">
+            <mc:AlternateContent xmlns:mc="http://schemas.openxmlformats.org/markup-compatibility/2006">
+              <mc:Choice xmlns:v="urn:schemas-microsoft-com:vml" Requires="v">
+                <p:oleObj spid="_x0000_s12325" name="Equation" r:id="rId5" imgW="1104900" imgH="520700" progId="Equation.DSMT4">
+                  <p:embed/>
+                </p:oleObj>
+              </mc:Choice>
+              <mc:Fallback>
+                <p:oleObj name="Equation" r:id="rId5" imgW="1104900" imgH="520700" progId="Equation.DSMT4">
+                  <p:embed/>
+                  <p:pic>
+                    <p:nvPicPr>
+                      <p:cNvPr id="0" name="Object 4"/>
+                      <p:cNvPicPr>
+                        <a:picLocks noChangeAspect="1" noChangeArrowheads="1"/>
+                      </p:cNvPicPr>
+                      <p:nvPr/>
+                    </p:nvPicPr>
+                    <p:blipFill>
+                      <a:blip r:embed="rId6">
+                        <a:extLst>
+                          <a:ext uri="{28A0092B-C50C-407E-A947-70E740481C1C}">
+                            <a14:useLocalDpi xmlns:a14="http://schemas.microsoft.com/office/drawing/2010/main" val="0"/>
+                          </a:ext>
+                        </a:extLst>
+                      </a:blip>
+                      <a:srcRect/>
+                      <a:stretch>
+                        <a:fillRect/>
+                      </a:stretch>
+                    </p:blipFill>
+                    <p:spPr bwMode="auto">
+                      <a:xfrm>
+                        <a:off x="1473957" y="2852381"/>
+                        <a:ext cx="1884653" cy="928049"/>
+                      </a:xfrm>
+                      <a:prstGeom prst="rect">
+                        <a:avLst/>
+                      </a:prstGeom>
+                      <a:noFill/>
+                    </p:spPr>
+                  </p:pic>
+                </p:oleObj>
+              </mc:Fallback>
+            </mc:AlternateContent>
+          </a:graphicData>
+        </a:graphic>
+      </p:graphicFrame>
+      <p:sp>
+        <p:nvSpPr>
+          <p:cNvPr id="8" name="矩形 7"/>
+          <p:cNvSpPr/>
+          <p:nvPr/>
+        </p:nvSpPr>
+        <p:spPr>
+          <a:xfrm>
+            <a:off x="838200" y="4969221"/>
+            <a:ext cx="6096000" cy="605294"/>
+          </a:xfrm>
+          <a:prstGeom prst="rect">
+            <a:avLst/>
+          </a:prstGeom>
+        </p:spPr>
+        <p:txBody>
+          <a:bodyPr>
+            <a:spAutoFit/>
+          </a:bodyPr>
+          <a:lstStyle/>
+          <a:p>
+            <a:pPr indent="266700" algn="just">
+              <a:lnSpc>
+                <a:spcPts val="2000"/>
+              </a:lnSpc>
+              <a:spcAft>
+                <a:spcPts val="180"/>
+              </a:spcAft>
+            </a:pPr>
+            <a:r>
+              <a:rPr lang="zh-CN" altLang="zh-CN" kern="100" dirty="0">
+                <a:solidFill>
+                  <a:srgbClr val="000000"/>
+                </a:solidFill>
+                <a:latin typeface="Times New Roman" panose="02020603050405020304" pitchFamily="18" charset="0"/>
+                <a:ea typeface="宋体" panose="02010600030101010101" pitchFamily="2" charset="-122"/>
+              </a:rPr>
+              <a:t>输出层使用</a:t>
+            </a:r>
+            <a:r>
+              <a:rPr lang="en-US" altLang="zh-CN" kern="100" dirty="0" err="1">
+                <a:solidFill>
+                  <a:srgbClr val="000000"/>
+                </a:solidFill>
+                <a:latin typeface="Times New Roman" panose="02020603050405020304" pitchFamily="18" charset="0"/>
+                <a:ea typeface="宋体" panose="02010600030101010101" pitchFamily="2" charset="-122"/>
+              </a:rPr>
+              <a:t>softmax</a:t>
+            </a:r>
+            <a:r>
+              <a:rPr lang="zh-CN" altLang="zh-CN" kern="100" dirty="0">
+                <a:solidFill>
+                  <a:srgbClr val="000000"/>
+                </a:solidFill>
+                <a:latin typeface="Times New Roman" panose="02020603050405020304" pitchFamily="18" charset="0"/>
+                <a:ea typeface="宋体" panose="02010600030101010101" pitchFamily="2" charset="-122"/>
+              </a:rPr>
+              <a:t>函数来进行归一化可以生成预测结果</a:t>
+            </a:r>
+            <a:r>
+              <a:rPr lang="en-US" altLang="zh-CN" kern="100" dirty="0">
+                <a:solidFill>
+                  <a:srgbClr val="000000"/>
+                </a:solidFill>
+                <a:latin typeface="Times New Roman" panose="02020603050405020304" pitchFamily="18" charset="0"/>
+                <a:ea typeface="宋体" panose="02010600030101010101" pitchFamily="2" charset="-122"/>
+              </a:rPr>
+              <a:t>token</a:t>
+            </a:r>
+            <a:r>
+              <a:rPr lang="zh-CN" altLang="zh-CN" kern="100" dirty="0">
+                <a:solidFill>
+                  <a:srgbClr val="000000"/>
+                </a:solidFill>
+                <a:latin typeface="Times New Roman" panose="02020603050405020304" pitchFamily="18" charset="0"/>
+                <a:ea typeface="宋体" panose="02010600030101010101" pitchFamily="2" charset="-122"/>
+              </a:rPr>
+              <a:t>的概率分布。</a:t>
+            </a:r>
+            <a:endParaRPr lang="zh-CN" altLang="zh-CN" sz="1400" kern="100" dirty="0">
+              <a:effectLst/>
+              <a:latin typeface="Times New Roman" panose="02020603050405020304" pitchFamily="18" charset="0"/>
+              <a:ea typeface="宋体" panose="02010600030101010101" pitchFamily="2" charset="-122"/>
+            </a:endParaRPr>
+          </a:p>
+        </p:txBody>
+      </p:sp>
+    </p:spTree>
+    <p:extLst>
+      <p:ext uri="{BB962C8B-B14F-4D97-AF65-F5344CB8AC3E}">
+        <p14:creationId xmlns:p14="http://schemas.microsoft.com/office/powerpoint/2010/main" val="862498673"/>
+      </p:ext>
+    </p:extLst>
+  </p:cSld>
+  <p:clrMapOvr>
+    <a:masterClrMapping/>
+  </p:clrMapOvr>
 </p:sld>
 </file>
 
@@ -4168,7 +6557,7 @@
                 <a:latin typeface="微软雅黑" panose="020B0503020204020204" pitchFamily="34" charset="-122"/>
                 <a:ea typeface="微软雅黑" panose="020B0503020204020204" pitchFamily="34" charset="-122"/>
               </a:rPr>
-              <a:t>模型设计与实现</a:t>
+              <a:t>模型设计</a:t>
             </a:r>
             <a:endParaRPr lang="en-US" altLang="zh-CN" dirty="0" smtClean="0">
               <a:latin typeface="微软雅黑" panose="020B0503020204020204" pitchFamily="34" charset="-122"/>
@@ -4181,7 +6570,14 @@
                 <a:latin typeface="微软雅黑" panose="020B0503020204020204" pitchFamily="34" charset="-122"/>
                 <a:ea typeface="微软雅黑" panose="020B0503020204020204" pitchFamily="34" charset="-122"/>
               </a:rPr>
-              <a:t>实验结果及分析</a:t>
+              <a:t>实验</a:t>
+            </a:r>
+            <a:r>
+              <a:rPr lang="zh-CN" altLang="en-US" dirty="0" smtClean="0">
+                <a:latin typeface="微软雅黑" panose="020B0503020204020204" pitchFamily="34" charset="-122"/>
+                <a:ea typeface="微软雅黑" panose="020B0503020204020204" pitchFamily="34" charset="-122"/>
+              </a:rPr>
+              <a:t>结果及分析</a:t>
             </a:r>
             <a:endParaRPr lang="en-US" altLang="zh-CN" dirty="0" smtClean="0">
               <a:latin typeface="微软雅黑" panose="020B0503020204020204" pitchFamily="34" charset="-122"/>
@@ -4207,6 +6603,1760 @@
     <p:extLst>
       <p:ext uri="{BB962C8B-B14F-4D97-AF65-F5344CB8AC3E}">
         <p14:creationId xmlns:p14="http://schemas.microsoft.com/office/powerpoint/2010/main" val="1933320375"/>
+      </p:ext>
+    </p:extLst>
+  </p:cSld>
+  <p:clrMapOvr>
+    <a:masterClrMapping/>
+  </p:clrMapOvr>
+  <p:timing>
+    <p:tnLst>
+      <p:par>
+        <p:cTn id="1" dur="indefinite" restart="never" nodeType="tmRoot"/>
+      </p:par>
+    </p:tnLst>
+  </p:timing>
+</p:sld>
+</file>
+
+<file path=ppt/slides/slide20.xml><?xml version="1.0" encoding="utf-8"?>
+<p:sld xmlns:a="http://schemas.openxmlformats.org/drawingml/2006/main" xmlns:r="http://schemas.openxmlformats.org/officeDocument/2006/relationships" xmlns:p="http://schemas.openxmlformats.org/presentationml/2006/main">
+  <p:cSld>
+    <p:spTree>
+      <p:nvGrpSpPr>
+        <p:cNvPr id="1" name=""/>
+        <p:cNvGrpSpPr/>
+        <p:nvPr/>
+      </p:nvGrpSpPr>
+      <p:grpSpPr>
+        <a:xfrm>
+          <a:off x="0" y="0"/>
+          <a:ext cx="0" cy="0"/>
+          <a:chOff x="0" y="0"/>
+          <a:chExt cx="0" cy="0"/>
+        </a:xfrm>
+      </p:grpSpPr>
+      <p:sp>
+        <p:nvSpPr>
+          <p:cNvPr id="2" name="标题 1"/>
+          <p:cNvSpPr>
+            <a:spLocks noGrp="1"/>
+          </p:cNvSpPr>
+          <p:nvPr>
+            <p:ph type="title"/>
+          </p:nvPr>
+        </p:nvSpPr>
+        <p:spPr/>
+        <p:txBody>
+          <a:bodyPr/>
+          <a:lstStyle/>
+          <a:p>
+            <a:r>
+              <a:rPr lang="en-US" altLang="zh-CN" dirty="0" err="1" smtClean="0"/>
+              <a:t>StackLSTM</a:t>
+            </a:r>
+            <a:endParaRPr lang="zh-CN" altLang="en-US" dirty="0"/>
+          </a:p>
+        </p:txBody>
+      </p:sp>
+      <p:sp>
+        <p:nvSpPr>
+          <p:cNvPr id="4" name="Rectangle 2"/>
+          <p:cNvSpPr>
+            <a:spLocks noChangeArrowheads="1"/>
+          </p:cNvSpPr>
+          <p:nvPr/>
+        </p:nvSpPr>
+        <p:spPr bwMode="auto">
+          <a:xfrm>
+            <a:off x="1255593" y="1856095"/>
+            <a:ext cx="15651359" cy="45719"/>
+          </a:xfrm>
+          <a:prstGeom prst="rect">
+            <a:avLst/>
+          </a:prstGeom>
+          <a:noFill/>
+          <a:ln>
+            <a:noFill/>
+          </a:ln>
+          <a:effectLst/>
+          <a:extLst>
+            <a:ext uri="{909E8E84-426E-40DD-AFC4-6F175D3DCCD1}">
+              <a14:hiddenFill xmlns:a14="http://schemas.microsoft.com/office/drawing/2010/main">
+                <a:solidFill>
+                  <a:schemeClr val="accent1"/>
+                </a:solidFill>
+              </a14:hiddenFill>
+            </a:ext>
+            <a:ext uri="{91240B29-F687-4F45-9708-019B960494DF}">
+              <a14:hiddenLine xmlns:a14="http://schemas.microsoft.com/office/drawing/2010/main" w="9525">
+                <a:solidFill>
+                  <a:schemeClr val="tx1"/>
+                </a:solidFill>
+                <a:miter lim="800000"/>
+                <a:headEnd/>
+                <a:tailEnd/>
+              </a14:hiddenLine>
+            </a:ext>
+            <a:ext uri="{AF507438-7753-43E0-B8FC-AC1667EBCBE1}">
+              <a14:hiddenEffects xmlns:a14="http://schemas.microsoft.com/office/drawing/2010/main">
+                <a:effectLst>
+                  <a:outerShdw dist="35921" dir="2700000" algn="ctr" rotWithShape="0">
+                    <a:schemeClr val="bg2"/>
+                  </a:outerShdw>
+                </a:effectLst>
+              </a14:hiddenEffects>
+            </a:ext>
+          </a:extLst>
+        </p:spPr>
+        <p:txBody>
+          <a:bodyPr vert="horz" wrap="square" lIns="91440" tIns="45720" rIns="91440" bIns="45720" numCol="1" anchor="ctr" anchorCtr="0" compatLnSpc="1">
+            <a:prstTxWarp prst="textNoShape">
+              <a:avLst/>
+            </a:prstTxWarp>
+            <a:spAutoFit/>
+          </a:bodyPr>
+          <a:lstStyle/>
+          <a:p>
+            <a:endParaRPr lang="zh-CN" altLang="en-US"/>
+          </a:p>
+        </p:txBody>
+      </p:sp>
+      <p:graphicFrame>
+        <p:nvGraphicFramePr>
+          <p:cNvPr id="5" name="对象 4"/>
+          <p:cNvGraphicFramePr>
+            <a:graphicFrameLocks noChangeAspect="1"/>
+          </p:cNvGraphicFramePr>
+          <p:nvPr>
+            <p:extLst>
+              <p:ext uri="{D42A27DB-BD31-4B8C-83A1-F6EECF244321}">
+                <p14:modId xmlns:p14="http://schemas.microsoft.com/office/powerpoint/2010/main" val="2391778833"/>
+              </p:ext>
+            </p:extLst>
+          </p:nvPr>
+        </p:nvGraphicFramePr>
+        <p:xfrm>
+          <a:off x="684094" y="1656109"/>
+          <a:ext cx="6933063" cy="4328579"/>
+        </p:xfrm>
+        <a:graphic>
+          <a:graphicData uri="http://schemas.openxmlformats.org/presentationml/2006/ole">
+            <mc:AlternateContent xmlns:mc="http://schemas.openxmlformats.org/markup-compatibility/2006">
+              <mc:Choice xmlns:v="urn:schemas-microsoft-com:vml" Requires="v">
+                <p:oleObj spid="_x0000_s13328" name="Visio" r:id="rId3" imgW="6343462" imgH="3952730" progId="Visio.Drawing.15">
+                  <p:embed/>
+                </p:oleObj>
+              </mc:Choice>
+              <mc:Fallback>
+                <p:oleObj name="Visio" r:id="rId3" imgW="6343462" imgH="3952730" progId="Visio.Drawing.15">
+                  <p:embed/>
+                  <p:pic>
+                    <p:nvPicPr>
+                      <p:cNvPr id="0" name="Object 1"/>
+                      <p:cNvPicPr>
+                        <a:picLocks noChangeAspect="1" noChangeArrowheads="1"/>
+                      </p:cNvPicPr>
+                      <p:nvPr/>
+                    </p:nvPicPr>
+                    <p:blipFill>
+                      <a:blip r:embed="rId4">
+                        <a:extLst>
+                          <a:ext uri="{28A0092B-C50C-407E-A947-70E740481C1C}">
+                            <a14:useLocalDpi xmlns:a14="http://schemas.microsoft.com/office/drawing/2010/main" val="0"/>
+                          </a:ext>
+                        </a:extLst>
+                      </a:blip>
+                      <a:srcRect/>
+                      <a:stretch>
+                        <a:fillRect/>
+                      </a:stretch>
+                    </p:blipFill>
+                    <p:spPr bwMode="auto">
+                      <a:xfrm>
+                        <a:off x="684094" y="1656109"/>
+                        <a:ext cx="6933063" cy="4328579"/>
+                      </a:xfrm>
+                      <a:prstGeom prst="rect">
+                        <a:avLst/>
+                      </a:prstGeom>
+                      <a:noFill/>
+                    </p:spPr>
+                  </p:pic>
+                </p:oleObj>
+              </mc:Fallback>
+            </mc:AlternateContent>
+          </a:graphicData>
+        </a:graphic>
+      </p:graphicFrame>
+      <p:sp>
+        <p:nvSpPr>
+          <p:cNvPr id="6" name="矩形 5"/>
+          <p:cNvSpPr/>
+          <p:nvPr/>
+        </p:nvSpPr>
+        <p:spPr>
+          <a:xfrm>
+            <a:off x="7917029" y="4499321"/>
+            <a:ext cx="4051300" cy="348813"/>
+          </a:xfrm>
+          <a:prstGeom prst="rect">
+            <a:avLst/>
+          </a:prstGeom>
+        </p:spPr>
+        <p:txBody>
+          <a:bodyPr wrap="square">
+            <a:spAutoFit/>
+          </a:bodyPr>
+          <a:lstStyle/>
+          <a:p>
+            <a:pPr indent="266700" algn="just">
+              <a:lnSpc>
+                <a:spcPts val="2000"/>
+              </a:lnSpc>
+              <a:spcAft>
+                <a:spcPts val="180"/>
+              </a:spcAft>
+            </a:pPr>
+            <a:r>
+              <a:rPr lang="zh-CN" altLang="en-US" kern="100" dirty="0" smtClean="0">
+                <a:solidFill>
+                  <a:srgbClr val="000000"/>
+                </a:solidFill>
+                <a:latin typeface="Times New Roman" panose="02020603050405020304" pitchFamily="18" charset="0"/>
+                <a:ea typeface="宋体" panose="02010600030101010101" pitchFamily="2" charset="-122"/>
+              </a:rPr>
+              <a:t>是否清零</a:t>
+            </a:r>
+            <a:endParaRPr lang="zh-CN" altLang="zh-CN" sz="1400" kern="100" dirty="0">
+              <a:effectLst/>
+              <a:latin typeface="Times New Roman" panose="02020603050405020304" pitchFamily="18" charset="0"/>
+              <a:ea typeface="宋体" panose="02010600030101010101" pitchFamily="2" charset="-122"/>
+            </a:endParaRPr>
+          </a:p>
+        </p:txBody>
+      </p:sp>
+    </p:spTree>
+    <p:extLst>
+      <p:ext uri="{BB962C8B-B14F-4D97-AF65-F5344CB8AC3E}">
+        <p14:creationId xmlns:p14="http://schemas.microsoft.com/office/powerpoint/2010/main" val="1241150238"/>
+      </p:ext>
+    </p:extLst>
+  </p:cSld>
+  <p:clrMapOvr>
+    <a:masterClrMapping/>
+  </p:clrMapOvr>
+  <p:timing>
+    <p:tnLst>
+      <p:par>
+        <p:cTn id="1" dur="indefinite" restart="never" nodeType="tmRoot"/>
+      </p:par>
+    </p:tnLst>
+  </p:timing>
+</p:sld>
+</file>
+
+<file path=ppt/slides/slide21.xml><?xml version="1.0" encoding="utf-8"?>
+<p:sld xmlns:a="http://schemas.openxmlformats.org/drawingml/2006/main" xmlns:r="http://schemas.openxmlformats.org/officeDocument/2006/relationships" xmlns:p="http://schemas.openxmlformats.org/presentationml/2006/main">
+  <p:cSld>
+    <p:spTree>
+      <p:nvGrpSpPr>
+        <p:cNvPr id="1" name=""/>
+        <p:cNvGrpSpPr/>
+        <p:nvPr/>
+      </p:nvGrpSpPr>
+      <p:grpSpPr>
+        <a:xfrm>
+          <a:off x="0" y="0"/>
+          <a:ext cx="0" cy="0"/>
+          <a:chOff x="0" y="0"/>
+          <a:chExt cx="0" cy="0"/>
+        </a:xfrm>
+      </p:grpSpPr>
+      <p:sp>
+        <p:nvSpPr>
+          <p:cNvPr id="2" name="标题 1"/>
+          <p:cNvSpPr>
+            <a:spLocks noGrp="1"/>
+          </p:cNvSpPr>
+          <p:nvPr>
+            <p:ph type="title"/>
+          </p:nvPr>
+        </p:nvSpPr>
+        <p:spPr/>
+        <p:txBody>
+          <a:bodyPr/>
+          <a:lstStyle/>
+          <a:p>
+            <a:r>
+              <a:rPr lang="en-US" altLang="zh-CN" dirty="0" err="1" smtClean="0"/>
+              <a:t>StackLSTM</a:t>
+            </a:r>
+            <a:r>
+              <a:rPr lang="en-US" altLang="zh-CN" dirty="0" smtClean="0"/>
+              <a:t>   </a:t>
+            </a:r>
+            <a:r>
+              <a:rPr lang="zh-CN" altLang="en-US" dirty="0" smtClean="0"/>
+              <a:t>清零</a:t>
+            </a:r>
+            <a:endParaRPr lang="zh-CN" altLang="en-US" dirty="0"/>
+          </a:p>
+        </p:txBody>
+      </p:sp>
+      <p:pic>
+        <p:nvPicPr>
+          <p:cNvPr id="5" name="图片 4"/>
+          <p:cNvPicPr/>
+          <p:nvPr/>
+        </p:nvPicPr>
+        <p:blipFill>
+          <a:blip r:embed="rId2">
+            <a:extLst>
+              <a:ext uri="{28A0092B-C50C-407E-A947-70E740481C1C}">
+                <a14:useLocalDpi xmlns:a14="http://schemas.microsoft.com/office/drawing/2010/main" val="0"/>
+              </a:ext>
+            </a:extLst>
+          </a:blip>
+          <a:srcRect/>
+          <a:stretch>
+            <a:fillRect/>
+          </a:stretch>
+        </p:blipFill>
+        <p:spPr bwMode="auto">
+          <a:xfrm>
+            <a:off x="838200" y="1804988"/>
+            <a:ext cx="7565390" cy="3383280"/>
+          </a:xfrm>
+          <a:prstGeom prst="rect">
+            <a:avLst/>
+          </a:prstGeom>
+          <a:noFill/>
+          <a:ln>
+            <a:noFill/>
+          </a:ln>
+        </p:spPr>
+      </p:pic>
+      <p:sp>
+        <p:nvSpPr>
+          <p:cNvPr id="6" name="矩形 5"/>
+          <p:cNvSpPr/>
+          <p:nvPr/>
+        </p:nvSpPr>
+        <p:spPr>
+          <a:xfrm>
+            <a:off x="9377529" y="3978621"/>
+            <a:ext cx="1976271" cy="348813"/>
+          </a:xfrm>
+          <a:prstGeom prst="rect">
+            <a:avLst/>
+          </a:prstGeom>
+        </p:spPr>
+        <p:txBody>
+          <a:bodyPr wrap="square">
+            <a:spAutoFit/>
+          </a:bodyPr>
+          <a:lstStyle/>
+          <a:p>
+            <a:pPr indent="266700" algn="just">
+              <a:lnSpc>
+                <a:spcPts val="2000"/>
+              </a:lnSpc>
+              <a:spcAft>
+                <a:spcPts val="180"/>
+              </a:spcAft>
+            </a:pPr>
+            <a:r>
+              <a:rPr lang="zh-CN" altLang="en-US" kern="100" dirty="0" smtClean="0">
+                <a:effectLst/>
+                <a:latin typeface="Times New Roman" panose="02020603050405020304" pitchFamily="18" charset="0"/>
+                <a:ea typeface="宋体" panose="02010600030101010101" pitchFamily="2" charset="-122"/>
+              </a:rPr>
+              <a:t>三种情况</a:t>
+            </a:r>
+            <a:endParaRPr lang="zh-CN" altLang="zh-CN" kern="100" dirty="0">
+              <a:effectLst/>
+              <a:latin typeface="Times New Roman" panose="02020603050405020304" pitchFamily="18" charset="0"/>
+              <a:ea typeface="宋体" panose="02010600030101010101" pitchFamily="2" charset="-122"/>
+            </a:endParaRPr>
+          </a:p>
+        </p:txBody>
+      </p:sp>
+    </p:spTree>
+    <p:extLst>
+      <p:ext uri="{BB962C8B-B14F-4D97-AF65-F5344CB8AC3E}">
+        <p14:creationId xmlns:p14="http://schemas.microsoft.com/office/powerpoint/2010/main" val="2514592983"/>
+      </p:ext>
+    </p:extLst>
+  </p:cSld>
+  <p:clrMapOvr>
+    <a:masterClrMapping/>
+  </p:clrMapOvr>
+  <p:timing>
+    <p:tnLst>
+      <p:par>
+        <p:cTn id="1" dur="indefinite" restart="never" nodeType="tmRoot"/>
+      </p:par>
+    </p:tnLst>
+  </p:timing>
+</p:sld>
+</file>
+
+<file path=ppt/slides/slide22.xml><?xml version="1.0" encoding="utf-8"?>
+<p:sld xmlns:a="http://schemas.openxmlformats.org/drawingml/2006/main" xmlns:r="http://schemas.openxmlformats.org/officeDocument/2006/relationships" xmlns:p="http://schemas.openxmlformats.org/presentationml/2006/main">
+  <p:cSld>
+    <p:spTree>
+      <p:nvGrpSpPr>
+        <p:cNvPr id="1" name=""/>
+        <p:cNvGrpSpPr/>
+        <p:nvPr/>
+      </p:nvGrpSpPr>
+      <p:grpSpPr>
+        <a:xfrm>
+          <a:off x="0" y="0"/>
+          <a:ext cx="0" cy="0"/>
+          <a:chOff x="0" y="0"/>
+          <a:chExt cx="0" cy="0"/>
+        </a:xfrm>
+      </p:grpSpPr>
+      <p:sp>
+        <p:nvSpPr>
+          <p:cNvPr id="2" name="标题 1"/>
+          <p:cNvSpPr>
+            <a:spLocks noGrp="1"/>
+          </p:cNvSpPr>
+          <p:nvPr>
+            <p:ph type="title"/>
+          </p:nvPr>
+        </p:nvSpPr>
+        <p:spPr/>
+        <p:txBody>
+          <a:bodyPr/>
+          <a:lstStyle/>
+          <a:p>
+            <a:r>
+              <a:rPr lang="en-US" altLang="zh-CN" dirty="0" err="1"/>
+              <a:t>StackLSTM</a:t>
+            </a:r>
+            <a:r>
+              <a:rPr lang="en-US" altLang="zh-CN" dirty="0"/>
+              <a:t>   </a:t>
+            </a:r>
+            <a:r>
+              <a:rPr lang="zh-CN" altLang="en-US" dirty="0"/>
+              <a:t>清</a:t>
+            </a:r>
+            <a:r>
+              <a:rPr lang="zh-CN" altLang="en-US" dirty="0" smtClean="0"/>
+              <a:t>零模型执行流程</a:t>
+            </a:r>
+            <a:endParaRPr lang="zh-CN" altLang="en-US" dirty="0"/>
+          </a:p>
+        </p:txBody>
+      </p:sp>
+      <p:sp>
+        <p:nvSpPr>
+          <p:cNvPr id="3" name="内容占位符 2"/>
+          <p:cNvSpPr>
+            <a:spLocks noGrp="1"/>
+          </p:cNvSpPr>
+          <p:nvPr>
+            <p:ph idx="1"/>
+          </p:nvPr>
+        </p:nvSpPr>
+        <p:spPr/>
+        <p:txBody>
+          <a:bodyPr/>
+          <a:lstStyle/>
+          <a:p>
+            <a:endParaRPr lang="zh-CN" altLang="en-US" dirty="0"/>
+          </a:p>
+        </p:txBody>
+      </p:sp>
+    </p:spTree>
+    <p:extLst>
+      <p:ext uri="{BB962C8B-B14F-4D97-AF65-F5344CB8AC3E}">
+        <p14:creationId xmlns:p14="http://schemas.microsoft.com/office/powerpoint/2010/main" val="691978522"/>
+      </p:ext>
+    </p:extLst>
+  </p:cSld>
+  <p:clrMapOvr>
+    <a:masterClrMapping/>
+  </p:clrMapOvr>
+  <p:timing>
+    <p:tnLst>
+      <p:par>
+        <p:cTn id="1" dur="indefinite" restart="never" nodeType="tmRoot"/>
+      </p:par>
+    </p:tnLst>
+  </p:timing>
+</p:sld>
+</file>
+
+<file path=ppt/slides/slide23.xml><?xml version="1.0" encoding="utf-8"?>
+<p:sld xmlns:a="http://schemas.openxmlformats.org/drawingml/2006/main" xmlns:r="http://schemas.openxmlformats.org/officeDocument/2006/relationships" xmlns:p="http://schemas.openxmlformats.org/presentationml/2006/main">
+  <p:cSld>
+    <p:spTree>
+      <p:nvGrpSpPr>
+        <p:cNvPr id="1" name=""/>
+        <p:cNvGrpSpPr/>
+        <p:nvPr/>
+      </p:nvGrpSpPr>
+      <p:grpSpPr>
+        <a:xfrm>
+          <a:off x="0" y="0"/>
+          <a:ext cx="0" cy="0"/>
+          <a:chOff x="0" y="0"/>
+          <a:chExt cx="0" cy="0"/>
+        </a:xfrm>
+      </p:grpSpPr>
+      <p:sp>
+        <p:nvSpPr>
+          <p:cNvPr id="2" name="标题 1"/>
+          <p:cNvSpPr>
+            <a:spLocks noGrp="1"/>
+          </p:cNvSpPr>
+          <p:nvPr>
+            <p:ph type="title"/>
+          </p:nvPr>
+        </p:nvSpPr>
+        <p:spPr/>
+        <p:txBody>
+          <a:bodyPr/>
+          <a:lstStyle/>
+          <a:p>
+            <a:r>
+              <a:rPr lang="en-US" altLang="zh-CN" dirty="0" err="1" smtClean="0"/>
+              <a:t>StackLSTM</a:t>
+            </a:r>
+            <a:r>
+              <a:rPr lang="en-US" altLang="zh-CN" dirty="0" smtClean="0"/>
+              <a:t>   </a:t>
+            </a:r>
+            <a:r>
+              <a:rPr lang="zh-CN" altLang="en-US" dirty="0" smtClean="0"/>
+              <a:t>不清零</a:t>
+            </a:r>
+            <a:endParaRPr lang="zh-CN" altLang="en-US" dirty="0"/>
+          </a:p>
+        </p:txBody>
+      </p:sp>
+      <p:sp>
+        <p:nvSpPr>
+          <p:cNvPr id="6" name="矩形 5"/>
+          <p:cNvSpPr/>
+          <p:nvPr/>
+        </p:nvSpPr>
+        <p:spPr>
+          <a:xfrm>
+            <a:off x="8534400" y="3546821"/>
+            <a:ext cx="3162300" cy="1118255"/>
+          </a:xfrm>
+          <a:prstGeom prst="rect">
+            <a:avLst/>
+          </a:prstGeom>
+        </p:spPr>
+        <p:txBody>
+          <a:bodyPr wrap="square">
+            <a:spAutoFit/>
+          </a:bodyPr>
+          <a:lstStyle/>
+          <a:p>
+            <a:pPr indent="266700" algn="just">
+              <a:lnSpc>
+                <a:spcPts val="2000"/>
+              </a:lnSpc>
+              <a:spcAft>
+                <a:spcPts val="180"/>
+              </a:spcAft>
+            </a:pPr>
+            <a:r>
+              <a:rPr lang="zh-CN" altLang="en-US" dirty="0" smtClean="0"/>
+              <a:t>与</a:t>
+            </a:r>
+            <a:r>
+              <a:rPr lang="zh-CN" altLang="zh-CN" dirty="0" smtClean="0"/>
+              <a:t>清</a:t>
+            </a:r>
+            <a:r>
+              <a:rPr lang="zh-CN" altLang="zh-CN" dirty="0"/>
+              <a:t>零模型唯一的区别就是在进入新的代码段时隐藏层状态并未清零，因此可以保留前面代码的关键信息</a:t>
+            </a:r>
+            <a:endParaRPr lang="zh-CN" altLang="zh-CN" kern="100" dirty="0">
+              <a:effectLst/>
+              <a:latin typeface="Times New Roman" panose="02020603050405020304" pitchFamily="18" charset="0"/>
+              <a:ea typeface="宋体" panose="02010600030101010101" pitchFamily="2" charset="-122"/>
+            </a:endParaRPr>
+          </a:p>
+        </p:txBody>
+      </p:sp>
+      <p:pic>
+        <p:nvPicPr>
+          <p:cNvPr id="7" name="图片 6"/>
+          <p:cNvPicPr/>
+          <p:nvPr/>
+        </p:nvPicPr>
+        <p:blipFill>
+          <a:blip r:embed="rId2"/>
+          <a:stretch>
+            <a:fillRect/>
+          </a:stretch>
+        </p:blipFill>
+        <p:spPr>
+          <a:xfrm>
+            <a:off x="970597" y="1684366"/>
+            <a:ext cx="6916103" cy="3230534"/>
+          </a:xfrm>
+          <a:prstGeom prst="rect">
+            <a:avLst/>
+          </a:prstGeom>
+        </p:spPr>
+      </p:pic>
+    </p:spTree>
+    <p:extLst>
+      <p:ext uri="{BB962C8B-B14F-4D97-AF65-F5344CB8AC3E}">
+        <p14:creationId xmlns:p14="http://schemas.microsoft.com/office/powerpoint/2010/main" val="2872974639"/>
+      </p:ext>
+    </p:extLst>
+  </p:cSld>
+  <p:clrMapOvr>
+    <a:masterClrMapping/>
+  </p:clrMapOvr>
+  <p:timing>
+    <p:tnLst>
+      <p:par>
+        <p:cTn id="1" dur="indefinite" restart="never" nodeType="tmRoot"/>
+      </p:par>
+    </p:tnLst>
+  </p:timing>
+</p:sld>
+</file>
+
+<file path=ppt/slides/slide24.xml><?xml version="1.0" encoding="utf-8"?>
+<p:sld xmlns:a="http://schemas.openxmlformats.org/drawingml/2006/main" xmlns:r="http://schemas.openxmlformats.org/officeDocument/2006/relationships" xmlns:p="http://schemas.openxmlformats.org/presentationml/2006/main">
+  <p:cSld>
+    <p:spTree>
+      <p:nvGrpSpPr>
+        <p:cNvPr id="1" name=""/>
+        <p:cNvGrpSpPr/>
+        <p:nvPr/>
+      </p:nvGrpSpPr>
+      <p:grpSpPr>
+        <a:xfrm>
+          <a:off x="0" y="0"/>
+          <a:ext cx="0" cy="0"/>
+          <a:chOff x="0" y="0"/>
+          <a:chExt cx="0" cy="0"/>
+        </a:xfrm>
+      </p:grpSpPr>
+      <p:sp>
+        <p:nvSpPr>
+          <p:cNvPr id="2" name="标题 1"/>
+          <p:cNvSpPr>
+            <a:spLocks noGrp="1"/>
+          </p:cNvSpPr>
+          <p:nvPr>
+            <p:ph type="title"/>
+          </p:nvPr>
+        </p:nvSpPr>
+        <p:spPr/>
+        <p:txBody>
+          <a:bodyPr/>
+          <a:lstStyle/>
+          <a:p>
+            <a:r>
+              <a:rPr lang="en-US" altLang="zh-CN" dirty="0" err="1"/>
+              <a:t>StackLSTM</a:t>
+            </a:r>
+            <a:r>
+              <a:rPr lang="en-US" altLang="zh-CN" dirty="0"/>
+              <a:t>   </a:t>
+            </a:r>
+            <a:r>
+              <a:rPr lang="zh-CN" altLang="en-US" dirty="0" smtClean="0"/>
+              <a:t>不清零模型执行流程</a:t>
+            </a:r>
+            <a:endParaRPr lang="zh-CN" altLang="en-US" dirty="0"/>
+          </a:p>
+        </p:txBody>
+      </p:sp>
+      <p:sp>
+        <p:nvSpPr>
+          <p:cNvPr id="3" name="内容占位符 2"/>
+          <p:cNvSpPr>
+            <a:spLocks noGrp="1"/>
+          </p:cNvSpPr>
+          <p:nvPr>
+            <p:ph idx="1"/>
+          </p:nvPr>
+        </p:nvSpPr>
+        <p:spPr/>
+        <p:txBody>
+          <a:bodyPr/>
+          <a:lstStyle/>
+          <a:p>
+            <a:endParaRPr lang="zh-CN" altLang="en-US" dirty="0"/>
+          </a:p>
+        </p:txBody>
+      </p:sp>
+    </p:spTree>
+    <p:extLst>
+      <p:ext uri="{BB962C8B-B14F-4D97-AF65-F5344CB8AC3E}">
+        <p14:creationId xmlns:p14="http://schemas.microsoft.com/office/powerpoint/2010/main" val="1079935019"/>
+      </p:ext>
+    </p:extLst>
+  </p:cSld>
+  <p:clrMapOvr>
+    <a:masterClrMapping/>
+  </p:clrMapOvr>
+  <p:timing>
+    <p:tnLst>
+      <p:par>
+        <p:cTn id="1" dur="indefinite" restart="never" nodeType="tmRoot"/>
+      </p:par>
+    </p:tnLst>
+  </p:timing>
+</p:sld>
+</file>
+
+<file path=ppt/slides/slide25.xml><?xml version="1.0" encoding="utf-8"?>
+<p:sld xmlns:a="http://schemas.openxmlformats.org/drawingml/2006/main" xmlns:r="http://schemas.openxmlformats.org/officeDocument/2006/relationships" xmlns:p="http://schemas.openxmlformats.org/presentationml/2006/main">
+  <p:cSld>
+    <p:spTree>
+      <p:nvGrpSpPr>
+        <p:cNvPr id="1" name=""/>
+        <p:cNvGrpSpPr/>
+        <p:nvPr/>
+      </p:nvGrpSpPr>
+      <p:grpSpPr>
+        <a:xfrm>
+          <a:off x="0" y="0"/>
+          <a:ext cx="0" cy="0"/>
+          <a:chOff x="0" y="0"/>
+          <a:chExt cx="0" cy="0"/>
+        </a:xfrm>
+      </p:grpSpPr>
+      <p:sp>
+        <p:nvSpPr>
+          <p:cNvPr id="2" name="标题 1"/>
+          <p:cNvSpPr>
+            <a:spLocks noGrp="1"/>
+          </p:cNvSpPr>
+          <p:nvPr>
+            <p:ph type="title"/>
+          </p:nvPr>
+        </p:nvSpPr>
+        <p:spPr/>
+        <p:txBody>
+          <a:bodyPr/>
+          <a:lstStyle/>
+          <a:p>
+            <a:r>
+              <a:rPr lang="zh-CN" altLang="en-US" dirty="0"/>
+              <a:t>实验</a:t>
+            </a:r>
+            <a:r>
+              <a:rPr lang="zh-CN" altLang="en-US" dirty="0" smtClean="0"/>
+              <a:t>结果及分析</a:t>
+            </a:r>
+            <a:endParaRPr lang="zh-CN" altLang="en-US" dirty="0"/>
+          </a:p>
+        </p:txBody>
+      </p:sp>
+      <p:sp>
+        <p:nvSpPr>
+          <p:cNvPr id="3" name="内容占位符 2"/>
+          <p:cNvSpPr>
+            <a:spLocks noGrp="1"/>
+          </p:cNvSpPr>
+          <p:nvPr>
+            <p:ph idx="1"/>
+          </p:nvPr>
+        </p:nvSpPr>
+        <p:spPr>
+          <a:xfrm>
+            <a:off x="838200" y="1825625"/>
+            <a:ext cx="5257800" cy="714375"/>
+          </a:xfrm>
+        </p:spPr>
+        <p:txBody>
+          <a:bodyPr/>
+          <a:lstStyle/>
+          <a:p>
+            <a:r>
+              <a:rPr lang="zh-CN" altLang="en-US" dirty="0" smtClean="0"/>
+              <a:t>非终结符预测</a:t>
+            </a:r>
+            <a:endParaRPr lang="zh-CN" altLang="en-US" dirty="0"/>
+          </a:p>
+        </p:txBody>
+      </p:sp>
+      <p:sp>
+        <p:nvSpPr>
+          <p:cNvPr id="4" name="Rectangle 2"/>
+          <p:cNvSpPr>
+            <a:spLocks noChangeArrowheads="1"/>
+          </p:cNvSpPr>
+          <p:nvPr/>
+        </p:nvSpPr>
+        <p:spPr bwMode="auto">
+          <a:xfrm>
+            <a:off x="0" y="1981200"/>
+            <a:ext cx="12192000" cy="0"/>
+          </a:xfrm>
+          <a:prstGeom prst="rect">
+            <a:avLst/>
+          </a:prstGeom>
+          <a:noFill/>
+          <a:ln>
+            <a:noFill/>
+          </a:ln>
+          <a:effectLst/>
+          <a:extLst>
+            <a:ext uri="{909E8E84-426E-40DD-AFC4-6F175D3DCCD1}">
+              <a14:hiddenFill xmlns:a14="http://schemas.microsoft.com/office/drawing/2010/main">
+                <a:solidFill>
+                  <a:schemeClr val="accent1"/>
+                </a:solidFill>
+              </a14:hiddenFill>
+            </a:ext>
+            <a:ext uri="{91240B29-F687-4F45-9708-019B960494DF}">
+              <a14:hiddenLine xmlns:a14="http://schemas.microsoft.com/office/drawing/2010/main" w="9525">
+                <a:solidFill>
+                  <a:schemeClr val="tx1"/>
+                </a:solidFill>
+                <a:miter lim="800000"/>
+                <a:headEnd/>
+                <a:tailEnd/>
+              </a14:hiddenLine>
+            </a:ext>
+            <a:ext uri="{AF507438-7753-43E0-B8FC-AC1667EBCBE1}">
+              <a14:hiddenEffects xmlns:a14="http://schemas.microsoft.com/office/drawing/2010/main">
+                <a:effectLst>
+                  <a:outerShdw dist="35921" dir="2700000" algn="ctr" rotWithShape="0">
+                    <a:schemeClr val="bg2"/>
+                  </a:outerShdw>
+                </a:effectLst>
+              </a14:hiddenEffects>
+            </a:ext>
+          </a:extLst>
+        </p:spPr>
+        <p:txBody>
+          <a:bodyPr vert="horz" wrap="none" lIns="91440" tIns="45720" rIns="91440" bIns="45720" numCol="1" anchor="ctr" anchorCtr="0" compatLnSpc="1">
+            <a:prstTxWarp prst="textNoShape">
+              <a:avLst/>
+            </a:prstTxWarp>
+            <a:spAutoFit/>
+          </a:bodyPr>
+          <a:lstStyle/>
+          <a:p>
+            <a:endParaRPr lang="zh-CN" altLang="en-US"/>
+          </a:p>
+        </p:txBody>
+      </p:sp>
+      <p:graphicFrame>
+        <p:nvGraphicFramePr>
+          <p:cNvPr id="5" name="对象 4"/>
+          <p:cNvGraphicFramePr>
+            <a:graphicFrameLocks noChangeAspect="1"/>
+          </p:cNvGraphicFramePr>
+          <p:nvPr>
+            <p:extLst>
+              <p:ext uri="{D42A27DB-BD31-4B8C-83A1-F6EECF244321}">
+                <p14:modId xmlns:p14="http://schemas.microsoft.com/office/powerpoint/2010/main" val="2966592859"/>
+              </p:ext>
+            </p:extLst>
+          </p:nvPr>
+        </p:nvGraphicFramePr>
+        <p:xfrm>
+          <a:off x="609600" y="2540000"/>
+          <a:ext cx="5715000" cy="3433518"/>
+        </p:xfrm>
+        <a:graphic>
+          <a:graphicData uri="http://schemas.openxmlformats.org/presentationml/2006/ole">
+            <mc:AlternateContent xmlns:mc="http://schemas.openxmlformats.org/markup-compatibility/2006">
+              <mc:Choice xmlns:v="urn:schemas-microsoft-com:vml" Requires="v">
+                <p:oleObj spid="_x0000_s14347" name="工作表" r:id="rId3" imgW="5086560" imgH="3057670" progId="Excel.Sheet.12">
+                  <p:embed/>
+                </p:oleObj>
+              </mc:Choice>
+              <mc:Fallback>
+                <p:oleObj name="工作表" r:id="rId3" imgW="5086560" imgH="3057670" progId="Excel.Sheet.12">
+                  <p:embed/>
+                  <p:pic>
+                    <p:nvPicPr>
+                      <p:cNvPr id="0" name="Object 1"/>
+                      <p:cNvPicPr>
+                        <a:picLocks noChangeAspect="1" noChangeArrowheads="1"/>
+                      </p:cNvPicPr>
+                      <p:nvPr/>
+                    </p:nvPicPr>
+                    <p:blipFill>
+                      <a:blip r:embed="rId4">
+                        <a:extLst>
+                          <a:ext uri="{28A0092B-C50C-407E-A947-70E740481C1C}">
+                            <a14:useLocalDpi xmlns:a14="http://schemas.microsoft.com/office/drawing/2010/main" val="0"/>
+                          </a:ext>
+                        </a:extLst>
+                      </a:blip>
+                      <a:srcRect/>
+                      <a:stretch>
+                        <a:fillRect/>
+                      </a:stretch>
+                    </p:blipFill>
+                    <p:spPr bwMode="auto">
+                      <a:xfrm>
+                        <a:off x="609600" y="2540000"/>
+                        <a:ext cx="5715000" cy="3433518"/>
+                      </a:xfrm>
+                      <a:prstGeom prst="rect">
+                        <a:avLst/>
+                      </a:prstGeom>
+                      <a:noFill/>
+                    </p:spPr>
+                  </p:pic>
+                </p:oleObj>
+              </mc:Fallback>
+            </mc:AlternateContent>
+          </a:graphicData>
+        </a:graphic>
+      </p:graphicFrame>
+      <p:sp>
+        <p:nvSpPr>
+          <p:cNvPr id="6" name="Rectangle 4"/>
+          <p:cNvSpPr>
+            <a:spLocks noChangeArrowheads="1"/>
+          </p:cNvSpPr>
+          <p:nvPr/>
+        </p:nvSpPr>
+        <p:spPr bwMode="auto">
+          <a:xfrm>
+            <a:off x="5854700" y="2695575"/>
+            <a:ext cx="12192000" cy="0"/>
+          </a:xfrm>
+          <a:prstGeom prst="rect">
+            <a:avLst/>
+          </a:prstGeom>
+          <a:noFill/>
+          <a:ln>
+            <a:noFill/>
+          </a:ln>
+          <a:effectLst/>
+          <a:extLst>
+            <a:ext uri="{909E8E84-426E-40DD-AFC4-6F175D3DCCD1}">
+              <a14:hiddenFill xmlns:a14="http://schemas.microsoft.com/office/drawing/2010/main">
+                <a:solidFill>
+                  <a:schemeClr val="accent1"/>
+                </a:solidFill>
+              </a14:hiddenFill>
+            </a:ext>
+            <a:ext uri="{91240B29-F687-4F45-9708-019B960494DF}">
+              <a14:hiddenLine xmlns:a14="http://schemas.microsoft.com/office/drawing/2010/main" w="9525">
+                <a:solidFill>
+                  <a:schemeClr val="tx1"/>
+                </a:solidFill>
+                <a:miter lim="800000"/>
+                <a:headEnd/>
+                <a:tailEnd/>
+              </a14:hiddenLine>
+            </a:ext>
+            <a:ext uri="{AF507438-7753-43E0-B8FC-AC1667EBCBE1}">
+              <a14:hiddenEffects xmlns:a14="http://schemas.microsoft.com/office/drawing/2010/main">
+                <a:effectLst>
+                  <a:outerShdw dist="35921" dir="2700000" algn="ctr" rotWithShape="0">
+                    <a:schemeClr val="bg2"/>
+                  </a:outerShdw>
+                </a:effectLst>
+              </a14:hiddenEffects>
+            </a:ext>
+          </a:extLst>
+        </p:spPr>
+        <p:txBody>
+          <a:bodyPr vert="horz" wrap="none" lIns="91440" tIns="45720" rIns="91440" bIns="45720" numCol="1" anchor="ctr" anchorCtr="0" compatLnSpc="1">
+            <a:prstTxWarp prst="textNoShape">
+              <a:avLst/>
+            </a:prstTxWarp>
+            <a:spAutoFit/>
+          </a:bodyPr>
+          <a:lstStyle/>
+          <a:p>
+            <a:endParaRPr lang="zh-CN" altLang="en-US"/>
+          </a:p>
+        </p:txBody>
+      </p:sp>
+    </p:spTree>
+    <p:extLst>
+      <p:ext uri="{BB962C8B-B14F-4D97-AF65-F5344CB8AC3E}">
+        <p14:creationId xmlns:p14="http://schemas.microsoft.com/office/powerpoint/2010/main" val="3767253811"/>
+      </p:ext>
+    </p:extLst>
+  </p:cSld>
+  <p:clrMapOvr>
+    <a:masterClrMapping/>
+  </p:clrMapOvr>
+  <p:timing>
+    <p:tnLst>
+      <p:par>
+        <p:cTn id="1" dur="indefinite" restart="never" nodeType="tmRoot"/>
+      </p:par>
+    </p:tnLst>
+  </p:timing>
+</p:sld>
+</file>
+
+<file path=ppt/slides/slide26.xml><?xml version="1.0" encoding="utf-8"?>
+<p:sld xmlns:a="http://schemas.openxmlformats.org/drawingml/2006/main" xmlns:r="http://schemas.openxmlformats.org/officeDocument/2006/relationships" xmlns:p="http://schemas.openxmlformats.org/presentationml/2006/main">
+  <p:cSld>
+    <p:spTree>
+      <p:nvGrpSpPr>
+        <p:cNvPr id="1" name=""/>
+        <p:cNvGrpSpPr/>
+        <p:nvPr/>
+      </p:nvGrpSpPr>
+      <p:grpSpPr>
+        <a:xfrm>
+          <a:off x="0" y="0"/>
+          <a:ext cx="0" cy="0"/>
+          <a:chOff x="0" y="0"/>
+          <a:chExt cx="0" cy="0"/>
+        </a:xfrm>
+      </p:grpSpPr>
+      <p:sp>
+        <p:nvSpPr>
+          <p:cNvPr id="2" name="标题 1"/>
+          <p:cNvSpPr>
+            <a:spLocks noGrp="1"/>
+          </p:cNvSpPr>
+          <p:nvPr>
+            <p:ph type="title"/>
+          </p:nvPr>
+        </p:nvSpPr>
+        <p:spPr/>
+        <p:txBody>
+          <a:bodyPr/>
+          <a:lstStyle/>
+          <a:p>
+            <a:r>
+              <a:rPr lang="zh-CN" altLang="en-US" dirty="0"/>
+              <a:t>实验</a:t>
+            </a:r>
+            <a:r>
+              <a:rPr lang="zh-CN" altLang="en-US" dirty="0" smtClean="0"/>
+              <a:t>结果及分析</a:t>
+            </a:r>
+            <a:endParaRPr lang="zh-CN" altLang="en-US" dirty="0"/>
+          </a:p>
+        </p:txBody>
+      </p:sp>
+      <p:sp>
+        <p:nvSpPr>
+          <p:cNvPr id="3" name="内容占位符 2"/>
+          <p:cNvSpPr>
+            <a:spLocks noGrp="1"/>
+          </p:cNvSpPr>
+          <p:nvPr>
+            <p:ph idx="1"/>
+          </p:nvPr>
+        </p:nvSpPr>
+        <p:spPr>
+          <a:xfrm>
+            <a:off x="838200" y="1825625"/>
+            <a:ext cx="5257800" cy="714375"/>
+          </a:xfrm>
+        </p:spPr>
+        <p:txBody>
+          <a:bodyPr/>
+          <a:lstStyle/>
+          <a:p>
+            <a:r>
+              <a:rPr lang="zh-CN" altLang="en-US" dirty="0" smtClean="0"/>
+              <a:t>终结符预测</a:t>
+            </a:r>
+            <a:endParaRPr lang="zh-CN" altLang="en-US" dirty="0"/>
+          </a:p>
+        </p:txBody>
+      </p:sp>
+      <p:sp>
+        <p:nvSpPr>
+          <p:cNvPr id="4" name="Rectangle 2"/>
+          <p:cNvSpPr>
+            <a:spLocks noChangeArrowheads="1"/>
+          </p:cNvSpPr>
+          <p:nvPr/>
+        </p:nvSpPr>
+        <p:spPr bwMode="auto">
+          <a:xfrm>
+            <a:off x="0" y="1981200"/>
+            <a:ext cx="12192000" cy="0"/>
+          </a:xfrm>
+          <a:prstGeom prst="rect">
+            <a:avLst/>
+          </a:prstGeom>
+          <a:noFill/>
+          <a:ln>
+            <a:noFill/>
+          </a:ln>
+          <a:effectLst/>
+          <a:extLst>
+            <a:ext uri="{909E8E84-426E-40DD-AFC4-6F175D3DCCD1}">
+              <a14:hiddenFill xmlns:a14="http://schemas.microsoft.com/office/drawing/2010/main">
+                <a:solidFill>
+                  <a:schemeClr val="accent1"/>
+                </a:solidFill>
+              </a14:hiddenFill>
+            </a:ext>
+            <a:ext uri="{91240B29-F687-4F45-9708-019B960494DF}">
+              <a14:hiddenLine xmlns:a14="http://schemas.microsoft.com/office/drawing/2010/main" w="9525">
+                <a:solidFill>
+                  <a:schemeClr val="tx1"/>
+                </a:solidFill>
+                <a:miter lim="800000"/>
+                <a:headEnd/>
+                <a:tailEnd/>
+              </a14:hiddenLine>
+            </a:ext>
+            <a:ext uri="{AF507438-7753-43E0-B8FC-AC1667EBCBE1}">
+              <a14:hiddenEffects xmlns:a14="http://schemas.microsoft.com/office/drawing/2010/main">
+                <a:effectLst>
+                  <a:outerShdw dist="35921" dir="2700000" algn="ctr" rotWithShape="0">
+                    <a:schemeClr val="bg2"/>
+                  </a:outerShdw>
+                </a:effectLst>
+              </a14:hiddenEffects>
+            </a:ext>
+          </a:extLst>
+        </p:spPr>
+        <p:txBody>
+          <a:bodyPr vert="horz" wrap="none" lIns="91440" tIns="45720" rIns="91440" bIns="45720" numCol="1" anchor="ctr" anchorCtr="0" compatLnSpc="1">
+            <a:prstTxWarp prst="textNoShape">
+              <a:avLst/>
+            </a:prstTxWarp>
+            <a:spAutoFit/>
+          </a:bodyPr>
+          <a:lstStyle/>
+          <a:p>
+            <a:endParaRPr lang="zh-CN" altLang="en-US"/>
+          </a:p>
+        </p:txBody>
+      </p:sp>
+      <p:sp>
+        <p:nvSpPr>
+          <p:cNvPr id="6" name="Rectangle 4"/>
+          <p:cNvSpPr>
+            <a:spLocks noChangeArrowheads="1"/>
+          </p:cNvSpPr>
+          <p:nvPr/>
+        </p:nvSpPr>
+        <p:spPr bwMode="auto">
+          <a:xfrm>
+            <a:off x="5854700" y="2695575"/>
+            <a:ext cx="12192000" cy="0"/>
+          </a:xfrm>
+          <a:prstGeom prst="rect">
+            <a:avLst/>
+          </a:prstGeom>
+          <a:noFill/>
+          <a:ln>
+            <a:noFill/>
+          </a:ln>
+          <a:effectLst/>
+          <a:extLst>
+            <a:ext uri="{909E8E84-426E-40DD-AFC4-6F175D3DCCD1}">
+              <a14:hiddenFill xmlns:a14="http://schemas.microsoft.com/office/drawing/2010/main">
+                <a:solidFill>
+                  <a:schemeClr val="accent1"/>
+                </a:solidFill>
+              </a14:hiddenFill>
+            </a:ext>
+            <a:ext uri="{91240B29-F687-4F45-9708-019B960494DF}">
+              <a14:hiddenLine xmlns:a14="http://schemas.microsoft.com/office/drawing/2010/main" w="9525">
+                <a:solidFill>
+                  <a:schemeClr val="tx1"/>
+                </a:solidFill>
+                <a:miter lim="800000"/>
+                <a:headEnd/>
+                <a:tailEnd/>
+              </a14:hiddenLine>
+            </a:ext>
+            <a:ext uri="{AF507438-7753-43E0-B8FC-AC1667EBCBE1}">
+              <a14:hiddenEffects xmlns:a14="http://schemas.microsoft.com/office/drawing/2010/main">
+                <a:effectLst>
+                  <a:outerShdw dist="35921" dir="2700000" algn="ctr" rotWithShape="0">
+                    <a:schemeClr val="bg2"/>
+                  </a:outerShdw>
+                </a:effectLst>
+              </a14:hiddenEffects>
+            </a:ext>
+          </a:extLst>
+        </p:spPr>
+        <p:txBody>
+          <a:bodyPr vert="horz" wrap="none" lIns="91440" tIns="45720" rIns="91440" bIns="45720" numCol="1" anchor="ctr" anchorCtr="0" compatLnSpc="1">
+            <a:prstTxWarp prst="textNoShape">
+              <a:avLst/>
+            </a:prstTxWarp>
+            <a:spAutoFit/>
+          </a:bodyPr>
+          <a:lstStyle/>
+          <a:p>
+            <a:endParaRPr lang="zh-CN" altLang="en-US"/>
+          </a:p>
+        </p:txBody>
+      </p:sp>
+      <p:sp>
+        <p:nvSpPr>
+          <p:cNvPr id="7" name="Rectangle 2"/>
+          <p:cNvSpPr>
+            <a:spLocks noChangeArrowheads="1"/>
+          </p:cNvSpPr>
+          <p:nvPr/>
+        </p:nvSpPr>
+        <p:spPr bwMode="auto">
+          <a:xfrm>
+            <a:off x="0" y="2081213"/>
+            <a:ext cx="12192000" cy="0"/>
+          </a:xfrm>
+          <a:prstGeom prst="rect">
+            <a:avLst/>
+          </a:prstGeom>
+          <a:noFill/>
+          <a:ln>
+            <a:noFill/>
+          </a:ln>
+          <a:effectLst/>
+          <a:extLst>
+            <a:ext uri="{909E8E84-426E-40DD-AFC4-6F175D3DCCD1}">
+              <a14:hiddenFill xmlns:a14="http://schemas.microsoft.com/office/drawing/2010/main">
+                <a:solidFill>
+                  <a:schemeClr val="accent1"/>
+                </a:solidFill>
+              </a14:hiddenFill>
+            </a:ext>
+            <a:ext uri="{91240B29-F687-4F45-9708-019B960494DF}">
+              <a14:hiddenLine xmlns:a14="http://schemas.microsoft.com/office/drawing/2010/main" w="9525">
+                <a:solidFill>
+                  <a:schemeClr val="tx1"/>
+                </a:solidFill>
+                <a:miter lim="800000"/>
+                <a:headEnd/>
+                <a:tailEnd/>
+              </a14:hiddenLine>
+            </a:ext>
+            <a:ext uri="{AF507438-7753-43E0-B8FC-AC1667EBCBE1}">
+              <a14:hiddenEffects xmlns:a14="http://schemas.microsoft.com/office/drawing/2010/main">
+                <a:effectLst>
+                  <a:outerShdw dist="35921" dir="2700000" algn="ctr" rotWithShape="0">
+                    <a:schemeClr val="bg2"/>
+                  </a:outerShdw>
+                </a:effectLst>
+              </a14:hiddenEffects>
+            </a:ext>
+          </a:extLst>
+        </p:spPr>
+        <p:txBody>
+          <a:bodyPr vert="horz" wrap="none" lIns="91440" tIns="45720" rIns="91440" bIns="45720" numCol="1" anchor="ctr" anchorCtr="0" compatLnSpc="1">
+            <a:prstTxWarp prst="textNoShape">
+              <a:avLst/>
+            </a:prstTxWarp>
+            <a:spAutoFit/>
+          </a:bodyPr>
+          <a:lstStyle/>
+          <a:p>
+            <a:endParaRPr lang="zh-CN" altLang="en-US"/>
+          </a:p>
+        </p:txBody>
+      </p:sp>
+      <p:graphicFrame>
+        <p:nvGraphicFramePr>
+          <p:cNvPr id="8" name="对象 7"/>
+          <p:cNvGraphicFramePr>
+            <a:graphicFrameLocks noChangeAspect="1"/>
+          </p:cNvGraphicFramePr>
+          <p:nvPr>
+            <p:extLst>
+              <p:ext uri="{D42A27DB-BD31-4B8C-83A1-F6EECF244321}">
+                <p14:modId xmlns:p14="http://schemas.microsoft.com/office/powerpoint/2010/main" val="2380057662"/>
+              </p:ext>
+            </p:extLst>
+          </p:nvPr>
+        </p:nvGraphicFramePr>
+        <p:xfrm>
+          <a:off x="482600" y="2540000"/>
+          <a:ext cx="6047399" cy="3543300"/>
+        </p:xfrm>
+        <a:graphic>
+          <a:graphicData uri="http://schemas.openxmlformats.org/presentationml/2006/ole">
+            <mc:AlternateContent xmlns:mc="http://schemas.openxmlformats.org/markup-compatibility/2006">
+              <mc:Choice xmlns:v="urn:schemas-microsoft-com:vml" Requires="v">
+                <p:oleObj spid="_x0000_s17414" name="工作表" r:id="rId3" imgW="5467209" imgH="3228778" progId="Excel.Sheet.12">
+                  <p:embed/>
+                </p:oleObj>
+              </mc:Choice>
+              <mc:Fallback>
+                <p:oleObj name="工作表" r:id="rId3" imgW="5467209" imgH="3228778" progId="Excel.Sheet.12">
+                  <p:embed/>
+                  <p:pic>
+                    <p:nvPicPr>
+                      <p:cNvPr id="0" name="Object 1"/>
+                      <p:cNvPicPr>
+                        <a:picLocks noChangeAspect="1" noChangeArrowheads="1"/>
+                      </p:cNvPicPr>
+                      <p:nvPr/>
+                    </p:nvPicPr>
+                    <p:blipFill>
+                      <a:blip r:embed="rId4">
+                        <a:extLst>
+                          <a:ext uri="{28A0092B-C50C-407E-A947-70E740481C1C}">
+                            <a14:useLocalDpi xmlns:a14="http://schemas.microsoft.com/office/drawing/2010/main" val="0"/>
+                          </a:ext>
+                        </a:extLst>
+                      </a:blip>
+                      <a:srcRect/>
+                      <a:stretch>
+                        <a:fillRect/>
+                      </a:stretch>
+                    </p:blipFill>
+                    <p:spPr bwMode="auto">
+                      <a:xfrm>
+                        <a:off x="482600" y="2540000"/>
+                        <a:ext cx="6047399" cy="3543300"/>
+                      </a:xfrm>
+                      <a:prstGeom prst="rect">
+                        <a:avLst/>
+                      </a:prstGeom>
+                      <a:noFill/>
+                    </p:spPr>
+                  </p:pic>
+                </p:oleObj>
+              </mc:Fallback>
+            </mc:AlternateContent>
+          </a:graphicData>
+        </a:graphic>
+      </p:graphicFrame>
+    </p:spTree>
+    <p:extLst>
+      <p:ext uri="{BB962C8B-B14F-4D97-AF65-F5344CB8AC3E}">
+        <p14:creationId xmlns:p14="http://schemas.microsoft.com/office/powerpoint/2010/main" val="463222600"/>
+      </p:ext>
+    </p:extLst>
+  </p:cSld>
+  <p:clrMapOvr>
+    <a:masterClrMapping/>
+  </p:clrMapOvr>
+  <p:timing>
+    <p:tnLst>
+      <p:par>
+        <p:cTn id="1" dur="indefinite" restart="never" nodeType="tmRoot"/>
+      </p:par>
+    </p:tnLst>
+  </p:timing>
+</p:sld>
+</file>
+
+<file path=ppt/slides/slide27.xml><?xml version="1.0" encoding="utf-8"?>
+<p:sld xmlns:a="http://schemas.openxmlformats.org/drawingml/2006/main" xmlns:r="http://schemas.openxmlformats.org/officeDocument/2006/relationships" xmlns:p="http://schemas.openxmlformats.org/presentationml/2006/main">
+  <p:cSld>
+    <p:spTree>
+      <p:nvGrpSpPr>
+        <p:cNvPr id="1" name=""/>
+        <p:cNvGrpSpPr/>
+        <p:nvPr/>
+      </p:nvGrpSpPr>
+      <p:grpSpPr>
+        <a:xfrm>
+          <a:off x="0" y="0"/>
+          <a:ext cx="0" cy="0"/>
+          <a:chOff x="0" y="0"/>
+          <a:chExt cx="0" cy="0"/>
+        </a:xfrm>
+      </p:grpSpPr>
+      <p:sp>
+        <p:nvSpPr>
+          <p:cNvPr id="2" name="标题 1"/>
+          <p:cNvSpPr>
+            <a:spLocks noGrp="1"/>
+          </p:cNvSpPr>
+          <p:nvPr>
+            <p:ph type="title"/>
+          </p:nvPr>
+        </p:nvSpPr>
+        <p:spPr/>
+        <p:txBody>
+          <a:bodyPr/>
+          <a:lstStyle/>
+          <a:p>
+            <a:r>
+              <a:rPr lang="zh-CN" altLang="en-US" dirty="0"/>
+              <a:t>实验</a:t>
+            </a:r>
+            <a:r>
+              <a:rPr lang="zh-CN" altLang="en-US" dirty="0" smtClean="0"/>
+              <a:t>结果及分析</a:t>
+            </a:r>
+            <a:endParaRPr lang="zh-CN" altLang="en-US" dirty="0"/>
+          </a:p>
+        </p:txBody>
+      </p:sp>
+      <p:sp>
+        <p:nvSpPr>
+          <p:cNvPr id="3" name="内容占位符 2"/>
+          <p:cNvSpPr>
+            <a:spLocks noGrp="1"/>
+          </p:cNvSpPr>
+          <p:nvPr>
+            <p:ph idx="1"/>
+          </p:nvPr>
+        </p:nvSpPr>
+        <p:spPr>
+          <a:xfrm>
+            <a:off x="838200" y="1825625"/>
+            <a:ext cx="5257800" cy="714375"/>
+          </a:xfrm>
+        </p:spPr>
+        <p:txBody>
+          <a:bodyPr/>
+          <a:lstStyle/>
+          <a:p>
+            <a:r>
+              <a:rPr lang="zh-CN" altLang="en-US" dirty="0" smtClean="0"/>
+              <a:t>生成效果展示</a:t>
+            </a:r>
+            <a:endParaRPr lang="zh-CN" altLang="en-US" dirty="0"/>
+          </a:p>
+        </p:txBody>
+      </p:sp>
+      <p:sp>
+        <p:nvSpPr>
+          <p:cNvPr id="4" name="Rectangle 2"/>
+          <p:cNvSpPr>
+            <a:spLocks noChangeArrowheads="1"/>
+          </p:cNvSpPr>
+          <p:nvPr/>
+        </p:nvSpPr>
+        <p:spPr bwMode="auto">
+          <a:xfrm>
+            <a:off x="0" y="1981200"/>
+            <a:ext cx="12192000" cy="0"/>
+          </a:xfrm>
+          <a:prstGeom prst="rect">
+            <a:avLst/>
+          </a:prstGeom>
+          <a:noFill/>
+          <a:ln>
+            <a:noFill/>
+          </a:ln>
+          <a:effectLst/>
+          <a:extLst>
+            <a:ext uri="{909E8E84-426E-40DD-AFC4-6F175D3DCCD1}">
+              <a14:hiddenFill xmlns:a14="http://schemas.microsoft.com/office/drawing/2010/main">
+                <a:solidFill>
+                  <a:schemeClr val="accent1"/>
+                </a:solidFill>
+              </a14:hiddenFill>
+            </a:ext>
+            <a:ext uri="{91240B29-F687-4F45-9708-019B960494DF}">
+              <a14:hiddenLine xmlns:a14="http://schemas.microsoft.com/office/drawing/2010/main" w="9525">
+                <a:solidFill>
+                  <a:schemeClr val="tx1"/>
+                </a:solidFill>
+                <a:miter lim="800000"/>
+                <a:headEnd/>
+                <a:tailEnd/>
+              </a14:hiddenLine>
+            </a:ext>
+            <a:ext uri="{AF507438-7753-43E0-B8FC-AC1667EBCBE1}">
+              <a14:hiddenEffects xmlns:a14="http://schemas.microsoft.com/office/drawing/2010/main">
+                <a:effectLst>
+                  <a:outerShdw dist="35921" dir="2700000" algn="ctr" rotWithShape="0">
+                    <a:schemeClr val="bg2"/>
+                  </a:outerShdw>
+                </a:effectLst>
+              </a14:hiddenEffects>
+            </a:ext>
+          </a:extLst>
+        </p:spPr>
+        <p:txBody>
+          <a:bodyPr vert="horz" wrap="none" lIns="91440" tIns="45720" rIns="91440" bIns="45720" numCol="1" anchor="ctr" anchorCtr="0" compatLnSpc="1">
+            <a:prstTxWarp prst="textNoShape">
+              <a:avLst/>
+            </a:prstTxWarp>
+            <a:spAutoFit/>
+          </a:bodyPr>
+          <a:lstStyle/>
+          <a:p>
+            <a:endParaRPr lang="zh-CN" altLang="en-US"/>
+          </a:p>
+        </p:txBody>
+      </p:sp>
+      <p:sp>
+        <p:nvSpPr>
+          <p:cNvPr id="6" name="Rectangle 4"/>
+          <p:cNvSpPr>
+            <a:spLocks noChangeArrowheads="1"/>
+          </p:cNvSpPr>
+          <p:nvPr/>
+        </p:nvSpPr>
+        <p:spPr bwMode="auto">
+          <a:xfrm>
+            <a:off x="5854700" y="2695575"/>
+            <a:ext cx="12192000" cy="0"/>
+          </a:xfrm>
+          <a:prstGeom prst="rect">
+            <a:avLst/>
+          </a:prstGeom>
+          <a:noFill/>
+          <a:ln>
+            <a:noFill/>
+          </a:ln>
+          <a:effectLst/>
+          <a:extLst>
+            <a:ext uri="{909E8E84-426E-40DD-AFC4-6F175D3DCCD1}">
+              <a14:hiddenFill xmlns:a14="http://schemas.microsoft.com/office/drawing/2010/main">
+                <a:solidFill>
+                  <a:schemeClr val="accent1"/>
+                </a:solidFill>
+              </a14:hiddenFill>
+            </a:ext>
+            <a:ext uri="{91240B29-F687-4F45-9708-019B960494DF}">
+              <a14:hiddenLine xmlns:a14="http://schemas.microsoft.com/office/drawing/2010/main" w="9525">
+                <a:solidFill>
+                  <a:schemeClr val="tx1"/>
+                </a:solidFill>
+                <a:miter lim="800000"/>
+                <a:headEnd/>
+                <a:tailEnd/>
+              </a14:hiddenLine>
+            </a:ext>
+            <a:ext uri="{AF507438-7753-43E0-B8FC-AC1667EBCBE1}">
+              <a14:hiddenEffects xmlns:a14="http://schemas.microsoft.com/office/drawing/2010/main">
+                <a:effectLst>
+                  <a:outerShdw dist="35921" dir="2700000" algn="ctr" rotWithShape="0">
+                    <a:schemeClr val="bg2"/>
+                  </a:outerShdw>
+                </a:effectLst>
+              </a14:hiddenEffects>
+            </a:ext>
+          </a:extLst>
+        </p:spPr>
+        <p:txBody>
+          <a:bodyPr vert="horz" wrap="none" lIns="91440" tIns="45720" rIns="91440" bIns="45720" numCol="1" anchor="ctr" anchorCtr="0" compatLnSpc="1">
+            <a:prstTxWarp prst="textNoShape">
+              <a:avLst/>
+            </a:prstTxWarp>
+            <a:spAutoFit/>
+          </a:bodyPr>
+          <a:lstStyle/>
+          <a:p>
+            <a:endParaRPr lang="zh-CN" altLang="en-US"/>
+          </a:p>
+        </p:txBody>
+      </p:sp>
+      <p:sp>
+        <p:nvSpPr>
+          <p:cNvPr id="7" name="Rectangle 2"/>
+          <p:cNvSpPr>
+            <a:spLocks noChangeArrowheads="1"/>
+          </p:cNvSpPr>
+          <p:nvPr/>
+        </p:nvSpPr>
+        <p:spPr bwMode="auto">
+          <a:xfrm>
+            <a:off x="0" y="2081213"/>
+            <a:ext cx="12192000" cy="0"/>
+          </a:xfrm>
+          <a:prstGeom prst="rect">
+            <a:avLst/>
+          </a:prstGeom>
+          <a:noFill/>
+          <a:ln>
+            <a:noFill/>
+          </a:ln>
+          <a:effectLst/>
+          <a:extLst>
+            <a:ext uri="{909E8E84-426E-40DD-AFC4-6F175D3DCCD1}">
+              <a14:hiddenFill xmlns:a14="http://schemas.microsoft.com/office/drawing/2010/main">
+                <a:solidFill>
+                  <a:schemeClr val="accent1"/>
+                </a:solidFill>
+              </a14:hiddenFill>
+            </a:ext>
+            <a:ext uri="{91240B29-F687-4F45-9708-019B960494DF}">
+              <a14:hiddenLine xmlns:a14="http://schemas.microsoft.com/office/drawing/2010/main" w="9525">
+                <a:solidFill>
+                  <a:schemeClr val="tx1"/>
+                </a:solidFill>
+                <a:miter lim="800000"/>
+                <a:headEnd/>
+                <a:tailEnd/>
+              </a14:hiddenLine>
+            </a:ext>
+            <a:ext uri="{AF507438-7753-43E0-B8FC-AC1667EBCBE1}">
+              <a14:hiddenEffects xmlns:a14="http://schemas.microsoft.com/office/drawing/2010/main">
+                <a:effectLst>
+                  <a:outerShdw dist="35921" dir="2700000" algn="ctr" rotWithShape="0">
+                    <a:schemeClr val="bg2"/>
+                  </a:outerShdw>
+                </a:effectLst>
+              </a14:hiddenEffects>
+            </a:ext>
+          </a:extLst>
+        </p:spPr>
+        <p:txBody>
+          <a:bodyPr vert="horz" wrap="none" lIns="91440" tIns="45720" rIns="91440" bIns="45720" numCol="1" anchor="ctr" anchorCtr="0" compatLnSpc="1">
+            <a:prstTxWarp prst="textNoShape">
+              <a:avLst/>
+            </a:prstTxWarp>
+            <a:spAutoFit/>
+          </a:bodyPr>
+          <a:lstStyle/>
+          <a:p>
+            <a:endParaRPr lang="zh-CN" altLang="en-US"/>
+          </a:p>
+        </p:txBody>
+      </p:sp>
+    </p:spTree>
+    <p:extLst>
+      <p:ext uri="{BB962C8B-B14F-4D97-AF65-F5344CB8AC3E}">
+        <p14:creationId xmlns:p14="http://schemas.microsoft.com/office/powerpoint/2010/main" val="4109369226"/>
+      </p:ext>
+    </p:extLst>
+  </p:cSld>
+  <p:clrMapOvr>
+    <a:masterClrMapping/>
+  </p:clrMapOvr>
+  <p:timing>
+    <p:tnLst>
+      <p:par>
+        <p:cTn id="1" dur="indefinite" restart="never" nodeType="tmRoot"/>
+      </p:par>
+    </p:tnLst>
+  </p:timing>
+</p:sld>
+</file>
+
+<file path=ppt/slides/slide28.xml><?xml version="1.0" encoding="utf-8"?>
+<p:sld xmlns:a="http://schemas.openxmlformats.org/drawingml/2006/main" xmlns:r="http://schemas.openxmlformats.org/officeDocument/2006/relationships" xmlns:p="http://schemas.openxmlformats.org/presentationml/2006/main">
+  <p:cSld>
+    <p:spTree>
+      <p:nvGrpSpPr>
+        <p:cNvPr id="1" name=""/>
+        <p:cNvGrpSpPr/>
+        <p:nvPr/>
+      </p:nvGrpSpPr>
+      <p:grpSpPr>
+        <a:xfrm>
+          <a:off x="0" y="0"/>
+          <a:ext cx="0" cy="0"/>
+          <a:chOff x="0" y="0"/>
+          <a:chExt cx="0" cy="0"/>
+        </a:xfrm>
+      </p:grpSpPr>
+      <p:sp>
+        <p:nvSpPr>
+          <p:cNvPr id="2" name="标题 1"/>
+          <p:cNvSpPr>
+            <a:spLocks noGrp="1"/>
+          </p:cNvSpPr>
+          <p:nvPr>
+            <p:ph type="title"/>
+          </p:nvPr>
+        </p:nvSpPr>
+        <p:spPr/>
+        <p:txBody>
+          <a:bodyPr/>
+          <a:lstStyle/>
+          <a:p>
+            <a:r>
+              <a:rPr lang="zh-CN" altLang="en-US" dirty="0" smtClean="0"/>
+              <a:t>总结与未来展望</a:t>
+            </a:r>
+            <a:endParaRPr lang="zh-CN" altLang="en-US" dirty="0"/>
+          </a:p>
+        </p:txBody>
+      </p:sp>
+      <p:sp>
+        <p:nvSpPr>
+          <p:cNvPr id="3" name="内容占位符 2"/>
+          <p:cNvSpPr>
+            <a:spLocks noGrp="1"/>
+          </p:cNvSpPr>
+          <p:nvPr>
+            <p:ph idx="1"/>
+          </p:nvPr>
+        </p:nvSpPr>
+        <p:spPr/>
+        <p:txBody>
+          <a:bodyPr/>
+          <a:lstStyle/>
+          <a:p>
+            <a:r>
+              <a:rPr lang="zh-CN" altLang="en-US" dirty="0" smtClean="0"/>
+              <a:t>本文工作</a:t>
+            </a:r>
+            <a:endParaRPr lang="en-US" altLang="zh-CN" dirty="0" smtClean="0"/>
+          </a:p>
+          <a:p>
+            <a:pPr lvl="1"/>
+            <a:r>
+              <a:rPr lang="en-US" altLang="zh-CN" dirty="0" smtClean="0"/>
+              <a:t>1</a:t>
+            </a:r>
+          </a:p>
+          <a:p>
+            <a:pPr lvl="1"/>
+            <a:r>
+              <a:rPr lang="en-US" altLang="zh-CN" dirty="0" smtClean="0"/>
+              <a:t>2</a:t>
+            </a:r>
+          </a:p>
+          <a:p>
+            <a:pPr lvl="1"/>
+            <a:r>
+              <a:rPr lang="en-US" altLang="zh-CN" dirty="0" smtClean="0"/>
+              <a:t>3</a:t>
+            </a:r>
+            <a:endParaRPr lang="en-US" altLang="zh-CN" dirty="0" smtClean="0"/>
+          </a:p>
+          <a:p>
+            <a:r>
+              <a:rPr lang="zh-CN" altLang="en-US" dirty="0" smtClean="0"/>
+              <a:t>未来展望</a:t>
+            </a:r>
+            <a:endParaRPr lang="en-US" altLang="zh-CN" dirty="0" smtClean="0"/>
+          </a:p>
+          <a:p>
+            <a:pPr lvl="1"/>
+            <a:r>
+              <a:rPr lang="en-US" altLang="zh-CN" dirty="0" smtClean="0"/>
+              <a:t>1</a:t>
+            </a:r>
+          </a:p>
+          <a:p>
+            <a:pPr lvl="1"/>
+            <a:r>
+              <a:rPr lang="en-US" altLang="zh-CN" dirty="0" smtClean="0"/>
+              <a:t>2</a:t>
+            </a:r>
+          </a:p>
+          <a:p>
+            <a:pPr lvl="1"/>
+            <a:r>
+              <a:rPr lang="en-US" altLang="zh-CN" dirty="0"/>
+              <a:t>3</a:t>
+            </a:r>
+          </a:p>
+          <a:p>
+            <a:r>
+              <a:rPr lang="zh-CN" altLang="en-US" dirty="0" smtClean="0"/>
+              <a:t>扩展</a:t>
+            </a:r>
+            <a:endParaRPr lang="en-US" altLang="zh-CN" dirty="0" smtClean="0"/>
+          </a:p>
+        </p:txBody>
+      </p:sp>
+    </p:spTree>
+    <p:extLst>
+      <p:ext uri="{BB962C8B-B14F-4D97-AF65-F5344CB8AC3E}">
+        <p14:creationId xmlns:p14="http://schemas.microsoft.com/office/powerpoint/2010/main" val="3084795287"/>
       </p:ext>
     </p:extLst>
   </p:cSld>
@@ -4285,9 +8435,116 @@
           <a:lstStyle/>
           <a:p>
             <a:r>
+              <a:rPr lang="zh-CN" altLang="zh-CN" dirty="0"/>
+              <a:t>程序自动生成是人工智能领域最具挑战性的任务，也是人类梦寐以求的最高理想</a:t>
+            </a:r>
+            <a:r>
+              <a:rPr lang="zh-CN" altLang="zh-CN" dirty="0" smtClean="0"/>
+              <a:t>。</a:t>
+            </a:r>
+            <a:endParaRPr lang="en-US" altLang="zh-CN" dirty="0" smtClean="0"/>
+          </a:p>
+          <a:p>
+            <a:r>
+              <a:rPr lang="zh-CN" altLang="zh-CN" dirty="0"/>
+              <a:t>海量</a:t>
+            </a:r>
+            <a:r>
+              <a:rPr lang="zh-CN" altLang="zh-CN" dirty="0" smtClean="0"/>
+              <a:t>数据</a:t>
+            </a:r>
+            <a:r>
               <a:rPr lang="zh-CN" altLang="en-US" dirty="0" smtClean="0"/>
-              <a:t>摘要</a:t>
-            </a:r>
+              <a:t>、</a:t>
+            </a:r>
+            <a:r>
+              <a:rPr lang="zh-CN" altLang="zh-CN" dirty="0" smtClean="0"/>
+              <a:t>深度学习</a:t>
+            </a:r>
+            <a:r>
+              <a:rPr lang="zh-CN" altLang="en-US" dirty="0" smtClean="0"/>
+              <a:t>、计算能力</a:t>
+            </a:r>
+            <a:r>
+              <a:rPr lang="en-US" altLang="zh-CN" dirty="0" smtClean="0">
+                <a:sym typeface="Wingdings" panose="05000000000000000000" pitchFamily="2" charset="2"/>
+              </a:rPr>
+              <a:t></a:t>
+            </a:r>
+            <a:r>
+              <a:rPr lang="zh-CN" altLang="en-US" dirty="0" smtClean="0">
+                <a:sym typeface="Wingdings" panose="05000000000000000000" pitchFamily="2" charset="2"/>
+              </a:rPr>
+              <a:t>程序自动生成成为可能</a:t>
+            </a:r>
+            <a:endParaRPr lang="en-US" altLang="zh-CN" dirty="0" smtClean="0">
+              <a:sym typeface="Wingdings" panose="05000000000000000000" pitchFamily="2" charset="2"/>
+            </a:endParaRPr>
+          </a:p>
+          <a:p>
+            <a:endParaRPr lang="en-US" altLang="zh-CN" dirty="0">
+              <a:sym typeface="Wingdings" panose="05000000000000000000" pitchFamily="2" charset="2"/>
+            </a:endParaRPr>
+          </a:p>
+          <a:p>
+            <a:r>
+              <a:rPr lang="zh-CN" altLang="en-US" dirty="0" smtClean="0">
+                <a:sym typeface="Wingdings" panose="05000000000000000000" pitchFamily="2" charset="2"/>
+              </a:rPr>
+              <a:t>程序生成</a:t>
+            </a:r>
+            <a:r>
+              <a:rPr lang="en-US" altLang="zh-CN" dirty="0" smtClean="0">
+                <a:sym typeface="Wingdings" panose="05000000000000000000" pitchFamily="2" charset="2"/>
+              </a:rPr>
+              <a:t></a:t>
+            </a:r>
+            <a:r>
+              <a:rPr lang="zh-CN" altLang="en-US" dirty="0" smtClean="0">
+                <a:sym typeface="Wingdings" panose="05000000000000000000" pitchFamily="2" charset="2"/>
+              </a:rPr>
+              <a:t>序列预测（举个例子） </a:t>
+            </a:r>
+            <a:r>
+              <a:rPr lang="en-US" altLang="zh-CN" dirty="0" smtClean="0">
+                <a:sym typeface="Wingdings" panose="05000000000000000000" pitchFamily="2" charset="2"/>
+              </a:rPr>
+              <a:t>RNN</a:t>
+            </a:r>
+            <a:r>
+              <a:rPr lang="zh-CN" altLang="en-US" dirty="0" smtClean="0">
+                <a:sym typeface="Wingdings" panose="05000000000000000000" pitchFamily="2" charset="2"/>
+              </a:rPr>
+              <a:t>擅长于处理序列预测问题</a:t>
+            </a:r>
+            <a:endParaRPr lang="en-US" altLang="zh-CN" dirty="0" smtClean="0">
+              <a:sym typeface="Wingdings" panose="05000000000000000000" pitchFamily="2" charset="2"/>
+            </a:endParaRPr>
+          </a:p>
+          <a:p>
+            <a:r>
+              <a:rPr lang="zh-CN" altLang="en-US" dirty="0" smtClean="0">
+                <a:sym typeface="Wingdings" panose="05000000000000000000" pitchFamily="2" charset="2"/>
+              </a:rPr>
+              <a:t>程序具有结构化（例子），</a:t>
+            </a:r>
+            <a:r>
+              <a:rPr lang="en-US" altLang="zh-CN" dirty="0" smtClean="0">
+                <a:sym typeface="Wingdings" panose="05000000000000000000" pitchFamily="2" charset="2"/>
+              </a:rPr>
+              <a:t>RNN</a:t>
+            </a:r>
+            <a:r>
+              <a:rPr lang="zh-CN" altLang="en-US" dirty="0" smtClean="0">
+                <a:sym typeface="Wingdings" panose="05000000000000000000" pitchFamily="2" charset="2"/>
+              </a:rPr>
+              <a:t>局限性，引出本文改进，学习程序结构信息（生成效果展示例子）</a:t>
+            </a:r>
+            <a:endParaRPr lang="en-US" altLang="zh-CN" dirty="0" smtClean="0">
+              <a:sym typeface="Wingdings" panose="05000000000000000000" pitchFamily="2" charset="2"/>
+            </a:endParaRPr>
+          </a:p>
+          <a:p>
             <a:endParaRPr lang="zh-CN" altLang="en-US" dirty="0"/>
           </a:p>
         </p:txBody>
@@ -4380,9 +8637,62 @@
             <a:endParaRPr lang="en-US" altLang="zh-CN" dirty="0" smtClean="0"/>
           </a:p>
           <a:p>
+            <a:pPr lvl="1"/>
+            <a:r>
+              <a:rPr lang="zh-CN" altLang="zh-CN" dirty="0"/>
+              <a:t>根据程序员当前输入程序生成下一个</a:t>
+            </a:r>
+            <a:r>
+              <a:rPr lang="en-US" altLang="zh-CN" dirty="0"/>
+              <a:t>token</a:t>
+            </a:r>
+            <a:r>
+              <a:rPr lang="zh-CN" altLang="zh-CN" dirty="0"/>
+              <a:t>可视为程序生成的第一步， 因此，如何准确地生成下一个</a:t>
+            </a:r>
+            <a:r>
+              <a:rPr lang="en-US" altLang="zh-CN" dirty="0"/>
+              <a:t> token </a:t>
+            </a:r>
+            <a:r>
+              <a:rPr lang="zh-CN" altLang="zh-CN" dirty="0"/>
+              <a:t>则为本课题的</a:t>
+            </a:r>
+            <a:r>
+              <a:rPr lang="zh-CN" altLang="zh-CN" dirty="0" smtClean="0"/>
+              <a:t>主要</a:t>
+            </a:r>
             <a:r>
               <a:rPr lang="zh-CN" altLang="en-US" dirty="0" smtClean="0"/>
-              <a:t>课题目的及意义</a:t>
+              <a:t>任务</a:t>
+            </a:r>
+            <a:endParaRPr lang="en-US" altLang="zh-CN" dirty="0" smtClean="0"/>
+          </a:p>
+          <a:p>
+            <a:pPr lvl="1"/>
+            <a:r>
+              <a:rPr lang="zh-CN" altLang="zh-CN" dirty="0" smtClean="0"/>
+              <a:t>程序</a:t>
+            </a:r>
+            <a:r>
+              <a:rPr lang="zh-CN" altLang="zh-CN" dirty="0"/>
+              <a:t>语言概率</a:t>
+            </a:r>
+            <a:r>
+              <a:rPr lang="zh-CN" altLang="zh-CN" dirty="0" smtClean="0"/>
+              <a:t>模型</a:t>
+            </a:r>
+            <a:r>
+              <a:rPr lang="zh-CN" altLang="en-US" dirty="0" smtClean="0"/>
+              <a:t>（</a:t>
+            </a:r>
+            <a:r>
+              <a:rPr lang="en-US" altLang="zh-CN" dirty="0" smtClean="0"/>
+              <a:t>N-gram, Word2vec, PCFG</a:t>
+            </a:r>
+            <a:r>
+              <a:rPr lang="zh-CN" altLang="en-US" dirty="0" smtClean="0"/>
+              <a:t>）</a:t>
             </a:r>
             <a:endParaRPr lang="en-US" altLang="zh-CN" dirty="0" smtClean="0"/>
           </a:p>
@@ -4390,6 +8700,57 @@
             <a:r>
               <a:rPr lang="zh-CN" altLang="en-US" dirty="0" smtClean="0"/>
               <a:t>研究内容</a:t>
+            </a:r>
+            <a:endParaRPr lang="en-US" altLang="zh-CN" dirty="0" smtClean="0"/>
+          </a:p>
+          <a:p>
+            <a:pPr lvl="1"/>
+            <a:r>
+              <a:rPr lang="zh-CN" altLang="zh-CN" dirty="0"/>
+              <a:t>代码不同于其他序列化数据，它是一种具有复杂结构的文本</a:t>
+            </a:r>
+            <a:r>
+              <a:rPr lang="zh-CN" altLang="zh-CN" dirty="0" smtClean="0"/>
+              <a:t>。若</a:t>
+            </a:r>
+            <a:r>
+              <a:rPr lang="zh-CN" altLang="zh-CN" dirty="0"/>
+              <a:t>直接将代码视作序列化的数据，便会丢失代码的结构信息</a:t>
+            </a:r>
+            <a:r>
+              <a:rPr lang="zh-CN" altLang="zh-CN" dirty="0" smtClean="0"/>
+              <a:t>。</a:t>
+            </a:r>
+            <a:r>
+              <a:rPr lang="en-US" altLang="zh-CN" dirty="0" smtClean="0"/>
+              <a:t>(</a:t>
+            </a:r>
+            <a:r>
+              <a:rPr lang="zh-CN" altLang="en-US" dirty="0" smtClean="0"/>
+              <a:t>例子</a:t>
+            </a:r>
+            <a:r>
+              <a:rPr lang="en-US" altLang="zh-CN" dirty="0" smtClean="0"/>
+              <a:t>)</a:t>
+            </a:r>
+          </a:p>
+          <a:p>
+            <a:pPr lvl="1"/>
+            <a:r>
+              <a:rPr lang="zh-CN" altLang="zh-CN" dirty="0"/>
+              <a:t>改进传统的长短期记忆</a:t>
+            </a:r>
+            <a:r>
+              <a:rPr lang="zh-CN" altLang="zh-CN" dirty="0" smtClean="0"/>
+              <a:t>神经网络模型</a:t>
+            </a:r>
+            <a:r>
+              <a:rPr lang="zh-CN" altLang="zh-CN" dirty="0"/>
+              <a:t>，并进行训练与测试，使其能够更好地处理结构化数据，忽略无关信息，从而达到更高的准确率，以满足程序生成的需求</a:t>
+            </a:r>
+            <a:r>
+              <a:rPr lang="zh-CN" altLang="zh-CN" dirty="0" smtClean="0"/>
+              <a:t>。</a:t>
             </a:r>
             <a:endParaRPr lang="zh-CN" altLang="en-US" dirty="0"/>
           </a:p>
@@ -4448,10 +8809,16 @@
           <a:lstStyle/>
           <a:p>
             <a:r>
-              <a:rPr lang="zh-CN" altLang="en-US" dirty="0" smtClean="0"/>
-              <a:t>研究现状</a:t>
-            </a:r>
-            <a:endParaRPr lang="zh-CN" altLang="en-US" dirty="0"/>
+              <a:rPr lang="zh-CN" altLang="en-US" dirty="0" smtClean="0">
+                <a:latin typeface="微软雅黑" panose="020B0503020204020204" pitchFamily="34" charset="-122"/>
+                <a:ea typeface="微软雅黑" panose="020B0503020204020204" pitchFamily="34" charset="-122"/>
+              </a:rPr>
+              <a:t>循环神经网络</a:t>
+            </a:r>
+            <a:endParaRPr lang="zh-CN" altLang="en-US" dirty="0">
+              <a:latin typeface="微软雅黑" panose="020B0503020204020204" pitchFamily="34" charset="-122"/>
+              <a:ea typeface="微软雅黑" panose="020B0503020204020204" pitchFamily="34" charset="-122"/>
+            </a:endParaRPr>
           </a:p>
         </p:txBody>
       </p:sp>
@@ -4465,166 +8832,32 @@
             <p:ph idx="1"/>
           </p:nvPr>
         </p:nvSpPr>
-        <p:spPr>
-          <a:xfrm>
-            <a:off x="736979" y="1593612"/>
-            <a:ext cx="10616821" cy="5011903"/>
-          </a:xfrm>
-        </p:spPr>
-        <p:txBody>
-          <a:bodyPr>
-            <a:normAutofit lnSpcReduction="10000"/>
-          </a:bodyPr>
-          <a:lstStyle/>
-          <a:p>
-            <a:r>
-              <a:rPr lang="zh-CN" altLang="zh-CN" dirty="0"/>
-              <a:t>根据程序员当前输入程序生成下一个</a:t>
-            </a:r>
-            <a:r>
-              <a:rPr lang="en-US" altLang="zh-CN" dirty="0"/>
-              <a:t>token</a:t>
-            </a:r>
-            <a:r>
-              <a:rPr lang="zh-CN" altLang="zh-CN" dirty="0"/>
-              <a:t>可视为程序生成的第一步， 因此，如何准确地生成下一个</a:t>
-            </a:r>
-            <a:r>
-              <a:rPr lang="en-US" altLang="zh-CN" dirty="0"/>
-              <a:t> token </a:t>
-            </a:r>
-            <a:r>
-              <a:rPr lang="zh-CN" altLang="zh-CN" dirty="0"/>
-              <a:t>则为本课题的主要研究</a:t>
-            </a:r>
-            <a:r>
-              <a:rPr lang="zh-CN" altLang="zh-CN" dirty="0" smtClean="0"/>
-              <a:t>内容</a:t>
-            </a:r>
-            <a:endParaRPr lang="en-US" altLang="zh-CN" dirty="0" smtClean="0"/>
-          </a:p>
-          <a:p>
-            <a:r>
-              <a:rPr lang="zh-CN" altLang="zh-CN" dirty="0"/>
-              <a:t>代码生成的主流方法是基于构建程序语言概率模型实现</a:t>
-            </a:r>
-            <a:r>
-              <a:rPr lang="zh-CN" altLang="zh-CN" dirty="0" smtClean="0"/>
-              <a:t>的。</a:t>
-            </a:r>
-            <a:r>
-              <a:rPr lang="zh-CN" altLang="zh-CN" dirty="0"/>
-              <a:t>目前，构建程序语言概率模型主要有以下几种</a:t>
-            </a:r>
-            <a:r>
-              <a:rPr lang="zh-CN" altLang="zh-CN" dirty="0" smtClean="0"/>
-              <a:t>方法</a:t>
-            </a:r>
-            <a:r>
-              <a:rPr lang="zh-CN" altLang="en-US" dirty="0" smtClean="0"/>
-              <a:t>：</a:t>
-            </a:r>
-            <a:endParaRPr lang="en-US" altLang="zh-CN" baseline="30000" dirty="0" smtClean="0"/>
-          </a:p>
-          <a:p>
-            <a:pPr marL="0" indent="0">
-              <a:buNone/>
-            </a:pPr>
-            <a:r>
-              <a:rPr lang="en-US" altLang="zh-CN" b="1" dirty="0"/>
-              <a:t>	</a:t>
-            </a:r>
-            <a:r>
-              <a:rPr lang="en-US" altLang="zh-CN" b="1" dirty="0" smtClean="0"/>
-              <a:t>N-gram </a:t>
-            </a:r>
-            <a:r>
-              <a:rPr lang="zh-CN" altLang="zh-CN" b="1" dirty="0" smtClean="0"/>
-              <a:t>模型</a:t>
-            </a:r>
-            <a:endParaRPr lang="en-US" altLang="zh-CN" b="1" dirty="0" smtClean="0"/>
-          </a:p>
-          <a:p>
-            <a:pPr marL="0" indent="0">
-              <a:buNone/>
-            </a:pPr>
-            <a:r>
-              <a:rPr lang="en-US" altLang="zh-CN" b="1" dirty="0"/>
-              <a:t>	</a:t>
-            </a:r>
-            <a:r>
-              <a:rPr lang="en-US" altLang="zh-CN" b="1" dirty="0" smtClean="0"/>
-              <a:t>	…</a:t>
-            </a:r>
-          </a:p>
-          <a:p>
-            <a:pPr marL="0" indent="0">
-              <a:buNone/>
-            </a:pPr>
-            <a:r>
-              <a:rPr lang="en-US" altLang="zh-CN" b="1" dirty="0"/>
-              <a:t>	</a:t>
-            </a:r>
-            <a:r>
-              <a:rPr lang="zh-CN" altLang="zh-CN" b="1" dirty="0"/>
-              <a:t>词向量（</a:t>
-            </a:r>
-            <a:r>
-              <a:rPr lang="en-US" altLang="zh-CN" b="1" dirty="0"/>
-              <a:t>Word2vec</a:t>
-            </a:r>
-            <a:r>
-              <a:rPr lang="zh-CN" altLang="zh-CN" b="1" dirty="0"/>
-              <a:t>）神经网络</a:t>
-            </a:r>
-            <a:r>
-              <a:rPr lang="zh-CN" altLang="zh-CN" b="1" dirty="0" smtClean="0"/>
-              <a:t>语言模型</a:t>
-            </a:r>
-            <a:endParaRPr lang="en-US" altLang="zh-CN" b="1" dirty="0" smtClean="0"/>
-          </a:p>
-          <a:p>
-            <a:pPr marL="0" indent="0">
-              <a:buNone/>
-            </a:pPr>
-            <a:r>
-              <a:rPr lang="en-US" altLang="zh-CN" b="1" dirty="0"/>
-              <a:t>	</a:t>
-            </a:r>
-            <a:r>
-              <a:rPr lang="en-US" altLang="zh-CN" b="1" dirty="0" smtClean="0"/>
-              <a:t>	…</a:t>
-            </a:r>
-          </a:p>
-          <a:p>
-            <a:pPr marL="0" indent="0">
-              <a:buNone/>
-            </a:pPr>
-            <a:r>
-              <a:rPr lang="en-US" altLang="zh-CN" b="1" dirty="0"/>
-              <a:t>	</a:t>
-            </a:r>
-            <a:r>
-              <a:rPr lang="zh-CN" altLang="zh-CN" b="1" dirty="0"/>
-              <a:t>概率</a:t>
-            </a:r>
-            <a:r>
-              <a:rPr lang="zh-CN" altLang="zh-CN" b="1" dirty="0" smtClean="0"/>
-              <a:t>语法</a:t>
-            </a:r>
-            <a:endParaRPr lang="en-US" altLang="zh-CN" b="1" dirty="0" smtClean="0"/>
-          </a:p>
-          <a:p>
-            <a:pPr marL="0" indent="0">
-              <a:buNone/>
-            </a:pPr>
-            <a:r>
-              <a:rPr lang="en-US" altLang="zh-CN" b="1" dirty="0"/>
-              <a:t>	</a:t>
-            </a:r>
-            <a:r>
-              <a:rPr lang="en-US" altLang="zh-CN" b="1" dirty="0" smtClean="0"/>
-              <a:t>	…</a:t>
+        <p:spPr/>
+        <p:txBody>
+          <a:bodyPr/>
+          <a:lstStyle/>
+          <a:p>
+            <a:r>
+              <a:rPr lang="en-US" altLang="zh-CN" dirty="0" smtClean="0"/>
+              <a:t>FNN</a:t>
+            </a:r>
+          </a:p>
+          <a:p>
+            <a:r>
+              <a:rPr lang="en-US" altLang="zh-CN" dirty="0" smtClean="0"/>
+              <a:t>RNN</a:t>
+            </a:r>
+          </a:p>
+          <a:p>
+            <a:r>
+              <a:rPr lang="en-US" altLang="zh-CN" dirty="0" smtClean="0"/>
+              <a:t>LSTM</a:t>
+            </a:r>
+          </a:p>
+          <a:p>
+            <a:r>
+              <a:rPr lang="en-US" altLang="zh-CN" dirty="0" err="1" smtClean="0"/>
+              <a:t>StackRNN</a:t>
             </a:r>
             <a:endParaRPr lang="zh-CN" altLang="en-US" dirty="0"/>
           </a:p>
@@ -4633,7 +8866,7 @@
     </p:spTree>
     <p:extLst>
       <p:ext uri="{BB962C8B-B14F-4D97-AF65-F5344CB8AC3E}">
-        <p14:creationId xmlns:p14="http://schemas.microsoft.com/office/powerpoint/2010/main" val="2211171541"/>
+        <p14:creationId xmlns:p14="http://schemas.microsoft.com/office/powerpoint/2010/main" val="3369319297"/>
       </p:ext>
     </p:extLst>
   </p:cSld>
@@ -4683,8 +8916,8 @@
           <a:lstStyle/>
           <a:p>
             <a:r>
-              <a:rPr lang="zh-CN" altLang="en-US" dirty="0" smtClean="0"/>
-              <a:t>课题目的及意义</a:t>
+              <a:rPr lang="en-US" altLang="zh-CN" dirty="0" smtClean="0"/>
+              <a:t>FNN</a:t>
             </a:r>
             <a:endParaRPr lang="zh-CN" altLang="en-US" dirty="0"/>
           </a:p>
@@ -4692,93 +8925,243 @@
       </p:sp>
       <p:sp>
         <p:nvSpPr>
-          <p:cNvPr id="3" name="内容占位符 2"/>
-          <p:cNvSpPr>
-            <a:spLocks noGrp="1"/>
-          </p:cNvSpPr>
-          <p:nvPr>
-            <p:ph idx="1"/>
-          </p:nvPr>
-        </p:nvSpPr>
-        <p:spPr/>
-        <p:txBody>
-          <a:bodyPr/>
-          <a:lstStyle/>
-          <a:p>
-            <a:r>
-              <a:rPr lang="zh-CN" altLang="zh-CN" dirty="0"/>
-              <a:t>程序生成本质上属于预测</a:t>
-            </a:r>
-            <a:r>
-              <a:rPr lang="zh-CN" altLang="zh-CN" dirty="0" smtClean="0"/>
-              <a:t>问题</a:t>
-            </a:r>
-            <a:r>
-              <a:rPr lang="en-US" altLang="zh-CN" dirty="0" smtClean="0"/>
-              <a:t>(</a:t>
-            </a:r>
-            <a:r>
-              <a:rPr lang="zh-CN" altLang="zh-CN" dirty="0"/>
-              <a:t>基于程序员当前输入</a:t>
-            </a:r>
-            <a:r>
-              <a:rPr lang="en-US" altLang="zh-CN" dirty="0"/>
-              <a:t>token</a:t>
-            </a:r>
-            <a:r>
-              <a:rPr lang="zh-CN" altLang="zh-CN" dirty="0"/>
-              <a:t>，预测下一个最可能出现的</a:t>
-            </a:r>
-            <a:r>
-              <a:rPr lang="en-US" altLang="zh-CN" dirty="0"/>
-              <a:t>token</a:t>
-            </a:r>
-            <a:r>
-              <a:rPr lang="en-US" altLang="zh-CN" dirty="0" smtClean="0"/>
-              <a:t>)</a:t>
-            </a:r>
-            <a:r>
-              <a:rPr lang="zh-CN" altLang="zh-CN" dirty="0" smtClean="0"/>
-              <a:t>，</a:t>
-            </a:r>
-            <a:r>
-              <a:rPr lang="zh-CN" altLang="zh-CN" dirty="0"/>
-              <a:t>深度学习中的循环神经网络专门用于处理序列预测问题。因此，本文尝试采用深度学习的方法，基于循环神经网络（</a:t>
-            </a:r>
-            <a:r>
-              <a:rPr lang="en-US" altLang="zh-CN" dirty="0"/>
-              <a:t>RNN</a:t>
-            </a:r>
-            <a:r>
-              <a:rPr lang="zh-CN" altLang="zh-CN" dirty="0"/>
-              <a:t>，</a:t>
-            </a:r>
-            <a:r>
-              <a:rPr lang="en-US" altLang="zh-CN" dirty="0"/>
-              <a:t>Recurrent Neural Networks</a:t>
-            </a:r>
-            <a:r>
-              <a:rPr lang="zh-CN" altLang="zh-CN" dirty="0"/>
-              <a:t>）来完成动态编程语言（本文对</a:t>
-            </a:r>
-            <a:r>
-              <a:rPr lang="en-US" altLang="zh-CN" dirty="0"/>
-              <a:t>python</a:t>
-            </a:r>
-            <a:r>
-              <a:rPr lang="zh-CN" altLang="zh-CN" dirty="0"/>
-              <a:t>语言进行程序生成的研究）的程序生成</a:t>
-            </a:r>
-            <a:r>
-              <a:rPr lang="zh-CN" altLang="zh-CN" dirty="0" smtClean="0"/>
-              <a:t>任务</a:t>
-            </a:r>
-            <a:endParaRPr lang="en-US" altLang="zh-CN" dirty="0" smtClean="0"/>
-          </a:p>
-          <a:p>
-            <a:r>
-              <a:rPr lang="zh-CN" altLang="zh-CN" dirty="0"/>
-              <a:t>将大量代码作为训练集进行学习，模型可以学会程序语言的语义以及结构信息</a:t>
+          <p:cNvPr id="4" name="Rectangle 2"/>
+          <p:cNvSpPr>
+            <a:spLocks noChangeArrowheads="1"/>
+          </p:cNvSpPr>
+          <p:nvPr/>
+        </p:nvSpPr>
+        <p:spPr bwMode="auto">
+          <a:xfrm>
+            <a:off x="3480179" y="1992573"/>
+            <a:ext cx="12192000" cy="0"/>
+          </a:xfrm>
+          <a:prstGeom prst="rect">
+            <a:avLst/>
+          </a:prstGeom>
+          <a:noFill/>
+          <a:ln>
+            <a:noFill/>
+          </a:ln>
+          <a:effectLst/>
+          <a:extLst>
+            <a:ext uri="{909E8E84-426E-40DD-AFC4-6F175D3DCCD1}">
+              <a14:hiddenFill xmlns:a14="http://schemas.microsoft.com/office/drawing/2010/main">
+                <a:solidFill>
+                  <a:schemeClr val="accent1"/>
+                </a:solidFill>
+              </a14:hiddenFill>
+            </a:ext>
+            <a:ext uri="{91240B29-F687-4F45-9708-019B960494DF}">
+              <a14:hiddenLine xmlns:a14="http://schemas.microsoft.com/office/drawing/2010/main" w="9525">
+                <a:solidFill>
+                  <a:schemeClr val="tx1"/>
+                </a:solidFill>
+                <a:miter lim="800000"/>
+                <a:headEnd/>
+                <a:tailEnd/>
+              </a14:hiddenLine>
+            </a:ext>
+            <a:ext uri="{AF507438-7753-43E0-B8FC-AC1667EBCBE1}">
+              <a14:hiddenEffects xmlns:a14="http://schemas.microsoft.com/office/drawing/2010/main">
+                <a:effectLst>
+                  <a:outerShdw dist="35921" dir="2700000" algn="ctr" rotWithShape="0">
+                    <a:schemeClr val="bg2"/>
+                  </a:outerShdw>
+                </a:effectLst>
+              </a14:hiddenEffects>
+            </a:ext>
+          </a:extLst>
+        </p:spPr>
+        <p:txBody>
+          <a:bodyPr vert="horz" wrap="none" lIns="91440" tIns="45720" rIns="91440" bIns="45720" numCol="1" anchor="ctr" anchorCtr="0" compatLnSpc="1">
+            <a:prstTxWarp prst="textNoShape">
+              <a:avLst/>
+            </a:prstTxWarp>
+            <a:spAutoFit/>
+          </a:bodyPr>
+          <a:lstStyle/>
+          <a:p>
+            <a:endParaRPr lang="zh-CN" altLang="en-US"/>
+          </a:p>
+        </p:txBody>
+      </p:sp>
+      <p:graphicFrame>
+        <p:nvGraphicFramePr>
+          <p:cNvPr id="5" name="对象 4"/>
+          <p:cNvGraphicFramePr>
+            <a:graphicFrameLocks noChangeAspect="1"/>
+          </p:cNvGraphicFramePr>
+          <p:nvPr>
+            <p:extLst>
+              <p:ext uri="{D42A27DB-BD31-4B8C-83A1-F6EECF244321}">
+                <p14:modId xmlns:p14="http://schemas.microsoft.com/office/powerpoint/2010/main" val="3716150045"/>
+              </p:ext>
+            </p:extLst>
+          </p:nvPr>
+        </p:nvGraphicFramePr>
+        <p:xfrm>
+          <a:off x="1243416" y="1196482"/>
+          <a:ext cx="5734159" cy="3940597"/>
+        </p:xfrm>
+        <a:graphic>
+          <a:graphicData uri="http://schemas.openxmlformats.org/presentationml/2006/ole">
+            <mc:AlternateContent xmlns:mc="http://schemas.openxmlformats.org/markup-compatibility/2006">
+              <mc:Choice xmlns:v="urn:schemas-microsoft-com:vml" Requires="v">
+                <p:oleObj spid="_x0000_s2093" name="Visio" r:id="rId3" imgW="7953223" imgH="5505319" progId="Visio.Drawing.15">
+                  <p:embed/>
+                </p:oleObj>
+              </mc:Choice>
+              <mc:Fallback>
+                <p:oleObj name="Visio" r:id="rId3" imgW="7953223" imgH="5505319" progId="Visio.Drawing.15">
+                  <p:embed/>
+                  <p:pic>
+                    <p:nvPicPr>
+                      <p:cNvPr id="0" name="Object 1"/>
+                      <p:cNvPicPr>
+                        <a:picLocks noChangeAspect="1" noChangeArrowheads="1"/>
+                      </p:cNvPicPr>
+                      <p:nvPr/>
+                    </p:nvPicPr>
+                    <p:blipFill>
+                      <a:blip r:embed="rId4">
+                        <a:extLst>
+                          <a:ext uri="{28A0092B-C50C-407E-A947-70E740481C1C}">
+                            <a14:useLocalDpi xmlns:a14="http://schemas.microsoft.com/office/drawing/2010/main" val="0"/>
+                          </a:ext>
+                        </a:extLst>
+                      </a:blip>
+                      <a:srcRect/>
+                      <a:stretch>
+                        <a:fillRect/>
+                      </a:stretch>
+                    </p:blipFill>
+                    <p:spPr bwMode="auto">
+                      <a:xfrm>
+                        <a:off x="1243416" y="1196482"/>
+                        <a:ext cx="5734159" cy="3940597"/>
+                      </a:xfrm>
+                      <a:prstGeom prst="rect">
+                        <a:avLst/>
+                      </a:prstGeom>
+                      <a:noFill/>
+                    </p:spPr>
+                  </p:pic>
+                </p:oleObj>
+              </mc:Fallback>
+            </mc:AlternateContent>
+          </a:graphicData>
+        </a:graphic>
+      </p:graphicFrame>
+      <p:sp>
+        <p:nvSpPr>
+          <p:cNvPr id="6" name="矩形 5"/>
+          <p:cNvSpPr/>
+          <p:nvPr/>
+        </p:nvSpPr>
+        <p:spPr>
+          <a:xfrm>
+            <a:off x="7268308" y="1870044"/>
+            <a:ext cx="4815840" cy="923330"/>
+          </a:xfrm>
+          <a:prstGeom prst="rect">
+            <a:avLst/>
+          </a:prstGeom>
+        </p:spPr>
+        <p:txBody>
+          <a:bodyPr wrap="square">
+            <a:spAutoFit/>
+          </a:bodyPr>
+          <a:lstStyle/>
+          <a:p>
+            <a:r>
+              <a:rPr lang="zh-CN" altLang="zh-CN" kern="100" dirty="0">
+                <a:solidFill>
+                  <a:srgbClr val="000000"/>
+                </a:solidFill>
+                <a:latin typeface="Times New Roman" panose="02020603050405020304" pitchFamily="18" charset="0"/>
+                <a:ea typeface="宋体" panose="02010600030101010101" pitchFamily="2" charset="-122"/>
+                <a:cs typeface="Times New Roman" panose="02020603050405020304" pitchFamily="18" charset="0"/>
+              </a:rPr>
+              <a:t>每一层神经元与下一层神经元之间采用全连接的方式，但是神经元之间不存在同层或者跨层的的连接，因此当前输出只与当前输入有关</a:t>
+            </a:r>
+            <a:endParaRPr lang="zh-CN" altLang="en-US" dirty="0"/>
+          </a:p>
+        </p:txBody>
+      </p:sp>
+      <p:sp>
+        <p:nvSpPr>
+          <p:cNvPr id="7" name="矩形 6"/>
+          <p:cNvSpPr/>
+          <p:nvPr/>
+        </p:nvSpPr>
+        <p:spPr>
+          <a:xfrm>
+            <a:off x="7382790" y="3936750"/>
+            <a:ext cx="4574747" cy="1200329"/>
+          </a:xfrm>
+          <a:prstGeom prst="rect">
+            <a:avLst/>
+          </a:prstGeom>
+        </p:spPr>
+        <p:txBody>
+          <a:bodyPr wrap="square">
+            <a:spAutoFit/>
+          </a:bodyPr>
+          <a:lstStyle/>
+          <a:p>
+            <a:r>
+              <a:rPr lang="zh-CN" altLang="zh-CN" kern="100" dirty="0">
+                <a:solidFill>
+                  <a:srgbClr val="000000"/>
+                </a:solidFill>
+                <a:latin typeface="Times New Roman" panose="02020603050405020304" pitchFamily="18" charset="0"/>
+                <a:ea typeface="宋体" panose="02010600030101010101" pitchFamily="2" charset="-122"/>
+                <a:cs typeface="Times New Roman" panose="02020603050405020304" pitchFamily="18" charset="0"/>
+              </a:rPr>
+              <a:t>通过修改权重，</a:t>
+            </a:r>
+            <a:r>
+              <a:rPr lang="en-US" altLang="zh-CN" kern="100" dirty="0">
+                <a:solidFill>
+                  <a:srgbClr val="000000"/>
+                </a:solidFill>
+                <a:latin typeface="Times New Roman" panose="02020603050405020304" pitchFamily="18" charset="0"/>
+                <a:ea typeface="宋体" panose="02010600030101010101" pitchFamily="2" charset="-122"/>
+              </a:rPr>
+              <a:t>MLP</a:t>
+            </a:r>
+            <a:r>
+              <a:rPr lang="zh-CN" altLang="zh-CN" kern="100" dirty="0">
+                <a:solidFill>
+                  <a:srgbClr val="000000"/>
+                </a:solidFill>
+                <a:latin typeface="Times New Roman" panose="02020603050405020304" pitchFamily="18" charset="0"/>
+                <a:ea typeface="宋体" panose="02010600030101010101" pitchFamily="2" charset="-122"/>
+                <a:cs typeface="Times New Roman" panose="02020603050405020304" pitchFamily="18" charset="0"/>
+              </a:rPr>
+              <a:t>可以学会多种函数，实际上，具有单隐藏层并且具有足够多非线性单元的</a:t>
+            </a:r>
+            <a:r>
+              <a:rPr lang="en-US" altLang="zh-CN" kern="100" dirty="0">
+                <a:solidFill>
+                  <a:srgbClr val="000000"/>
+                </a:solidFill>
+                <a:latin typeface="Times New Roman" panose="02020603050405020304" pitchFamily="18" charset="0"/>
+                <a:ea typeface="宋体" panose="02010600030101010101" pitchFamily="2" charset="-122"/>
+              </a:rPr>
+              <a:t>MLP</a:t>
+            </a:r>
+            <a:r>
+              <a:rPr lang="zh-CN" altLang="zh-CN" kern="100" dirty="0">
+                <a:solidFill>
+                  <a:srgbClr val="000000"/>
+                </a:solidFill>
+                <a:latin typeface="Times New Roman" panose="02020603050405020304" pitchFamily="18" charset="0"/>
+                <a:ea typeface="宋体" panose="02010600030101010101" pitchFamily="2" charset="-122"/>
+                <a:cs typeface="Times New Roman" panose="02020603050405020304" pitchFamily="18" charset="0"/>
+              </a:rPr>
+              <a:t>已经被证明可以近似表示任何连续函数</a:t>
             </a:r>
             <a:endParaRPr lang="zh-CN" altLang="en-US" dirty="0"/>
           </a:p>
@@ -4787,20 +9170,13 @@
     </p:spTree>
     <p:extLst>
       <p:ext uri="{BB962C8B-B14F-4D97-AF65-F5344CB8AC3E}">
-        <p14:creationId xmlns:p14="http://schemas.microsoft.com/office/powerpoint/2010/main" val="1355361097"/>
+        <p14:creationId xmlns:p14="http://schemas.microsoft.com/office/powerpoint/2010/main" val="275183190"/>
       </p:ext>
     </p:extLst>
   </p:cSld>
   <p:clrMapOvr>
     <a:masterClrMapping/>
   </p:clrMapOvr>
-  <p:timing>
-    <p:tnLst>
-      <p:par>
-        <p:cTn id="1" dur="indefinite" restart="never" nodeType="tmRoot"/>
-      </p:par>
-    </p:tnLst>
-  </p:timing>
 </p:sld>
 </file>
 
@@ -4837,8 +9213,8 @@
           <a:lstStyle/>
           <a:p>
             <a:r>
-              <a:rPr lang="zh-CN" altLang="en-US" dirty="0" smtClean="0"/>
-              <a:t>研究内容</a:t>
+              <a:rPr lang="en-US" altLang="zh-CN" dirty="0" smtClean="0"/>
+              <a:t>RNN</a:t>
             </a:r>
             <a:endParaRPr lang="zh-CN" altLang="en-US" dirty="0"/>
           </a:p>
@@ -4846,40 +9222,287 @@
       </p:sp>
       <p:sp>
         <p:nvSpPr>
-          <p:cNvPr id="3" name="内容占位符 2"/>
-          <p:cNvSpPr>
-            <a:spLocks noGrp="1"/>
-          </p:cNvSpPr>
-          <p:nvPr>
-            <p:ph idx="1"/>
-          </p:nvPr>
-        </p:nvSpPr>
-        <p:spPr/>
-        <p:txBody>
-          <a:bodyPr/>
+          <p:cNvPr id="4" name="Rectangle 2"/>
+          <p:cNvSpPr>
+            <a:spLocks noChangeArrowheads="1"/>
+          </p:cNvSpPr>
+          <p:nvPr/>
+        </p:nvSpPr>
+        <p:spPr bwMode="auto">
+          <a:xfrm>
+            <a:off x="1055076" y="1885070"/>
+            <a:ext cx="16831609" cy="45719"/>
+          </a:xfrm>
+          <a:prstGeom prst="rect">
+            <a:avLst/>
+          </a:prstGeom>
+          <a:noFill/>
+          <a:ln>
+            <a:noFill/>
+          </a:ln>
+          <a:effectLst/>
+          <a:extLst>
+            <a:ext uri="{909E8E84-426E-40DD-AFC4-6F175D3DCCD1}">
+              <a14:hiddenFill xmlns:a14="http://schemas.microsoft.com/office/drawing/2010/main">
+                <a:solidFill>
+                  <a:schemeClr val="accent1"/>
+                </a:solidFill>
+              </a14:hiddenFill>
+            </a:ext>
+            <a:ext uri="{91240B29-F687-4F45-9708-019B960494DF}">
+              <a14:hiddenLine xmlns:a14="http://schemas.microsoft.com/office/drawing/2010/main" w="9525">
+                <a:solidFill>
+                  <a:schemeClr val="tx1"/>
+                </a:solidFill>
+                <a:miter lim="800000"/>
+                <a:headEnd/>
+                <a:tailEnd/>
+              </a14:hiddenLine>
+            </a:ext>
+            <a:ext uri="{AF507438-7753-43E0-B8FC-AC1667EBCBE1}">
+              <a14:hiddenEffects xmlns:a14="http://schemas.microsoft.com/office/drawing/2010/main">
+                <a:effectLst>
+                  <a:outerShdw dist="35921" dir="2700000" algn="ctr" rotWithShape="0">
+                    <a:schemeClr val="bg2"/>
+                  </a:outerShdw>
+                </a:effectLst>
+              </a14:hiddenEffects>
+            </a:ext>
+          </a:extLst>
+        </p:spPr>
+        <p:txBody>
+          <a:bodyPr vert="horz" wrap="square" lIns="91440" tIns="45720" rIns="91440" bIns="45720" numCol="1" anchor="ctr" anchorCtr="0" compatLnSpc="1">
+            <a:prstTxWarp prst="textNoShape">
+              <a:avLst/>
+            </a:prstTxWarp>
+            <a:spAutoFit/>
+          </a:bodyPr>
           <a:lstStyle/>
           <a:p>
             <a:endParaRPr lang="zh-CN" altLang="en-US"/>
+          </a:p>
+        </p:txBody>
+      </p:sp>
+      <p:graphicFrame>
+        <p:nvGraphicFramePr>
+          <p:cNvPr id="5" name="对象 4"/>
+          <p:cNvGraphicFramePr>
+            <a:graphicFrameLocks noChangeAspect="1"/>
+          </p:cNvGraphicFramePr>
+          <p:nvPr>
+            <p:extLst>
+              <p:ext uri="{D42A27DB-BD31-4B8C-83A1-F6EECF244321}">
+                <p14:modId xmlns:p14="http://schemas.microsoft.com/office/powerpoint/2010/main" val="3367862463"/>
+              </p:ext>
+            </p:extLst>
+          </p:nvPr>
+        </p:nvGraphicFramePr>
+        <p:xfrm>
+          <a:off x="3505041" y="1589650"/>
+          <a:ext cx="7848759" cy="3460652"/>
+        </p:xfrm>
+        <a:graphic>
+          <a:graphicData uri="http://schemas.openxmlformats.org/presentationml/2006/ole">
+            <mc:AlternateContent xmlns:mc="http://schemas.openxmlformats.org/markup-compatibility/2006">
+              <mc:Choice xmlns:v="urn:schemas-microsoft-com:vml" Requires="v">
+                <p:oleObj spid="_x0000_s3115" name="Visio" r:id="rId3" imgW="9420241" imgH="4162517" progId="Visio.Drawing.15">
+                  <p:embed/>
+                </p:oleObj>
+              </mc:Choice>
+              <mc:Fallback>
+                <p:oleObj name="Visio" r:id="rId3" imgW="9420241" imgH="4162517" progId="Visio.Drawing.15">
+                  <p:embed/>
+                  <p:pic>
+                    <p:nvPicPr>
+                      <p:cNvPr id="0" name="Object 1"/>
+                      <p:cNvPicPr>
+                        <a:picLocks noChangeAspect="1" noChangeArrowheads="1"/>
+                      </p:cNvPicPr>
+                      <p:nvPr/>
+                    </p:nvPicPr>
+                    <p:blipFill>
+                      <a:blip r:embed="rId4">
+                        <a:extLst>
+                          <a:ext uri="{28A0092B-C50C-407E-A947-70E740481C1C}">
+                            <a14:useLocalDpi xmlns:a14="http://schemas.microsoft.com/office/drawing/2010/main" val="0"/>
+                          </a:ext>
+                        </a:extLst>
+                      </a:blip>
+                      <a:srcRect/>
+                      <a:stretch>
+                        <a:fillRect/>
+                      </a:stretch>
+                    </p:blipFill>
+                    <p:spPr bwMode="auto">
+                      <a:xfrm>
+                        <a:off x="3505041" y="1589650"/>
+                        <a:ext cx="7848759" cy="3460652"/>
+                      </a:xfrm>
+                      <a:prstGeom prst="rect">
+                        <a:avLst/>
+                      </a:prstGeom>
+                      <a:noFill/>
+                    </p:spPr>
+                  </p:pic>
+                </p:oleObj>
+              </mc:Fallback>
+            </mc:AlternateContent>
+          </a:graphicData>
+        </a:graphic>
+      </p:graphicFrame>
+      <p:sp>
+        <p:nvSpPr>
+          <p:cNvPr id="6" name="矩形 5"/>
+          <p:cNvSpPr/>
+          <p:nvPr/>
+        </p:nvSpPr>
+        <p:spPr>
+          <a:xfrm>
+            <a:off x="220393" y="2416144"/>
+            <a:ext cx="2987040" cy="1506191"/>
+          </a:xfrm>
+          <a:prstGeom prst="rect">
+            <a:avLst/>
+          </a:prstGeom>
+        </p:spPr>
+        <p:txBody>
+          <a:bodyPr wrap="square">
+            <a:spAutoFit/>
+          </a:bodyPr>
+          <a:lstStyle/>
+          <a:p>
+            <a:r>
+              <a:rPr lang="zh-CN" altLang="zh-CN" kern="100" dirty="0">
+                <a:solidFill>
+                  <a:srgbClr val="000000"/>
+                </a:solidFill>
+                <a:latin typeface="Times New Roman" panose="02020603050405020304" pitchFamily="18" charset="0"/>
+                <a:ea typeface="宋体" panose="02010600030101010101" pitchFamily="2" charset="-122"/>
+                <a:cs typeface="Times New Roman" panose="02020603050405020304" pitchFamily="18" charset="0"/>
+              </a:rPr>
+              <a:t>由于增加了隐藏层之间节点的连接，因此隐藏层的输入不仅仅包括输入层的输出，同时也包括了上一时刻隐藏层的输出</a:t>
+            </a:r>
+            <a:endParaRPr lang="zh-CN" altLang="en-US" dirty="0"/>
+          </a:p>
+        </p:txBody>
+      </p:sp>
+      <p:sp>
+        <p:nvSpPr>
+          <p:cNvPr id="7" name="矩形 6"/>
+          <p:cNvSpPr/>
+          <p:nvPr/>
+        </p:nvSpPr>
+        <p:spPr>
+          <a:xfrm>
+            <a:off x="457041" y="5315038"/>
+            <a:ext cx="6096000" cy="1374735"/>
+          </a:xfrm>
+          <a:prstGeom prst="rect">
+            <a:avLst/>
+          </a:prstGeom>
+        </p:spPr>
+        <p:txBody>
+          <a:bodyPr>
+            <a:spAutoFit/>
+          </a:bodyPr>
+          <a:lstStyle/>
+          <a:p>
+            <a:pPr indent="266700" algn="just">
+              <a:lnSpc>
+                <a:spcPts val="2000"/>
+              </a:lnSpc>
+              <a:spcAft>
+                <a:spcPts val="180"/>
+              </a:spcAft>
+            </a:pPr>
+            <a:r>
+              <a:rPr lang="zh-CN" altLang="zh-CN" kern="100">
+                <a:solidFill>
+                  <a:srgbClr val="000000"/>
+                </a:solidFill>
+                <a:latin typeface="Times New Roman" panose="02020603050405020304" pitchFamily="18" charset="0"/>
+                <a:ea typeface="宋体" panose="02010600030101010101" pitchFamily="2" charset="-122"/>
+              </a:rPr>
+              <a:t>这样，</a:t>
+            </a:r>
+            <a:r>
+              <a:rPr lang="en-US" altLang="zh-CN" kern="100" dirty="0">
+                <a:solidFill>
+                  <a:srgbClr val="000000"/>
+                </a:solidFill>
+                <a:latin typeface="Times New Roman" panose="02020603050405020304" pitchFamily="18" charset="0"/>
+                <a:ea typeface="宋体" panose="02010600030101010101" pitchFamily="2" charset="-122"/>
+              </a:rPr>
+              <a:t>RNN</a:t>
+            </a:r>
+            <a:r>
+              <a:rPr lang="zh-CN" altLang="zh-CN" kern="100" dirty="0">
+                <a:solidFill>
+                  <a:srgbClr val="000000"/>
+                </a:solidFill>
+                <a:latin typeface="Times New Roman" panose="02020603050405020304" pitchFamily="18" charset="0"/>
+                <a:ea typeface="宋体" panose="02010600030101010101" pitchFamily="2" charset="-122"/>
+              </a:rPr>
+              <a:t>中当前输出不仅与当前输入有关，同时也与之前的输入有关，使得</a:t>
+            </a:r>
+            <a:r>
+              <a:rPr lang="en-US" altLang="zh-CN" kern="100" dirty="0">
+                <a:solidFill>
+                  <a:srgbClr val="000000"/>
+                </a:solidFill>
+                <a:latin typeface="Times New Roman" panose="02020603050405020304" pitchFamily="18" charset="0"/>
+                <a:ea typeface="宋体" panose="02010600030101010101" pitchFamily="2" charset="-122"/>
+              </a:rPr>
+              <a:t>RNN</a:t>
+            </a:r>
+            <a:r>
+              <a:rPr lang="zh-CN" altLang="zh-CN" kern="100" dirty="0">
+                <a:solidFill>
+                  <a:srgbClr val="000000"/>
+                </a:solidFill>
+                <a:latin typeface="Times New Roman" panose="02020603050405020304" pitchFamily="18" charset="0"/>
+                <a:ea typeface="宋体" panose="02010600030101010101" pitchFamily="2" charset="-122"/>
+              </a:rPr>
+              <a:t>可以利用上文信息得到当前输出。因此，对于一些序列问题，</a:t>
+            </a:r>
+            <a:r>
+              <a:rPr lang="en-US" altLang="zh-CN" kern="100" dirty="0">
+                <a:solidFill>
+                  <a:srgbClr val="000000"/>
+                </a:solidFill>
+                <a:latin typeface="Times New Roman" panose="02020603050405020304" pitchFamily="18" charset="0"/>
+                <a:ea typeface="宋体" panose="02010600030101010101" pitchFamily="2" charset="-122"/>
+              </a:rPr>
+              <a:t>RNN</a:t>
+            </a:r>
+            <a:r>
+              <a:rPr lang="zh-CN" altLang="zh-CN" kern="100" dirty="0">
+                <a:solidFill>
+                  <a:srgbClr val="000000"/>
+                </a:solidFill>
+                <a:latin typeface="Times New Roman" panose="02020603050405020304" pitchFamily="18" charset="0"/>
+                <a:ea typeface="宋体" panose="02010600030101010101" pitchFamily="2" charset="-122"/>
+              </a:rPr>
+              <a:t>可以很好地解决。例如预测一句话中下一个单词，显然该结果依赖于前面多个单词。</a:t>
+            </a:r>
+            <a:endParaRPr lang="zh-CN" altLang="zh-CN" sz="1400" kern="100" dirty="0">
+              <a:effectLst/>
+              <a:latin typeface="Times New Roman" panose="02020603050405020304" pitchFamily="18" charset="0"/>
+              <a:ea typeface="宋体" panose="02010600030101010101" pitchFamily="2" charset="-122"/>
+            </a:endParaRPr>
           </a:p>
         </p:txBody>
       </p:sp>
     </p:spTree>
     <p:extLst>
       <p:ext uri="{BB962C8B-B14F-4D97-AF65-F5344CB8AC3E}">
-        <p14:creationId xmlns:p14="http://schemas.microsoft.com/office/powerpoint/2010/main" val="2667414776"/>
+        <p14:creationId xmlns:p14="http://schemas.microsoft.com/office/powerpoint/2010/main" val="3242578881"/>
       </p:ext>
     </p:extLst>
   </p:cSld>
   <p:clrMapOvr>
     <a:masterClrMapping/>
   </p:clrMapOvr>
-  <p:timing>
-    <p:tnLst>
-      <p:par>
-        <p:cTn id="1" dur="indefinite" restart="never" nodeType="tmRoot"/>
-      </p:par>
-    </p:tnLst>
-  </p:timing>
 </p:sld>
 </file>
 
@@ -4916,77 +9539,283 @@
           <a:lstStyle/>
           <a:p>
             <a:r>
-              <a:rPr lang="zh-CN" altLang="en-US" dirty="0" smtClean="0">
-                <a:latin typeface="微软雅黑" panose="020B0503020204020204" pitchFamily="34" charset="-122"/>
-                <a:ea typeface="微软雅黑" panose="020B0503020204020204" pitchFamily="34" charset="-122"/>
-              </a:rPr>
-              <a:t>循环神经网络</a:t>
-            </a:r>
-            <a:endParaRPr lang="zh-CN" altLang="en-US" dirty="0">
-              <a:latin typeface="微软雅黑" panose="020B0503020204020204" pitchFamily="34" charset="-122"/>
-              <a:ea typeface="微软雅黑" panose="020B0503020204020204" pitchFamily="34" charset="-122"/>
-            </a:endParaRPr>
-          </a:p>
-        </p:txBody>
-      </p:sp>
-      <p:sp>
-        <p:nvSpPr>
-          <p:cNvPr id="3" name="内容占位符 2"/>
-          <p:cNvSpPr>
-            <a:spLocks noGrp="1"/>
-          </p:cNvSpPr>
-          <p:nvPr>
-            <p:ph idx="1"/>
-          </p:nvPr>
-        </p:nvSpPr>
-        <p:spPr/>
-        <p:txBody>
-          <a:bodyPr/>
-          <a:lstStyle/>
-          <a:p>
-            <a:r>
-              <a:rPr lang="en-US" altLang="zh-CN" dirty="0" smtClean="0"/>
-              <a:t>FNN</a:t>
-            </a:r>
-          </a:p>
-          <a:p>
-            <a:r>
               <a:rPr lang="en-US" altLang="zh-CN" dirty="0" smtClean="0"/>
               <a:t>RNN</a:t>
             </a:r>
-          </a:p>
-          <a:p>
-            <a:r>
-              <a:rPr lang="en-US" altLang="zh-CN" dirty="0" smtClean="0"/>
-              <a:t>LSTM</a:t>
-            </a:r>
-          </a:p>
-          <a:p>
-            <a:r>
-              <a:rPr lang="en-US" altLang="zh-CN" dirty="0" err="1" smtClean="0"/>
-              <a:t>StackRNN</a:t>
-            </a:r>
             <a:endParaRPr lang="zh-CN" altLang="en-US" dirty="0"/>
           </a:p>
         </p:txBody>
       </p:sp>
+      <p:sp>
+        <p:nvSpPr>
+          <p:cNvPr id="4" name="Rectangle 2"/>
+          <p:cNvSpPr>
+            <a:spLocks noChangeArrowheads="1"/>
+          </p:cNvSpPr>
+          <p:nvPr/>
+        </p:nvSpPr>
+        <p:spPr bwMode="auto">
+          <a:xfrm>
+            <a:off x="2006220" y="2483892"/>
+            <a:ext cx="14475307" cy="45719"/>
+          </a:xfrm>
+          <a:prstGeom prst="rect">
+            <a:avLst/>
+          </a:prstGeom>
+          <a:noFill/>
+          <a:ln>
+            <a:noFill/>
+          </a:ln>
+          <a:effectLst/>
+          <a:extLst>
+            <a:ext uri="{909E8E84-426E-40DD-AFC4-6F175D3DCCD1}">
+              <a14:hiddenFill xmlns:a14="http://schemas.microsoft.com/office/drawing/2010/main">
+                <a:solidFill>
+                  <a:schemeClr val="accent1"/>
+                </a:solidFill>
+              </a14:hiddenFill>
+            </a:ext>
+            <a:ext uri="{91240B29-F687-4F45-9708-019B960494DF}">
+              <a14:hiddenLine xmlns:a14="http://schemas.microsoft.com/office/drawing/2010/main" w="9525">
+                <a:solidFill>
+                  <a:schemeClr val="tx1"/>
+                </a:solidFill>
+                <a:miter lim="800000"/>
+                <a:headEnd/>
+                <a:tailEnd/>
+              </a14:hiddenLine>
+            </a:ext>
+            <a:ext uri="{AF507438-7753-43E0-B8FC-AC1667EBCBE1}">
+              <a14:hiddenEffects xmlns:a14="http://schemas.microsoft.com/office/drawing/2010/main">
+                <a:effectLst>
+                  <a:outerShdw dist="35921" dir="2700000" algn="ctr" rotWithShape="0">
+                    <a:schemeClr val="bg2"/>
+                  </a:outerShdw>
+                </a:effectLst>
+              </a14:hiddenEffects>
+            </a:ext>
+          </a:extLst>
+        </p:spPr>
+        <p:txBody>
+          <a:bodyPr vert="horz" wrap="square" lIns="91440" tIns="45720" rIns="91440" bIns="45720" numCol="1" anchor="ctr" anchorCtr="0" compatLnSpc="1">
+            <a:prstTxWarp prst="textNoShape">
+              <a:avLst/>
+            </a:prstTxWarp>
+            <a:spAutoFit/>
+          </a:bodyPr>
+          <a:lstStyle/>
+          <a:p>
+            <a:endParaRPr lang="zh-CN" altLang="en-US"/>
+          </a:p>
+        </p:txBody>
+      </p:sp>
+      <p:graphicFrame>
+        <p:nvGraphicFramePr>
+          <p:cNvPr id="5" name="对象 4"/>
+          <p:cNvGraphicFramePr>
+            <a:graphicFrameLocks noChangeAspect="1"/>
+          </p:cNvGraphicFramePr>
+          <p:nvPr>
+            <p:extLst>
+              <p:ext uri="{D42A27DB-BD31-4B8C-83A1-F6EECF244321}">
+                <p14:modId xmlns:p14="http://schemas.microsoft.com/office/powerpoint/2010/main" val="450952245"/>
+              </p:ext>
+            </p:extLst>
+          </p:nvPr>
+        </p:nvGraphicFramePr>
+        <p:xfrm>
+          <a:off x="3652140" y="1027906"/>
+          <a:ext cx="7857693" cy="2582210"/>
+        </p:xfrm>
+        <a:graphic>
+          <a:graphicData uri="http://schemas.openxmlformats.org/presentationml/2006/ole">
+            <mc:AlternateContent xmlns:mc="http://schemas.openxmlformats.org/markup-compatibility/2006">
+              <mc:Choice xmlns:v="urn:schemas-microsoft-com:vml" Requires="v">
+                <p:oleObj spid="_x0000_s4173" name="Visio" r:id="rId3" imgW="10982421" imgH="3629012" progId="Visio.Drawing.15">
+                  <p:embed/>
+                </p:oleObj>
+              </mc:Choice>
+              <mc:Fallback>
+                <p:oleObj name="Visio" r:id="rId3" imgW="10982421" imgH="3629012" progId="Visio.Drawing.15">
+                  <p:embed/>
+                  <p:pic>
+                    <p:nvPicPr>
+                      <p:cNvPr id="0" name="Object 1"/>
+                      <p:cNvPicPr>
+                        <a:picLocks noChangeAspect="1" noChangeArrowheads="1"/>
+                      </p:cNvPicPr>
+                      <p:nvPr/>
+                    </p:nvPicPr>
+                    <p:blipFill>
+                      <a:blip r:embed="rId4">
+                        <a:extLst>
+                          <a:ext uri="{28A0092B-C50C-407E-A947-70E740481C1C}">
+                            <a14:useLocalDpi xmlns:a14="http://schemas.microsoft.com/office/drawing/2010/main" val="0"/>
+                          </a:ext>
+                        </a:extLst>
+                      </a:blip>
+                      <a:srcRect/>
+                      <a:stretch>
+                        <a:fillRect/>
+                      </a:stretch>
+                    </p:blipFill>
+                    <p:spPr bwMode="auto">
+                      <a:xfrm>
+                        <a:off x="3652140" y="1027906"/>
+                        <a:ext cx="7857693" cy="2582210"/>
+                      </a:xfrm>
+                      <a:prstGeom prst="rect">
+                        <a:avLst/>
+                      </a:prstGeom>
+                      <a:noFill/>
+                    </p:spPr>
+                  </p:pic>
+                </p:oleObj>
+              </mc:Fallback>
+            </mc:AlternateContent>
+          </a:graphicData>
+        </a:graphic>
+      </p:graphicFrame>
+      <p:sp>
+        <p:nvSpPr>
+          <p:cNvPr id="6" name="Rectangle 6"/>
+          <p:cNvSpPr>
+            <a:spLocks noChangeArrowheads="1"/>
+          </p:cNvSpPr>
+          <p:nvPr/>
+        </p:nvSpPr>
+        <p:spPr bwMode="auto">
+          <a:xfrm>
+            <a:off x="393893" y="3821130"/>
+            <a:ext cx="13462551" cy="46901"/>
+          </a:xfrm>
+          <a:prstGeom prst="rect">
+            <a:avLst/>
+          </a:prstGeom>
+          <a:noFill/>
+          <a:ln>
+            <a:noFill/>
+          </a:ln>
+          <a:effectLst/>
+          <a:extLst>
+            <a:ext uri="{909E8E84-426E-40DD-AFC4-6F175D3DCCD1}">
+              <a14:hiddenFill xmlns:a14="http://schemas.microsoft.com/office/drawing/2010/main">
+                <a:solidFill>
+                  <a:schemeClr val="accent1"/>
+                </a:solidFill>
+              </a14:hiddenFill>
+            </a:ext>
+            <a:ext uri="{91240B29-F687-4F45-9708-019B960494DF}">
+              <a14:hiddenLine xmlns:a14="http://schemas.microsoft.com/office/drawing/2010/main" w="9525">
+                <a:solidFill>
+                  <a:schemeClr val="tx1"/>
+                </a:solidFill>
+                <a:miter lim="800000"/>
+                <a:headEnd/>
+                <a:tailEnd/>
+              </a14:hiddenLine>
+            </a:ext>
+            <a:ext uri="{AF507438-7753-43E0-B8FC-AC1667EBCBE1}">
+              <a14:hiddenEffects xmlns:a14="http://schemas.microsoft.com/office/drawing/2010/main">
+                <a:effectLst>
+                  <a:outerShdw dist="35921" dir="2700000" algn="ctr" rotWithShape="0">
+                    <a:schemeClr val="bg2"/>
+                  </a:outerShdw>
+                </a:effectLst>
+              </a14:hiddenEffects>
+            </a:ext>
+          </a:extLst>
+        </p:spPr>
+        <p:txBody>
+          <a:bodyPr vert="horz" wrap="square" lIns="91440" tIns="45720" rIns="91440" bIns="45720" numCol="1" anchor="ctr" anchorCtr="0" compatLnSpc="1">
+            <a:prstTxWarp prst="textNoShape">
+              <a:avLst/>
+            </a:prstTxWarp>
+            <a:spAutoFit/>
+          </a:bodyPr>
+          <a:lstStyle/>
+          <a:p>
+            <a:endParaRPr lang="zh-CN" altLang="en-US"/>
+          </a:p>
+        </p:txBody>
+      </p:sp>
+      <p:graphicFrame>
+        <p:nvGraphicFramePr>
+          <p:cNvPr id="7" name="对象 6"/>
+          <p:cNvGraphicFramePr>
+            <a:graphicFrameLocks noChangeAspect="1"/>
+          </p:cNvGraphicFramePr>
+          <p:nvPr>
+            <p:extLst>
+              <p:ext uri="{D42A27DB-BD31-4B8C-83A1-F6EECF244321}">
+                <p14:modId xmlns:p14="http://schemas.microsoft.com/office/powerpoint/2010/main" val="4215783294"/>
+              </p:ext>
+            </p:extLst>
+          </p:nvPr>
+        </p:nvGraphicFramePr>
+        <p:xfrm>
+          <a:off x="393893" y="3821130"/>
+          <a:ext cx="5134709" cy="2813393"/>
+        </p:xfrm>
+        <a:graphic>
+          <a:graphicData uri="http://schemas.openxmlformats.org/presentationml/2006/ole">
+            <mc:AlternateContent xmlns:mc="http://schemas.openxmlformats.org/markup-compatibility/2006">
+              <mc:Choice xmlns:v="urn:schemas-microsoft-com:vml" Requires="v">
+                <p:oleObj spid="_x0000_s4174" name="Visio" r:id="rId5" imgW="7505623" imgH="4152847" progId="Visio.Drawing.15">
+                  <p:embed/>
+                </p:oleObj>
+              </mc:Choice>
+              <mc:Fallback>
+                <p:oleObj name="Visio" r:id="rId5" imgW="7505623" imgH="4152847" progId="Visio.Drawing.15">
+                  <p:embed/>
+                  <p:pic>
+                    <p:nvPicPr>
+                      <p:cNvPr id="0" name="Object 5"/>
+                      <p:cNvPicPr>
+                        <a:picLocks noChangeAspect="1" noChangeArrowheads="1"/>
+                      </p:cNvPicPr>
+                      <p:nvPr/>
+                    </p:nvPicPr>
+                    <p:blipFill>
+                      <a:blip r:embed="rId6">
+                        <a:extLst>
+                          <a:ext uri="{28A0092B-C50C-407E-A947-70E740481C1C}">
+                            <a14:useLocalDpi xmlns:a14="http://schemas.microsoft.com/office/drawing/2010/main" val="0"/>
+                          </a:ext>
+                        </a:extLst>
+                      </a:blip>
+                      <a:srcRect/>
+                      <a:stretch>
+                        <a:fillRect/>
+                      </a:stretch>
+                    </p:blipFill>
+                    <p:spPr bwMode="auto">
+                      <a:xfrm>
+                        <a:off x="393893" y="3821130"/>
+                        <a:ext cx="5134709" cy="2813393"/>
+                      </a:xfrm>
+                      <a:prstGeom prst="rect">
+                        <a:avLst/>
+                      </a:prstGeom>
+                      <a:noFill/>
+                    </p:spPr>
+                  </p:pic>
+                </p:oleObj>
+              </mc:Fallback>
+            </mc:AlternateContent>
+          </a:graphicData>
+        </a:graphic>
+      </p:graphicFrame>
     </p:spTree>
     <p:extLst>
       <p:ext uri="{BB962C8B-B14F-4D97-AF65-F5344CB8AC3E}">
-        <p14:creationId xmlns:p14="http://schemas.microsoft.com/office/powerpoint/2010/main" val="3369319297"/>
+        <p14:creationId xmlns:p14="http://schemas.microsoft.com/office/powerpoint/2010/main" val="3735954955"/>
       </p:ext>
     </p:extLst>
   </p:cSld>
   <p:clrMapOvr>
     <a:masterClrMapping/>
   </p:clrMapOvr>
-  <p:timing>
-    <p:tnLst>
-      <p:par>
-        <p:cTn id="1" dur="indefinite" restart="never" nodeType="tmRoot"/>
-      </p:par>
-    </p:tnLst>
-  </p:timing>
 </p:sld>
 </file>
 
@@ -5023,86 +9852,101 @@
           <a:lstStyle/>
           <a:p>
             <a:r>
-              <a:rPr lang="zh-CN" altLang="en-US" dirty="0" smtClean="0"/>
-              <a:t>基于</a:t>
-            </a:r>
-            <a:r>
               <a:rPr lang="en-US" altLang="zh-CN" dirty="0" smtClean="0"/>
               <a:t>RNN</a:t>
             </a:r>
-            <a:r>
-              <a:rPr lang="zh-CN" altLang="en-US" dirty="0" smtClean="0"/>
-              <a:t>的程序自动生成模型的设计与实现</a:t>
-            </a:r>
             <a:endParaRPr lang="zh-CN" altLang="en-US" dirty="0"/>
           </a:p>
         </p:txBody>
       </p:sp>
-      <p:sp>
-        <p:nvSpPr>
-          <p:cNvPr id="3" name="内容占位符 2"/>
-          <p:cNvSpPr>
-            <a:spLocks noGrp="1"/>
-          </p:cNvSpPr>
-          <p:nvPr>
-            <p:ph idx="1"/>
-          </p:nvPr>
-        </p:nvSpPr>
-        <p:spPr/>
-        <p:txBody>
-          <a:bodyPr/>
-          <a:lstStyle/>
-          <a:p>
-            <a:r>
-              <a:rPr lang="zh-CN" altLang="en-US" dirty="0" smtClean="0"/>
-              <a:t>保留程序结构</a:t>
-            </a:r>
-            <a:endParaRPr lang="en-US" altLang="zh-CN" dirty="0" smtClean="0"/>
-          </a:p>
-          <a:p>
-            <a:r>
-              <a:rPr lang="zh-CN" altLang="en-US" dirty="0" smtClean="0"/>
-              <a:t>模型（</a:t>
-            </a:r>
-            <a:r>
-              <a:rPr lang="en-US" altLang="zh-CN" dirty="0" smtClean="0"/>
-              <a:t>1,2,3</a:t>
-            </a:r>
-            <a:r>
-              <a:rPr lang="zh-CN" altLang="en-US" dirty="0" smtClean="0"/>
-              <a:t>）</a:t>
-            </a:r>
-            <a:endParaRPr lang="en-US" altLang="zh-CN" dirty="0" smtClean="0"/>
-          </a:p>
-          <a:p>
-            <a:r>
-              <a:rPr lang="zh-CN" altLang="en-US" dirty="0" smtClean="0"/>
-              <a:t>模型训练</a:t>
-            </a:r>
-            <a:endParaRPr lang="en-US" altLang="zh-CN" dirty="0" smtClean="0"/>
-          </a:p>
-          <a:p>
-            <a:endParaRPr lang="en-US" altLang="zh-CN" dirty="0" smtClean="0"/>
+      <p:pic>
+        <p:nvPicPr>
+          <p:cNvPr id="4" name="图片 3"/>
+          <p:cNvPicPr>
+            <a:picLocks noChangeAspect="1"/>
+          </p:cNvPicPr>
+          <p:nvPr/>
+        </p:nvPicPr>
+        <p:blipFill>
+          <a:blip r:embed="rId2"/>
+          <a:stretch>
+            <a:fillRect/>
+          </a:stretch>
+        </p:blipFill>
+        <p:spPr>
+          <a:xfrm>
+            <a:off x="838200" y="1690687"/>
+            <a:ext cx="5088106" cy="2117037"/>
+          </a:xfrm>
+          <a:prstGeom prst="rect">
+            <a:avLst/>
+          </a:prstGeom>
+        </p:spPr>
+      </p:pic>
+      <p:pic>
+        <p:nvPicPr>
+          <p:cNvPr id="5" name="图片 4"/>
+          <p:cNvPicPr>
+            <a:picLocks noChangeAspect="1"/>
+          </p:cNvPicPr>
+          <p:nvPr/>
+        </p:nvPicPr>
+        <p:blipFill>
+          <a:blip r:embed="rId3"/>
+          <a:stretch>
+            <a:fillRect/>
+          </a:stretch>
+        </p:blipFill>
+        <p:spPr>
+          <a:xfrm>
+            <a:off x="603679" y="4270114"/>
+            <a:ext cx="6804217" cy="2169993"/>
+          </a:xfrm>
+          <a:prstGeom prst="rect">
+            <a:avLst/>
+          </a:prstGeom>
+        </p:spPr>
+      </p:pic>
+      <p:sp>
+        <p:nvSpPr>
+          <p:cNvPr id="6" name="文本框 5"/>
+          <p:cNvSpPr txBox="1"/>
+          <p:nvPr/>
+        </p:nvSpPr>
+        <p:spPr>
+          <a:xfrm>
+            <a:off x="8816453" y="2518372"/>
+            <a:ext cx="1415772" cy="461665"/>
+          </a:xfrm>
+          <a:prstGeom prst="rect">
+            <a:avLst/>
+          </a:prstGeom>
+          <a:noFill/>
+        </p:spPr>
+        <p:txBody>
+          <a:bodyPr wrap="none" rtlCol="0">
+            <a:spAutoFit/>
+          </a:bodyPr>
+          <a:lstStyle/>
+          <a:p>
+            <a:r>
+              <a:rPr lang="zh-CN" altLang="en-US" sz="2400" dirty="0" smtClean="0"/>
+              <a:t>梯度消失</a:t>
+            </a:r>
+            <a:endParaRPr lang="zh-CN" altLang="en-US" sz="2400" dirty="0"/>
           </a:p>
         </p:txBody>
       </p:sp>
     </p:spTree>
     <p:extLst>
       <p:ext uri="{BB962C8B-B14F-4D97-AF65-F5344CB8AC3E}">
-        <p14:creationId xmlns:p14="http://schemas.microsoft.com/office/powerpoint/2010/main" val="1435314702"/>
+        <p14:creationId xmlns:p14="http://schemas.microsoft.com/office/powerpoint/2010/main" val="3635051806"/>
       </p:ext>
     </p:extLst>
   </p:cSld>
   <p:clrMapOvr>
     <a:masterClrMapping/>
   </p:clrMapOvr>
-  <p:timing>
-    <p:tnLst>
-      <p:par>
-        <p:cTn id="1" dur="indefinite" restart="never" nodeType="tmRoot"/>
-      </p:par>
-    </p:tnLst>
-  </p:timing>
 </p:sld>
 </file>
 
